--- a/bixiejianpu/hadoop/bigData.pptx
+++ b/bixiejianpu/hadoop/bigData.pptx
@@ -34,6 +34,15 @@
     <p:sldId id="274" r:id="rId28"/>
     <p:sldId id="275" r:id="rId29"/>
     <p:sldId id="276" r:id="rId30"/>
+    <p:sldId id="285" r:id="rId31"/>
+    <p:sldId id="286" r:id="rId32"/>
+    <p:sldId id="287" r:id="rId33"/>
+    <p:sldId id="288" r:id="rId34"/>
+    <p:sldId id="289" r:id="rId35"/>
+    <p:sldId id="290" r:id="rId36"/>
+    <p:sldId id="291" r:id="rId37"/>
+    <p:sldId id="292" r:id="rId38"/>
+    <p:sldId id="293" r:id="rId39"/>
   </p:sldIdLst>
   <p:sldSz cx="12192000" cy="6858000"/>
   <p:notesSz cx="6858000" cy="9144000"/>
@@ -271,7 +280,7 @@
           <a:p>
             <a:fld id="{537C006B-56ED-4296-AE01-F92F078ACF24}" type="datetimeFigureOut">
               <a:rPr lang="zh-CN" altLang="en-US" smtClean="0"/>
-              <a:t>2018/9/27</a:t>
+              <a:t>2018/9/28</a:t>
             </a:fld>
             <a:endParaRPr lang="zh-CN" altLang="en-US"/>
           </a:p>
@@ -441,7 +450,7 @@
           <a:p>
             <a:fld id="{537C006B-56ED-4296-AE01-F92F078ACF24}" type="datetimeFigureOut">
               <a:rPr lang="zh-CN" altLang="en-US" smtClean="0"/>
-              <a:t>2018/9/27</a:t>
+              <a:t>2018/9/28</a:t>
             </a:fld>
             <a:endParaRPr lang="zh-CN" altLang="en-US"/>
           </a:p>
@@ -621,7 +630,7 @@
           <a:p>
             <a:fld id="{537C006B-56ED-4296-AE01-F92F078ACF24}" type="datetimeFigureOut">
               <a:rPr lang="zh-CN" altLang="en-US" smtClean="0"/>
-              <a:t>2018/9/27</a:t>
+              <a:t>2018/9/28</a:t>
             </a:fld>
             <a:endParaRPr lang="zh-CN" altLang="en-US"/>
           </a:p>
@@ -791,7 +800,7 @@
           <a:p>
             <a:fld id="{537C006B-56ED-4296-AE01-F92F078ACF24}" type="datetimeFigureOut">
               <a:rPr lang="zh-CN" altLang="en-US" smtClean="0"/>
-              <a:t>2018/9/27</a:t>
+              <a:t>2018/9/28</a:t>
             </a:fld>
             <a:endParaRPr lang="zh-CN" altLang="en-US"/>
           </a:p>
@@ -1037,7 +1046,7 @@
           <a:p>
             <a:fld id="{537C006B-56ED-4296-AE01-F92F078ACF24}" type="datetimeFigureOut">
               <a:rPr lang="zh-CN" altLang="en-US" smtClean="0"/>
-              <a:t>2018/9/27</a:t>
+              <a:t>2018/9/28</a:t>
             </a:fld>
             <a:endParaRPr lang="zh-CN" altLang="en-US"/>
           </a:p>
@@ -1269,7 +1278,7 @@
           <a:p>
             <a:fld id="{537C006B-56ED-4296-AE01-F92F078ACF24}" type="datetimeFigureOut">
               <a:rPr lang="zh-CN" altLang="en-US" smtClean="0"/>
-              <a:t>2018/9/27</a:t>
+              <a:t>2018/9/28</a:t>
             </a:fld>
             <a:endParaRPr lang="zh-CN" altLang="en-US"/>
           </a:p>
@@ -1636,7 +1645,7 @@
           <a:p>
             <a:fld id="{537C006B-56ED-4296-AE01-F92F078ACF24}" type="datetimeFigureOut">
               <a:rPr lang="zh-CN" altLang="en-US" smtClean="0"/>
-              <a:t>2018/9/27</a:t>
+              <a:t>2018/9/28</a:t>
             </a:fld>
             <a:endParaRPr lang="zh-CN" altLang="en-US"/>
           </a:p>
@@ -1754,7 +1763,7 @@
           <a:p>
             <a:fld id="{537C006B-56ED-4296-AE01-F92F078ACF24}" type="datetimeFigureOut">
               <a:rPr lang="zh-CN" altLang="en-US" smtClean="0"/>
-              <a:t>2018/9/27</a:t>
+              <a:t>2018/9/28</a:t>
             </a:fld>
             <a:endParaRPr lang="zh-CN" altLang="en-US"/>
           </a:p>
@@ -1849,7 +1858,7 @@
           <a:p>
             <a:fld id="{537C006B-56ED-4296-AE01-F92F078ACF24}" type="datetimeFigureOut">
               <a:rPr lang="zh-CN" altLang="en-US" smtClean="0"/>
-              <a:t>2018/9/27</a:t>
+              <a:t>2018/9/28</a:t>
             </a:fld>
             <a:endParaRPr lang="zh-CN" altLang="en-US"/>
           </a:p>
@@ -2126,7 +2135,7 @@
           <a:p>
             <a:fld id="{537C006B-56ED-4296-AE01-F92F078ACF24}" type="datetimeFigureOut">
               <a:rPr lang="zh-CN" altLang="en-US" smtClean="0"/>
-              <a:t>2018/9/27</a:t>
+              <a:t>2018/9/28</a:t>
             </a:fld>
             <a:endParaRPr lang="zh-CN" altLang="en-US"/>
           </a:p>
@@ -2379,7 +2388,7 @@
           <a:p>
             <a:fld id="{537C006B-56ED-4296-AE01-F92F078ACF24}" type="datetimeFigureOut">
               <a:rPr lang="zh-CN" altLang="en-US" smtClean="0"/>
-              <a:t>2018/9/27</a:t>
+              <a:t>2018/9/28</a:t>
             </a:fld>
             <a:endParaRPr lang="zh-CN" altLang="en-US"/>
           </a:p>
@@ -2592,7 +2601,7 @@
           <a:p>
             <a:fld id="{537C006B-56ED-4296-AE01-F92F078ACF24}" type="datetimeFigureOut">
               <a:rPr lang="zh-CN" altLang="en-US" smtClean="0"/>
-              <a:t>2018/9/27</a:t>
+              <a:t>2018/9/28</a:t>
             </a:fld>
             <a:endParaRPr lang="zh-CN" altLang="en-US"/>
           </a:p>
@@ -3148,11 +3157,7 @@
             </a:r>
             <a:r>
               <a:rPr lang="en-US" altLang="zh-CN" dirty="0" smtClean="0"/>
-              <a:t>192.168.1.1	</a:t>
-            </a:r>
-            <a:r>
-              <a:rPr lang="en-US" altLang="zh-CN" dirty="0" smtClean="0"/>
-              <a:t>master	# </a:t>
+              <a:t>192.168.1.1	master	# </a:t>
             </a:r>
             <a:r>
               <a:rPr lang="en-US" altLang="zh-CN" dirty="0" err="1" smtClean="0"/>
@@ -3178,11 +3183,7 @@
             </a:r>
             <a:r>
               <a:rPr lang="en-US" altLang="zh-CN" dirty="0" smtClean="0"/>
-              <a:t>192.168.1.2	</a:t>
-            </a:r>
-            <a:r>
-              <a:rPr lang="en-US" altLang="zh-CN" dirty="0" smtClean="0"/>
-              <a:t>node1	# </a:t>
+              <a:t>192.168.1.2	node1	# </a:t>
             </a:r>
             <a:r>
               <a:rPr lang="en-US" altLang="zh-CN" dirty="0" err="1" smtClean="0"/>
@@ -3200,11 +3201,7 @@
             </a:r>
             <a:r>
               <a:rPr lang="en-US" altLang="zh-CN" dirty="0" smtClean="0"/>
-              <a:t>192.168.1.3	</a:t>
-            </a:r>
-            <a:r>
-              <a:rPr lang="en-US" altLang="zh-CN" dirty="0" smtClean="0"/>
-              <a:t>node2	# </a:t>
+              <a:t>192.168.1.3	node2	# </a:t>
             </a:r>
             <a:r>
               <a:rPr lang="en-US" altLang="zh-CN" dirty="0" err="1" smtClean="0"/>
@@ -3222,11 +3219,7 @@
             </a:r>
             <a:r>
               <a:rPr lang="en-US" altLang="zh-CN" dirty="0" smtClean="0"/>
-              <a:t>192.168.1.4	</a:t>
-            </a:r>
-            <a:r>
-              <a:rPr lang="en-US" altLang="zh-CN" dirty="0" smtClean="0"/>
-              <a:t>node3	# </a:t>
+              <a:t>192.168.1.4	node3	# </a:t>
             </a:r>
             <a:r>
               <a:rPr lang="en-US" altLang="zh-CN" dirty="0" err="1" smtClean="0"/>
@@ -3317,7 +3310,6 @@
               <a:rPr lang="en-US" altLang="zh-CN" dirty="0" smtClean="0"/>
               <a:t>	Host *</a:t>
             </a:r>
-            <a:endParaRPr lang="en-US" altLang="zh-CN" dirty="0" smtClean="0"/>
           </a:p>
           <a:p>
             <a:pPr marL="0" indent="0">
@@ -3506,7 +3498,6 @@
               <a:rPr lang="en-US" altLang="zh-CN" dirty="0"/>
               <a:t>	</a:t>
             </a:r>
-            <a:endParaRPr lang="en-US" altLang="zh-CN" dirty="0"/>
           </a:p>
           <a:p>
             <a:pPr marL="0" indent="0">
@@ -3813,11 +3804,7 @@
             </a:pPr>
             <a:r>
               <a:rPr lang="en-US" altLang="zh-CN" dirty="0" smtClean="0"/>
-              <a:t>1</a:t>
-            </a:r>
-            <a:r>
-              <a:rPr lang="en-US" altLang="zh-CN" dirty="0" smtClean="0"/>
-              <a:t>.</a:t>
+              <a:t>1.</a:t>
             </a:r>
             <a:r>
               <a:rPr lang="zh-CN" altLang="en-US" dirty="0" smtClean="0"/>
@@ -3845,11 +3832,7 @@
             </a:r>
             <a:r>
               <a:rPr lang="zh-CN" altLang="en-US" dirty="0" smtClean="0"/>
-              <a:t>节点</a:t>
-            </a:r>
-            <a:r>
-              <a:rPr lang="zh-CN" altLang="en-US" dirty="0" smtClean="0"/>
-              <a:t>的</a:t>
+              <a:t>节点的</a:t>
             </a:r>
             <a:r>
               <a:rPr lang="en-US" altLang="zh-CN" dirty="0" smtClean="0"/>
@@ -3876,7 +3859,6 @@
               <a:rPr lang="en-US" altLang="zh-CN" dirty="0" smtClean="0"/>
               <a:t>]</a:t>
             </a:r>
-            <a:endParaRPr lang="en-US" altLang="zh-CN" dirty="0" smtClean="0"/>
           </a:p>
           <a:p>
             <a:pPr marL="0" indent="0">
@@ -4477,11 +4459,7 @@
             </a:r>
             <a:r>
               <a:rPr lang="en-US" altLang="zh-CN" dirty="0" smtClean="0"/>
-              <a:t>	</a:t>
-            </a:r>
-            <a:r>
-              <a:rPr lang="en-US" altLang="zh-CN" dirty="0" smtClean="0"/>
-              <a:t>value:2</a:t>
+              <a:t>	value:2</a:t>
             </a:r>
           </a:p>
           <a:p>
@@ -4689,110 +4667,134 @@
             </a:r>
             <a:r>
               <a:rPr lang="en-US" altLang="zh-CN" dirty="0" smtClean="0"/>
+              <a:t> -format</a:t>
+            </a:r>
+          </a:p>
+          <a:p>
+            <a:pPr marL="0" indent="0">
+              <a:buNone/>
+            </a:pPr>
+            <a:r>
+              <a:rPr lang="en-US" altLang="zh-CN" dirty="0" smtClean="0"/>
+              <a:t>2.</a:t>
+            </a:r>
+            <a:r>
+              <a:rPr lang="zh-CN" altLang="en-US" dirty="0" smtClean="0"/>
+              <a:t>启动集群</a:t>
+            </a:r>
+            <a:endParaRPr lang="en-US" altLang="zh-CN" dirty="0" smtClean="0"/>
+          </a:p>
+          <a:p>
+            <a:pPr marL="0" indent="0">
+              <a:buNone/>
+            </a:pPr>
+            <a:r>
+              <a:rPr lang="en-US" altLang="zh-CN" dirty="0"/>
+              <a:t>	</a:t>
+            </a:r>
+            <a:r>
+              <a:rPr lang="en-US" altLang="zh-CN" dirty="0" smtClean="0"/>
+              <a:t>./sbin/start-dfs.sh</a:t>
+            </a:r>
+          </a:p>
+          <a:p>
+            <a:pPr marL="0" indent="0">
+              <a:buNone/>
+            </a:pPr>
+            <a:r>
+              <a:rPr lang="en-US" altLang="zh-CN" dirty="0" smtClean="0"/>
+              <a:t>3.Jps</a:t>
+            </a:r>
+            <a:r>
+              <a:rPr lang="zh-CN" altLang="en-US" dirty="0" smtClean="0"/>
+              <a:t>验证角色</a:t>
+            </a:r>
+            <a:endParaRPr lang="en-US" altLang="zh-CN" dirty="0" smtClean="0"/>
+          </a:p>
+          <a:p>
+            <a:pPr marL="0" indent="0">
+              <a:buNone/>
+            </a:pPr>
+            <a:r>
+              <a:rPr lang="en-US" altLang="zh-CN" dirty="0"/>
+              <a:t>	</a:t>
+            </a:r>
+            <a:r>
+              <a:rPr lang="en-US" altLang="zh-CN" dirty="0" err="1" smtClean="0"/>
+              <a:t>jps</a:t>
+            </a:r>
+            <a:r>
+              <a:rPr lang="en-US" altLang="zh-CN" dirty="0" smtClean="0"/>
+              <a:t> =&gt;</a:t>
+            </a:r>
+            <a:r>
+              <a:rPr lang="zh-CN" altLang="en-US" dirty="0" smtClean="0"/>
+              <a:t>主上有</a:t>
+            </a:r>
+            <a:r>
+              <a:rPr lang="en-US" altLang="zh-CN" dirty="0" err="1" smtClean="0"/>
+              <a:t>namenode</a:t>
+            </a:r>
+            <a:r>
+              <a:rPr lang="zh-CN" altLang="en-US" dirty="0" smtClean="0"/>
+              <a:t>和</a:t>
+            </a:r>
+            <a:r>
+              <a:rPr lang="en-US" altLang="zh-CN" dirty="0" err="1" smtClean="0"/>
+              <a:t>secondarynamenode</a:t>
+            </a:r>
+            <a:r>
+              <a:rPr lang="zh-CN" altLang="en-US" dirty="0" smtClean="0"/>
+              <a:t>，从上有</a:t>
+            </a:r>
+            <a:r>
+              <a:rPr lang="en-US" altLang="zh-CN" dirty="0" err="1" smtClean="0"/>
+              <a:t>datanode</a:t>
+            </a:r>
+            <a:endParaRPr lang="en-US" altLang="zh-CN" dirty="0" smtClean="0"/>
+          </a:p>
+          <a:p>
+            <a:pPr marL="0" indent="0">
+              <a:buNone/>
+            </a:pPr>
+            <a:r>
+              <a:rPr lang="en-US" altLang="zh-CN" dirty="0" smtClean="0"/>
+              <a:t>4.</a:t>
+            </a:r>
+            <a:r>
+              <a:rPr lang="zh-CN" altLang="en-US" dirty="0" smtClean="0"/>
+              <a:t>验证集群</a:t>
+            </a:r>
+            <a:endParaRPr lang="en-US" altLang="zh-CN" dirty="0" smtClean="0"/>
+          </a:p>
+          <a:p>
+            <a:pPr marL="0" indent="0">
+              <a:buNone/>
+            </a:pPr>
+            <a:r>
+              <a:rPr lang="en-US" altLang="zh-CN" dirty="0"/>
+              <a:t>	</a:t>
+            </a:r>
+            <a:r>
+              <a:rPr lang="en-US" altLang="zh-CN" dirty="0" smtClean="0"/>
+              <a:t>./bin/</a:t>
+            </a:r>
+            <a:r>
+              <a:rPr lang="en-US" altLang="zh-CN" dirty="0" err="1" smtClean="0"/>
+              <a:t>hdfs</a:t>
+            </a:r>
+            <a:r>
+              <a:rPr lang="en-US" altLang="zh-CN" dirty="0" smtClean="0"/>
               <a:t> </a:t>
             </a:r>
             <a:r>
-              <a:rPr lang="en-US" altLang="zh-CN" dirty="0" smtClean="0"/>
-              <a:t>-format</a:t>
-            </a:r>
-            <a:endParaRPr lang="en-US" altLang="zh-CN" dirty="0" smtClean="0"/>
-          </a:p>
-          <a:p>
-            <a:pPr marL="0" indent="0">
-              <a:buNone/>
-            </a:pPr>
-            <a:r>
-              <a:rPr lang="en-US" altLang="zh-CN" dirty="0" smtClean="0"/>
-              <a:t>2.</a:t>
-            </a:r>
-            <a:r>
-              <a:rPr lang="zh-CN" altLang="en-US" dirty="0" smtClean="0"/>
-              <a:t>启动集群</a:t>
-            </a:r>
-            <a:endParaRPr lang="en-US" altLang="zh-CN" dirty="0" smtClean="0"/>
-          </a:p>
-          <a:p>
-            <a:pPr marL="0" indent="0">
-              <a:buNone/>
-            </a:pPr>
-            <a:r>
-              <a:rPr lang="en-US" altLang="zh-CN" dirty="0"/>
-              <a:t>	</a:t>
-            </a:r>
-            <a:r>
-              <a:rPr lang="en-US" altLang="zh-CN" dirty="0" smtClean="0"/>
-              <a:t>./sbin/start-dfs.sh</a:t>
-            </a:r>
-          </a:p>
-          <a:p>
-            <a:pPr marL="0" indent="0">
-              <a:buNone/>
-            </a:pPr>
-            <a:r>
-              <a:rPr lang="en-US" altLang="zh-CN" dirty="0" smtClean="0"/>
-              <a:t>3.Jps</a:t>
-            </a:r>
-            <a:r>
-              <a:rPr lang="zh-CN" altLang="en-US" dirty="0" smtClean="0"/>
-              <a:t>验证角色</a:t>
-            </a:r>
-            <a:endParaRPr lang="en-US" altLang="zh-CN" dirty="0" smtClean="0"/>
-          </a:p>
-          <a:p>
-            <a:pPr marL="0" indent="0">
-              <a:buNone/>
-            </a:pPr>
-            <a:r>
-              <a:rPr lang="en-US" altLang="zh-CN" dirty="0"/>
-              <a:t>	</a:t>
-            </a:r>
-            <a:r>
-              <a:rPr lang="en-US" altLang="zh-CN" dirty="0" err="1" smtClean="0"/>
-              <a:t>jps</a:t>
-            </a:r>
-            <a:r>
-              <a:rPr lang="en-US" altLang="zh-CN" dirty="0" smtClean="0"/>
-              <a:t> =&gt;</a:t>
-            </a:r>
-            <a:r>
-              <a:rPr lang="zh-CN" altLang="en-US" dirty="0" smtClean="0"/>
-              <a:t>主上有</a:t>
-            </a:r>
-            <a:r>
-              <a:rPr lang="en-US" altLang="zh-CN" dirty="0" err="1" smtClean="0"/>
-              <a:t>namenode</a:t>
-            </a:r>
-            <a:r>
-              <a:rPr lang="zh-CN" altLang="en-US" dirty="0" smtClean="0"/>
-              <a:t>和</a:t>
-            </a:r>
-            <a:r>
-              <a:rPr lang="en-US" altLang="zh-CN" dirty="0" err="1" smtClean="0"/>
-              <a:t>secondarynamenode</a:t>
-            </a:r>
-            <a:r>
-              <a:rPr lang="zh-CN" altLang="en-US" dirty="0" smtClean="0"/>
-              <a:t>，从上有</a:t>
-            </a:r>
-            <a:r>
-              <a:rPr lang="en-US" altLang="zh-CN" dirty="0" err="1" smtClean="0"/>
-              <a:t>datanode</a:t>
-            </a:r>
-            <a:endParaRPr lang="en-US" altLang="zh-CN" dirty="0" smtClean="0"/>
-          </a:p>
-          <a:p>
-            <a:pPr marL="0" indent="0">
-              <a:buNone/>
-            </a:pPr>
-            <a:r>
-              <a:rPr lang="en-US" altLang="zh-CN" dirty="0" smtClean="0"/>
-              <a:t>4.</a:t>
-            </a:r>
-            <a:r>
-              <a:rPr lang="zh-CN" altLang="en-US" dirty="0" smtClean="0"/>
-              <a:t>验证集群</a:t>
-            </a:r>
-            <a:endParaRPr lang="en-US" altLang="zh-CN" dirty="0" smtClean="0"/>
+              <a:rPr lang="en-US" altLang="zh-CN" dirty="0" err="1" smtClean="0"/>
+              <a:t>dfsadmin</a:t>
+            </a:r>
+            <a:r>
+              <a:rPr lang="en-US" altLang="zh-CN" dirty="0" smtClean="0"/>
+              <a:t> -report</a:t>
+            </a:r>
           </a:p>
           <a:p>
             <a:pPr marL="0" indent="0">
@@ -4805,44 +4807,6 @@
             <a:r>
               <a:rPr lang="en-US" altLang="zh-CN" dirty="0" smtClean="0"/>
               <a:t>./bin/</a:t>
-            </a:r>
-            <a:r>
-              <a:rPr lang="en-US" altLang="zh-CN" dirty="0" err="1" smtClean="0"/>
-              <a:t>hdfs</a:t>
-            </a:r>
-            <a:r>
-              <a:rPr lang="en-US" altLang="zh-CN" dirty="0" smtClean="0"/>
-              <a:t> </a:t>
-            </a:r>
-            <a:r>
-              <a:rPr lang="en-US" altLang="zh-CN" dirty="0" err="1" smtClean="0"/>
-              <a:t>dfsadmin</a:t>
-            </a:r>
-            <a:r>
-              <a:rPr lang="en-US" altLang="zh-CN" dirty="0" smtClean="0"/>
-              <a:t> </a:t>
-            </a:r>
-            <a:r>
-              <a:rPr lang="en-US" altLang="zh-CN" dirty="0" smtClean="0"/>
-              <a:t>-report</a:t>
-            </a:r>
-            <a:endParaRPr lang="en-US" altLang="zh-CN" dirty="0" smtClean="0"/>
-          </a:p>
-          <a:p>
-            <a:pPr marL="0" indent="0">
-              <a:buNone/>
-            </a:pPr>
-            <a:r>
-              <a:rPr lang="en-US" altLang="zh-CN" dirty="0"/>
-              <a:t>	</a:t>
-            </a:r>
-            <a:r>
-              <a:rPr lang="en-US" altLang="zh-CN" dirty="0" smtClean="0"/>
-              <a:t>./</a:t>
-            </a:r>
-            <a:r>
-              <a:rPr lang="en-US" altLang="zh-CN" dirty="0" smtClean="0"/>
-              <a:t>bin/</a:t>
             </a:r>
             <a:r>
               <a:rPr lang="en-US" altLang="zh-CN" dirty="0" err="1" smtClean="0"/>
@@ -5230,11 +5194,7 @@
             </a:pPr>
             <a:r>
               <a:rPr lang="en-US" altLang="zh-CN" dirty="0" smtClean="0"/>
-              <a:t>1</a:t>
-            </a:r>
-            <a:r>
-              <a:rPr lang="en-US" altLang="zh-CN" dirty="0" smtClean="0"/>
-              <a:t>.</a:t>
+              <a:t>1.</a:t>
             </a:r>
             <a:r>
               <a:rPr lang="zh-CN" altLang="en-US" dirty="0" smtClean="0"/>
@@ -5651,11 +5611,7 @@
             </a:r>
             <a:r>
               <a:rPr lang="en-US" altLang="zh-CN" sz="1900" dirty="0" smtClean="0"/>
-              <a:t>/local/Hadoop/; </a:t>
-            </a:r>
-            <a:r>
-              <a:rPr lang="en-US" altLang="zh-CN" sz="1900" dirty="0" smtClean="0"/>
-              <a:t>done </a:t>
+              <a:t>/local/Hadoop/; done </a:t>
             </a:r>
             <a:r>
               <a:rPr lang="en-US" altLang="zh-CN" sz="1900" dirty="0" smtClean="0">
@@ -6024,11 +5980,7 @@
             </a:r>
             <a:r>
               <a:rPr lang="en-US" altLang="zh-CN" dirty="0" err="1" smtClean="0"/>
-              <a:t>M</a:t>
-            </a:r>
-            <a:r>
-              <a:rPr lang="en-US" altLang="zh-CN" dirty="0" err="1" smtClean="0"/>
-              <a:t>apRed</a:t>
+              <a:t>MapRed</a:t>
             </a:r>
             <a:endParaRPr lang="zh-CN" altLang="en-US" dirty="0"/>
           </a:p>
@@ -7670,83 +7622,71 @@
             </a:r>
             <a:r>
               <a:rPr lang="en-US" altLang="zh-CN" dirty="0" smtClean="0"/>
+              <a:t>  -</a:t>
+            </a:r>
+            <a:r>
+              <a:rPr lang="en-US" altLang="zh-CN" dirty="0" err="1" smtClean="0"/>
+              <a:t>setBalancerBandwidth</a:t>
+            </a:r>
+            <a:r>
+              <a:rPr lang="en-US" altLang="zh-CN" dirty="0" smtClean="0"/>
+              <a:t> 60000000</a:t>
+            </a:r>
+          </a:p>
+          <a:p>
+            <a:pPr marL="0" indent="0">
+              <a:buNone/>
+            </a:pPr>
+            <a:r>
+              <a:rPr lang="en-US" altLang="zh-CN" dirty="0"/>
+              <a:t>	</a:t>
+            </a:r>
+            <a:r>
+              <a:rPr lang="en-US" altLang="zh-CN" dirty="0" smtClean="0"/>
+              <a:t>./sbin/start-balancer.sh</a:t>
+            </a:r>
+          </a:p>
+          <a:p>
+            <a:pPr marL="0" indent="0">
+              <a:buNone/>
+            </a:pPr>
+            <a:r>
+              <a:rPr lang="en-US" altLang="zh-CN" dirty="0" smtClean="0"/>
+              <a:t>4.master</a:t>
+            </a:r>
+            <a:r>
+              <a:rPr lang="zh-CN" altLang="en-US" dirty="0" smtClean="0"/>
+              <a:t>查看集群状态</a:t>
+            </a:r>
+            <a:endParaRPr lang="en-US" altLang="zh-CN" dirty="0" smtClean="0"/>
+          </a:p>
+          <a:p>
+            <a:pPr marL="0" indent="0">
+              <a:buNone/>
+            </a:pPr>
+            <a:r>
+              <a:rPr lang="en-US" altLang="zh-CN" dirty="0"/>
+              <a:t>	</a:t>
+            </a:r>
+            <a:r>
+              <a:rPr lang="en-US" altLang="zh-CN" dirty="0" smtClean="0"/>
+              <a:t>./bin/</a:t>
+            </a:r>
+            <a:r>
+              <a:rPr lang="en-US" altLang="zh-CN" dirty="0" err="1" smtClean="0"/>
+              <a:t>hdfs</a:t>
+            </a:r>
+            <a:r>
+              <a:rPr lang="en-US" altLang="zh-CN" dirty="0" smtClean="0"/>
               <a:t> </a:t>
             </a:r>
             <a:r>
-              <a:rPr lang="en-US" altLang="zh-CN" dirty="0" smtClean="0"/>
-              <a:t> -</a:t>
-            </a:r>
-            <a:r>
-              <a:rPr lang="en-US" altLang="zh-CN" dirty="0" err="1" smtClean="0"/>
-              <a:t>setBalancerBandwidth</a:t>
-            </a:r>
-            <a:r>
-              <a:rPr lang="en-US" altLang="zh-CN" dirty="0" smtClean="0"/>
-              <a:t> </a:t>
-            </a:r>
-            <a:r>
-              <a:rPr lang="en-US" altLang="zh-CN" dirty="0" smtClean="0"/>
-              <a:t>60000000</a:t>
-            </a:r>
-          </a:p>
-          <a:p>
-            <a:pPr marL="0" indent="0">
-              <a:buNone/>
-            </a:pPr>
-            <a:r>
-              <a:rPr lang="en-US" altLang="zh-CN" dirty="0"/>
-              <a:t>	</a:t>
-            </a:r>
-            <a:r>
-              <a:rPr lang="en-US" altLang="zh-CN" dirty="0" smtClean="0"/>
-              <a:t>./sbin/start-balancer.sh</a:t>
-            </a:r>
-          </a:p>
-          <a:p>
-            <a:pPr marL="0" indent="0">
-              <a:buNone/>
-            </a:pPr>
-            <a:r>
-              <a:rPr lang="en-US" altLang="zh-CN" dirty="0" smtClean="0"/>
-              <a:t>4.master</a:t>
-            </a:r>
-            <a:r>
-              <a:rPr lang="zh-CN" altLang="en-US" dirty="0" smtClean="0"/>
-              <a:t>查看集群状态</a:t>
-            </a:r>
-            <a:endParaRPr lang="en-US" altLang="zh-CN" dirty="0" smtClean="0"/>
-          </a:p>
-          <a:p>
-            <a:pPr marL="0" indent="0">
-              <a:buNone/>
-            </a:pPr>
-            <a:r>
-              <a:rPr lang="en-US" altLang="zh-CN" dirty="0"/>
-              <a:t>	</a:t>
-            </a:r>
-            <a:r>
-              <a:rPr lang="en-US" altLang="zh-CN" dirty="0" smtClean="0"/>
-              <a:t>./bin/</a:t>
-            </a:r>
-            <a:r>
-              <a:rPr lang="en-US" altLang="zh-CN" dirty="0" err="1" smtClean="0"/>
-              <a:t>hdfs</a:t>
-            </a:r>
-            <a:r>
-              <a:rPr lang="en-US" altLang="zh-CN" dirty="0" smtClean="0"/>
-              <a:t> </a:t>
-            </a:r>
-            <a:r>
               <a:rPr lang="en-US" altLang="zh-CN" dirty="0" err="1" smtClean="0"/>
               <a:t>dfsadmin</a:t>
             </a:r>
             <a:r>
               <a:rPr lang="en-US" altLang="zh-CN" dirty="0" smtClean="0"/>
-              <a:t> </a:t>
-            </a:r>
-            <a:r>
-              <a:rPr lang="en-US" altLang="zh-CN" dirty="0" smtClean="0"/>
-              <a:t> -report  </a:t>
+              <a:t>  -report  </a:t>
             </a:r>
             <a:r>
               <a:rPr lang="en-US" altLang="zh-CN" dirty="0" smtClean="0">
@@ -8004,11 +7944,7 @@
             </a:r>
             <a:r>
               <a:rPr lang="zh-CN" altLang="en-US" dirty="0" smtClean="0"/>
-              <a:t>移</a:t>
-            </a:r>
-            <a:r>
-              <a:rPr lang="zh-CN" altLang="en-US" dirty="0" smtClean="0"/>
-              <a:t>除</a:t>
+              <a:t>移除</a:t>
             </a:r>
             <a:r>
               <a:rPr lang="en-US" altLang="zh-CN" dirty="0" err="1" smtClean="0"/>
@@ -8073,11 +8009,37 @@
             </a:r>
             <a:r>
               <a:rPr lang="en-US" altLang="zh-CN" dirty="0" smtClean="0"/>
-              <a:t>vim </a:t>
-            </a:r>
-            <a:r>
-              <a:rPr lang="en-US" altLang="zh-CN" dirty="0" smtClean="0"/>
-              <a:t>hdfs-site.xml</a:t>
+              <a:t>vim hdfs-site.xml</a:t>
+            </a:r>
+          </a:p>
+          <a:p>
+            <a:pPr marL="0" indent="0">
+              <a:buNone/>
+            </a:pPr>
+            <a:r>
+              <a:rPr lang="en-US" altLang="zh-CN" dirty="0"/>
+              <a:t>	</a:t>
+            </a:r>
+            <a:r>
+              <a:rPr lang="en-US" altLang="zh-CN" dirty="0" smtClean="0"/>
+              <a:t>	property</a:t>
+            </a:r>
+          </a:p>
+          <a:p>
+            <a:pPr marL="0" indent="0">
+              <a:buNone/>
+            </a:pPr>
+            <a:r>
+              <a:rPr lang="en-US" altLang="zh-CN" dirty="0"/>
+              <a:t>	</a:t>
+            </a:r>
+            <a:r>
+              <a:rPr lang="en-US" altLang="zh-CN" dirty="0" smtClean="0"/>
+              <a:t>		</a:t>
+            </a:r>
+            <a:r>
+              <a:rPr lang="en-US" altLang="zh-CN" dirty="0" err="1" smtClean="0"/>
+              <a:t>name:dfs.hosts.exclude</a:t>
             </a:r>
             <a:endParaRPr lang="en-US" altLang="zh-CN" dirty="0" smtClean="0"/>
           </a:p>
@@ -8091,24 +8053,60 @@
             </a:r>
             <a:r>
               <a:rPr lang="en-US" altLang="zh-CN" dirty="0" smtClean="0"/>
-              <a:t>	property</a:t>
-            </a:r>
-          </a:p>
-          <a:p>
-            <a:pPr marL="0" indent="0">
-              <a:buNone/>
-            </a:pPr>
-            <a:r>
-              <a:rPr lang="en-US" altLang="zh-CN" dirty="0"/>
-              <a:t>	</a:t>
-            </a:r>
-            <a:r>
-              <a:rPr lang="en-US" altLang="zh-CN" dirty="0" smtClean="0"/>
-              <a:t>		</a:t>
-            </a:r>
-            <a:r>
-              <a:rPr lang="en-US" altLang="zh-CN" dirty="0" err="1" smtClean="0"/>
-              <a:t>name:dfs.hosts.exclude</a:t>
+              <a:t>		value:/</a:t>
+            </a:r>
+            <a:r>
+              <a:rPr lang="en-US" altLang="zh-CN" dirty="0" err="1" smtClean="0"/>
+              <a:t>usr</a:t>
+            </a:r>
+            <a:r>
+              <a:rPr lang="en-US" altLang="zh-CN" dirty="0" smtClean="0"/>
+              <a:t>/local/</a:t>
+            </a:r>
+            <a:r>
+              <a:rPr lang="en-US" altLang="zh-CN" dirty="0" err="1" smtClean="0"/>
+              <a:t>hadoop</a:t>
+            </a:r>
+            <a:r>
+              <a:rPr lang="en-US" altLang="zh-CN" dirty="0" smtClean="0"/>
+              <a:t>/</a:t>
+            </a:r>
+            <a:r>
+              <a:rPr lang="en-US" altLang="zh-CN" dirty="0" err="1" smtClean="0"/>
+              <a:t>etc</a:t>
+            </a:r>
+            <a:r>
+              <a:rPr lang="en-US" altLang="zh-CN" dirty="0" smtClean="0"/>
+              <a:t>/</a:t>
+            </a:r>
+            <a:r>
+              <a:rPr lang="en-US" altLang="zh-CN" dirty="0" err="1" smtClean="0"/>
+              <a:t>hadoop</a:t>
+            </a:r>
+            <a:r>
+              <a:rPr lang="en-US" altLang="zh-CN" dirty="0" smtClean="0"/>
+              <a:t>/exclude</a:t>
+            </a:r>
+          </a:p>
+          <a:p>
+            <a:pPr marL="0" indent="0">
+              <a:buNone/>
+            </a:pPr>
+            <a:r>
+              <a:rPr lang="en-US" altLang="zh-CN" dirty="0" smtClean="0"/>
+              <a:t>2.master</a:t>
+            </a:r>
+            <a:r>
+              <a:rPr lang="zh-CN" altLang="en-US" dirty="0" smtClean="0"/>
+              <a:t>新增</a:t>
+            </a:r>
+            <a:r>
+              <a:rPr lang="en-US" altLang="zh-CN" dirty="0" smtClean="0"/>
+              <a:t>exclude</a:t>
+            </a:r>
+            <a:r>
+              <a:rPr lang="zh-CN" altLang="en-US" dirty="0" smtClean="0"/>
+              <a:t>配置文件，写入要删除的节点主机名</a:t>
             </a:r>
             <a:endParaRPr lang="en-US" altLang="zh-CN" dirty="0" smtClean="0"/>
           </a:p>
@@ -8122,15 +8120,90 @@
             </a:r>
             <a:r>
               <a:rPr lang="en-US" altLang="zh-CN" dirty="0" smtClean="0"/>
-              <a:t>		value:/</a:t>
-            </a:r>
-            <a:r>
-              <a:rPr lang="en-US" altLang="zh-CN" dirty="0" err="1" smtClean="0"/>
-              <a:t>usr</a:t>
-            </a:r>
-            <a:r>
-              <a:rPr lang="en-US" altLang="zh-CN" dirty="0" smtClean="0"/>
-              <a:t>/local/</a:t>
+              <a:t>vim exclude</a:t>
+            </a:r>
+          </a:p>
+          <a:p>
+            <a:pPr marL="0" indent="0">
+              <a:buNone/>
+            </a:pPr>
+            <a:r>
+              <a:rPr lang="en-US" altLang="zh-CN" dirty="0"/>
+              <a:t>	</a:t>
+            </a:r>
+            <a:r>
+              <a:rPr lang="en-US" altLang="zh-CN" dirty="0" smtClean="0"/>
+              <a:t>	node4</a:t>
+            </a:r>
+          </a:p>
+          <a:p>
+            <a:pPr marL="0" indent="0">
+              <a:buNone/>
+            </a:pPr>
+            <a:r>
+              <a:rPr lang="en-US" altLang="zh-CN" dirty="0" smtClean="0"/>
+              <a:t>2.5 </a:t>
+            </a:r>
+            <a:r>
+              <a:rPr lang="zh-CN" altLang="en-US" dirty="0" smtClean="0"/>
+              <a:t>上传大文件，显示数据迁移过程</a:t>
+            </a:r>
+            <a:endParaRPr lang="en-US" altLang="zh-CN" dirty="0" smtClean="0"/>
+          </a:p>
+          <a:p>
+            <a:pPr marL="0" indent="0">
+              <a:buNone/>
+            </a:pPr>
+            <a:r>
+              <a:rPr lang="en-US" altLang="zh-CN" dirty="0"/>
+              <a:t>	</a:t>
+            </a:r>
+            <a:r>
+              <a:rPr lang="en-US" altLang="zh-CN" dirty="0" err="1" smtClean="0"/>
+              <a:t>lftp</a:t>
+            </a:r>
+            <a:r>
+              <a:rPr lang="en-US" altLang="zh-CN" dirty="0" smtClean="0"/>
+              <a:t> 192.168.1.254</a:t>
+            </a:r>
+          </a:p>
+          <a:p>
+            <a:pPr marL="0" indent="0">
+              <a:buNone/>
+            </a:pPr>
+            <a:r>
+              <a:rPr lang="en-US" altLang="zh-CN" dirty="0"/>
+              <a:t>	</a:t>
+            </a:r>
+            <a:r>
+              <a:rPr lang="en-US" altLang="zh-CN" dirty="0" smtClean="0"/>
+              <a:t>cd ISO</a:t>
+            </a:r>
+          </a:p>
+          <a:p>
+            <a:pPr marL="0" indent="0">
+              <a:buNone/>
+            </a:pPr>
+            <a:r>
+              <a:rPr lang="en-US" altLang="zh-CN" dirty="0"/>
+              <a:t>	get </a:t>
+            </a:r>
+            <a:r>
+              <a:rPr lang="en-US" altLang="zh-CN" dirty="0" smtClean="0"/>
+              <a:t>CentOS7-1708.iso</a:t>
+            </a:r>
+          </a:p>
+          <a:p>
+            <a:pPr marL="0" indent="0">
+              <a:buNone/>
+            </a:pPr>
+            <a:r>
+              <a:rPr lang="en-US" altLang="zh-CN" dirty="0"/>
+              <a:t>	</a:t>
+            </a:r>
+            <a:r>
+              <a:rPr lang="en-US" altLang="zh-CN" dirty="0" smtClean="0"/>
+              <a:t>./bin/</a:t>
             </a:r>
             <a:r>
               <a:rPr lang="en-US" altLang="zh-CN" dirty="0" err="1" smtClean="0"/>
@@ -8138,153 +8211,6 @@
             </a:r>
             <a:r>
               <a:rPr lang="en-US" altLang="zh-CN" dirty="0" smtClean="0"/>
-              <a:t>/</a:t>
-            </a:r>
-            <a:r>
-              <a:rPr lang="en-US" altLang="zh-CN" dirty="0" err="1" smtClean="0"/>
-              <a:t>etc</a:t>
-            </a:r>
-            <a:r>
-              <a:rPr lang="en-US" altLang="zh-CN" dirty="0" smtClean="0"/>
-              <a:t>/</a:t>
-            </a:r>
-            <a:r>
-              <a:rPr lang="en-US" altLang="zh-CN" dirty="0" err="1" smtClean="0"/>
-              <a:t>hadoop</a:t>
-            </a:r>
-            <a:r>
-              <a:rPr lang="en-US" altLang="zh-CN" dirty="0" smtClean="0"/>
-              <a:t>/exclude</a:t>
-            </a:r>
-            <a:endParaRPr lang="en-US" altLang="zh-CN" dirty="0" smtClean="0"/>
-          </a:p>
-          <a:p>
-            <a:pPr marL="0" indent="0">
-              <a:buNone/>
-            </a:pPr>
-            <a:r>
-              <a:rPr lang="en-US" altLang="zh-CN" dirty="0" smtClean="0"/>
-              <a:t>2.master</a:t>
-            </a:r>
-            <a:r>
-              <a:rPr lang="zh-CN" altLang="en-US" dirty="0" smtClean="0"/>
-              <a:t>新增</a:t>
-            </a:r>
-            <a:r>
-              <a:rPr lang="en-US" altLang="zh-CN" dirty="0" smtClean="0"/>
-              <a:t>exclude</a:t>
-            </a:r>
-            <a:r>
-              <a:rPr lang="zh-CN" altLang="en-US" dirty="0" smtClean="0"/>
-              <a:t>配置文件，写入要删除的节点主机名</a:t>
-            </a:r>
-            <a:endParaRPr lang="en-US" altLang="zh-CN" dirty="0" smtClean="0"/>
-          </a:p>
-          <a:p>
-            <a:pPr marL="0" indent="0">
-              <a:buNone/>
-            </a:pPr>
-            <a:r>
-              <a:rPr lang="en-US" altLang="zh-CN" dirty="0"/>
-              <a:t>	</a:t>
-            </a:r>
-            <a:r>
-              <a:rPr lang="en-US" altLang="zh-CN" dirty="0" smtClean="0"/>
-              <a:t>vim exclude</a:t>
-            </a:r>
-          </a:p>
-          <a:p>
-            <a:pPr marL="0" indent="0">
-              <a:buNone/>
-            </a:pPr>
-            <a:r>
-              <a:rPr lang="en-US" altLang="zh-CN" dirty="0"/>
-              <a:t>	</a:t>
-            </a:r>
-            <a:r>
-              <a:rPr lang="en-US" altLang="zh-CN" dirty="0" smtClean="0"/>
-              <a:t>	</a:t>
-            </a:r>
-            <a:r>
-              <a:rPr lang="en-US" altLang="zh-CN" dirty="0" smtClean="0"/>
-              <a:t>node4</a:t>
-            </a:r>
-          </a:p>
-          <a:p>
-            <a:pPr marL="0" indent="0">
-              <a:buNone/>
-            </a:pPr>
-            <a:r>
-              <a:rPr lang="en-US" altLang="zh-CN" dirty="0" smtClean="0"/>
-              <a:t>2.5 </a:t>
-            </a:r>
-            <a:r>
-              <a:rPr lang="zh-CN" altLang="en-US" dirty="0" smtClean="0"/>
-              <a:t>上传大文件，显示数据迁移过程</a:t>
-            </a:r>
-            <a:endParaRPr lang="en-US" altLang="zh-CN" dirty="0" smtClean="0"/>
-          </a:p>
-          <a:p>
-            <a:pPr marL="0" indent="0">
-              <a:buNone/>
-            </a:pPr>
-            <a:r>
-              <a:rPr lang="en-US" altLang="zh-CN" dirty="0"/>
-              <a:t>	</a:t>
-            </a:r>
-            <a:r>
-              <a:rPr lang="en-US" altLang="zh-CN" dirty="0" err="1" smtClean="0"/>
-              <a:t>lftp</a:t>
-            </a:r>
-            <a:r>
-              <a:rPr lang="en-US" altLang="zh-CN" dirty="0" smtClean="0"/>
-              <a:t> 192.168.1.254</a:t>
-            </a:r>
-          </a:p>
-          <a:p>
-            <a:pPr marL="0" indent="0">
-              <a:buNone/>
-            </a:pPr>
-            <a:r>
-              <a:rPr lang="en-US" altLang="zh-CN" dirty="0"/>
-              <a:t>	</a:t>
-            </a:r>
-            <a:r>
-              <a:rPr lang="en-US" altLang="zh-CN" dirty="0" smtClean="0"/>
-              <a:t>cd ISO</a:t>
-            </a:r>
-          </a:p>
-          <a:p>
-            <a:pPr marL="0" indent="0">
-              <a:buNone/>
-            </a:pPr>
-            <a:r>
-              <a:rPr lang="en-US" altLang="zh-CN" dirty="0"/>
-              <a:t>	get </a:t>
-            </a:r>
-            <a:r>
-              <a:rPr lang="en-US" altLang="zh-CN" dirty="0" smtClean="0"/>
-              <a:t>CentOS7-1708.iso</a:t>
-            </a:r>
-          </a:p>
-          <a:p>
-            <a:pPr marL="0" indent="0">
-              <a:buNone/>
-            </a:pPr>
-            <a:r>
-              <a:rPr lang="en-US" altLang="zh-CN" dirty="0"/>
-              <a:t>	</a:t>
-            </a:r>
-            <a:r>
-              <a:rPr lang="en-US" altLang="zh-CN" dirty="0" smtClean="0"/>
-              <a:t>./bin/</a:t>
-            </a:r>
-            <a:r>
-              <a:rPr lang="en-US" altLang="zh-CN" dirty="0" err="1" smtClean="0"/>
-              <a:t>hadoop</a:t>
-            </a:r>
-            <a:r>
-              <a:rPr lang="en-US" altLang="zh-CN" dirty="0" smtClean="0"/>
               <a:t> </a:t>
             </a:r>
             <a:r>
@@ -8295,7 +8221,6 @@
               <a:rPr lang="en-US" altLang="zh-CN" dirty="0" smtClean="0"/>
               <a:t> –put CentOS7-1708.iso /</a:t>
             </a:r>
-            <a:endParaRPr lang="en-US" altLang="zh-CN" dirty="0" smtClean="0"/>
           </a:p>
         </p:txBody>
       </p:sp>
@@ -8358,11 +8283,7 @@
             </a:r>
             <a:r>
               <a:rPr lang="zh-CN" altLang="en-US" dirty="0" smtClean="0"/>
-              <a:t>移</a:t>
-            </a:r>
-            <a:r>
-              <a:rPr lang="zh-CN" altLang="en-US" dirty="0" smtClean="0"/>
-              <a:t>除</a:t>
+              <a:t>移除</a:t>
             </a:r>
             <a:r>
               <a:rPr lang="en-US" altLang="zh-CN" dirty="0" err="1" smtClean="0"/>
@@ -8389,7 +8310,7 @@
         <p:spPr/>
         <p:txBody>
           <a:bodyPr>
-            <a:normAutofit/>
+            <a:normAutofit fontScale="55000" lnSpcReduction="20000"/>
           </a:bodyPr>
           <a:lstStyle/>
           <a:p>
@@ -8432,65 +8353,56 @@
             </a:r>
             <a:r>
               <a:rPr lang="en-US" altLang="zh-CN" dirty="0" smtClean="0"/>
+              <a:t> -</a:t>
+            </a:r>
+            <a:r>
+              <a:rPr lang="en-US" altLang="zh-CN" dirty="0" err="1" smtClean="0"/>
+              <a:t>refreshNodes</a:t>
+            </a:r>
+            <a:endParaRPr lang="en-US" altLang="zh-CN" dirty="0" smtClean="0"/>
+          </a:p>
+          <a:p>
+            <a:pPr marL="0" indent="0">
+              <a:buNone/>
+            </a:pPr>
+            <a:r>
+              <a:rPr lang="en-US" altLang="zh-CN" dirty="0" smtClean="0"/>
+              <a:t>4.</a:t>
+            </a:r>
+            <a:r>
+              <a:rPr lang="zh-CN" altLang="en-US" dirty="0" smtClean="0"/>
+              <a:t>查看状态</a:t>
+            </a:r>
+            <a:endParaRPr lang="en-US" altLang="zh-CN" dirty="0" smtClean="0"/>
+          </a:p>
+          <a:p>
+            <a:pPr marL="0" indent="0">
+              <a:buNone/>
+            </a:pPr>
+            <a:r>
+              <a:rPr lang="en-US" altLang="zh-CN" dirty="0"/>
+              <a:t>	</a:t>
+            </a:r>
+            <a:r>
+              <a:rPr lang="en-US" altLang="zh-CN" dirty="0" smtClean="0"/>
+              <a:t>./bin/</a:t>
+            </a:r>
+            <a:r>
+              <a:rPr lang="en-US" altLang="zh-CN" dirty="0" err="1" smtClean="0"/>
+              <a:t>hdfs</a:t>
+            </a:r>
+            <a:r>
+              <a:rPr lang="en-US" altLang="zh-CN" dirty="0" smtClean="0"/>
               <a:t> </a:t>
             </a:r>
             <a:r>
-              <a:rPr lang="en-US" altLang="zh-CN" dirty="0" smtClean="0"/>
-              <a:t>-</a:t>
-            </a:r>
-            <a:r>
-              <a:rPr lang="en-US" altLang="zh-CN" dirty="0" err="1" smtClean="0"/>
-              <a:t>refreshNodes</a:t>
-            </a:r>
-            <a:endParaRPr lang="en-US" altLang="zh-CN" dirty="0" smtClean="0"/>
-          </a:p>
-          <a:p>
-            <a:pPr marL="0" indent="0">
-              <a:buNone/>
-            </a:pPr>
-            <a:r>
-              <a:rPr lang="en-US" altLang="zh-CN" dirty="0" smtClean="0"/>
-              <a:t>4.</a:t>
-            </a:r>
-            <a:r>
-              <a:rPr lang="zh-CN" altLang="en-US" dirty="0" smtClean="0"/>
-              <a:t>查看状态</a:t>
-            </a:r>
-            <a:endParaRPr lang="en-US" altLang="zh-CN" dirty="0" smtClean="0"/>
-          </a:p>
-          <a:p>
-            <a:pPr marL="0" indent="0">
-              <a:buNone/>
-            </a:pPr>
-            <a:r>
-              <a:rPr lang="en-US" altLang="zh-CN" dirty="0"/>
-              <a:t>	</a:t>
-            </a:r>
-            <a:r>
-              <a:rPr lang="en-US" altLang="zh-CN" dirty="0" smtClean="0"/>
-              <a:t>./bin/</a:t>
-            </a:r>
-            <a:r>
-              <a:rPr lang="en-US" altLang="zh-CN" dirty="0" err="1" smtClean="0"/>
-              <a:t>hdfs</a:t>
-            </a:r>
-            <a:r>
-              <a:rPr lang="en-US" altLang="zh-CN" dirty="0" smtClean="0"/>
-              <a:t> </a:t>
-            </a:r>
-            <a:r>
               <a:rPr lang="en-US" altLang="zh-CN" dirty="0" err="1" smtClean="0"/>
               <a:t>dfsadmin</a:t>
             </a:r>
             <a:r>
               <a:rPr lang="en-US" altLang="zh-CN" dirty="0" smtClean="0"/>
-              <a:t> </a:t>
-            </a:r>
-            <a:r>
-              <a:rPr lang="en-US" altLang="zh-CN" dirty="0" smtClean="0"/>
-              <a:t>-report</a:t>
-            </a:r>
-            <a:endParaRPr lang="en-US" altLang="zh-CN" dirty="0" smtClean="0"/>
+              <a:t> -report</a:t>
+            </a:r>
           </a:p>
           <a:p>
             <a:pPr marL="0" indent="0">
@@ -8610,8 +8522,232 @@
               <a:rPr lang="zh-CN" altLang="en-US" dirty="0" smtClean="0">
                 <a:sym typeface="Wingdings" panose="05000000000000000000" pitchFamily="2" charset="2"/>
               </a:rPr>
-              <a:t>机下线</a:t>
-            </a:r>
+              <a:t>机下</a:t>
+            </a:r>
+            <a:r>
+              <a:rPr lang="zh-CN" altLang="en-US" dirty="0" smtClean="0">
+                <a:sym typeface="Wingdings" panose="05000000000000000000" pitchFamily="2" charset="2"/>
+              </a:rPr>
+              <a:t>线，下线结束后做清理工作</a:t>
+            </a:r>
+            <a:endParaRPr lang="en-US" altLang="zh-CN" dirty="0" smtClean="0">
+              <a:sym typeface="Wingdings" panose="05000000000000000000" pitchFamily="2" charset="2"/>
+            </a:endParaRPr>
+          </a:p>
+          <a:p>
+            <a:pPr marL="0" indent="0">
+              <a:buNone/>
+            </a:pPr>
+            <a:r>
+              <a:rPr lang="en-US" altLang="zh-CN" dirty="0">
+                <a:sym typeface="Wingdings" panose="05000000000000000000" pitchFamily="2" charset="2"/>
+              </a:rPr>
+              <a:t>	</a:t>
+            </a:r>
+            <a:r>
+              <a:rPr lang="zh-CN" altLang="en-US" dirty="0" smtClean="0"/>
+              <a:t>修改</a:t>
+            </a:r>
+            <a:r>
+              <a:rPr lang="en-US" altLang="zh-CN" dirty="0"/>
+              <a:t>slaves</a:t>
+            </a:r>
+            <a:r>
+              <a:rPr lang="zh-CN" altLang="en-US" dirty="0"/>
+              <a:t>文件，删除要移除的主机名</a:t>
+            </a:r>
+            <a:endParaRPr lang="en-US" altLang="zh-CN" dirty="0"/>
+          </a:p>
+          <a:p>
+            <a:pPr marL="914400" lvl="2" indent="0">
+              <a:buNone/>
+            </a:pPr>
+            <a:r>
+              <a:rPr lang="en-US" altLang="zh-CN" dirty="0"/>
+              <a:t>	node4 x</a:t>
+            </a:r>
+          </a:p>
+          <a:p>
+            <a:pPr marL="914400" lvl="2" indent="0">
+              <a:buNone/>
+            </a:pPr>
+            <a:r>
+              <a:rPr lang="en-US" altLang="zh-CN" dirty="0"/>
+              <a:t>  </a:t>
+            </a:r>
+            <a:r>
+              <a:rPr lang="zh-CN" altLang="en-US" dirty="0"/>
+              <a:t>删除</a:t>
+            </a:r>
+            <a:r>
+              <a:rPr lang="en-US" altLang="zh-CN" dirty="0"/>
+              <a:t>/</a:t>
+            </a:r>
+            <a:r>
+              <a:rPr lang="en-US" altLang="zh-CN" dirty="0" err="1"/>
+              <a:t>etc</a:t>
+            </a:r>
+            <a:r>
+              <a:rPr lang="en-US" altLang="zh-CN" dirty="0"/>
+              <a:t>/hosts</a:t>
+            </a:r>
+            <a:r>
+              <a:rPr lang="zh-CN" altLang="en-US" dirty="0"/>
+              <a:t>里面</a:t>
+            </a:r>
+            <a:r>
+              <a:rPr lang="en-US" altLang="zh-CN" dirty="0"/>
+              <a:t>node4</a:t>
+            </a:r>
+            <a:r>
+              <a:rPr lang="zh-CN" altLang="en-US" dirty="0"/>
+              <a:t>这一条</a:t>
+            </a:r>
+            <a:endParaRPr lang="en-US" altLang="zh-CN" dirty="0"/>
+          </a:p>
+          <a:p>
+            <a:pPr marL="914400" lvl="2" indent="0">
+              <a:buNone/>
+            </a:pPr>
+            <a:r>
+              <a:rPr lang="en-US" altLang="zh-CN" dirty="0"/>
+              <a:t>  </a:t>
+            </a:r>
+            <a:r>
+              <a:rPr lang="zh-CN" altLang="en-US" dirty="0"/>
+              <a:t>删除</a:t>
+            </a:r>
+            <a:r>
+              <a:rPr lang="en-US" altLang="zh-CN" dirty="0"/>
+              <a:t>exclude</a:t>
+            </a:r>
+            <a:r>
+              <a:rPr lang="zh-CN" altLang="en-US" dirty="0"/>
+              <a:t>文件里的</a:t>
+            </a:r>
+            <a:r>
+              <a:rPr lang="en-US" altLang="zh-CN" dirty="0"/>
+              <a:t>node4</a:t>
+            </a:r>
+          </a:p>
+          <a:p>
+            <a:pPr marL="914400" lvl="2" indent="0">
+              <a:buNone/>
+            </a:pPr>
+            <a:r>
+              <a:rPr lang="en-US" altLang="zh-CN" dirty="0"/>
+              <a:t>  </a:t>
+            </a:r>
+            <a:r>
+              <a:rPr lang="zh-CN" altLang="en-US" dirty="0"/>
+              <a:t>同步到所有主机</a:t>
+            </a:r>
+            <a:endParaRPr lang="en-US" altLang="zh-CN" dirty="0"/>
+          </a:p>
+          <a:p>
+            <a:pPr marL="914400" lvl="2" indent="0">
+              <a:buNone/>
+            </a:pPr>
+            <a:r>
+              <a:rPr lang="en-US" altLang="zh-CN" dirty="0"/>
+              <a:t>  node4</a:t>
+            </a:r>
+            <a:r>
+              <a:rPr lang="zh-CN" altLang="en-US" dirty="0"/>
+              <a:t>就可以直接关机或者</a:t>
+            </a:r>
+            <a:r>
+              <a:rPr lang="en-US" altLang="zh-CN" dirty="0"/>
+              <a:t>reboot</a:t>
+            </a:r>
+            <a:r>
+              <a:rPr lang="zh-CN" altLang="en-US" dirty="0" smtClean="0"/>
+              <a:t>了</a:t>
+            </a:r>
+            <a:endParaRPr lang="en-US" altLang="zh-CN" dirty="0" smtClean="0">
+              <a:sym typeface="Wingdings" panose="05000000000000000000" pitchFamily="2" charset="2"/>
+            </a:endParaRPr>
+          </a:p>
+          <a:p>
+            <a:pPr marL="0" indent="0">
+              <a:buNone/>
+            </a:pPr>
+            <a:r>
+              <a:rPr lang="en-US" altLang="zh-CN" dirty="0" smtClean="0">
+                <a:sym typeface="Wingdings" panose="05000000000000000000" pitchFamily="2" charset="2"/>
+              </a:rPr>
+              <a:t>	./</a:t>
+            </a:r>
+            <a:r>
+              <a:rPr lang="en-US" altLang="zh-CN" dirty="0">
+                <a:sym typeface="Wingdings" panose="05000000000000000000" pitchFamily="2" charset="2"/>
+              </a:rPr>
+              <a:t>sbin/stop-all.sh</a:t>
+            </a:r>
+          </a:p>
+          <a:p>
+            <a:pPr marL="0" indent="0">
+              <a:buNone/>
+            </a:pPr>
+            <a:r>
+              <a:rPr lang="en-US" altLang="zh-CN" dirty="0">
+                <a:sym typeface="Wingdings" panose="05000000000000000000" pitchFamily="2" charset="2"/>
+              </a:rPr>
+              <a:t>	./sbin/start-dfs.sh</a:t>
+            </a:r>
+          </a:p>
+          <a:p>
+            <a:pPr marL="0" indent="0">
+              <a:buNone/>
+            </a:pPr>
+            <a:r>
+              <a:rPr lang="en-US" altLang="zh-CN" dirty="0"/>
+              <a:t>	</a:t>
+            </a:r>
+            <a:r>
+              <a:rPr lang="en-US" altLang="zh-CN" dirty="0">
+                <a:sym typeface="Wingdings" panose="05000000000000000000" pitchFamily="2" charset="2"/>
+              </a:rPr>
+              <a:t>./bin/</a:t>
+            </a:r>
+            <a:r>
+              <a:rPr lang="en-US" altLang="zh-CN" dirty="0" err="1">
+                <a:sym typeface="Wingdings" panose="05000000000000000000" pitchFamily="2" charset="2"/>
+              </a:rPr>
+              <a:t>hdfs</a:t>
+            </a:r>
+            <a:r>
+              <a:rPr lang="en-US" altLang="zh-CN" dirty="0">
+                <a:sym typeface="Wingdings" panose="05000000000000000000" pitchFamily="2" charset="2"/>
+              </a:rPr>
+              <a:t> </a:t>
+            </a:r>
+            <a:r>
+              <a:rPr lang="en-US" altLang="zh-CN" dirty="0" err="1">
+                <a:sym typeface="Wingdings" panose="05000000000000000000" pitchFamily="2" charset="2"/>
+              </a:rPr>
+              <a:t>dfsadmin</a:t>
+            </a:r>
+            <a:r>
+              <a:rPr lang="en-US" altLang="zh-CN" dirty="0">
+                <a:sym typeface="Wingdings" panose="05000000000000000000" pitchFamily="2" charset="2"/>
+              </a:rPr>
+              <a:t> -report node4</a:t>
+            </a:r>
+            <a:r>
+              <a:rPr lang="zh-CN" altLang="en-US" dirty="0">
+                <a:sym typeface="Wingdings" panose="05000000000000000000" pitchFamily="2" charset="2"/>
+              </a:rPr>
+              <a:t>就不存在了</a:t>
+            </a:r>
+            <a:endParaRPr lang="en-US" altLang="zh-CN" dirty="0">
+              <a:sym typeface="Wingdings" panose="05000000000000000000" pitchFamily="2" charset="2"/>
+            </a:endParaRPr>
+          </a:p>
+          <a:p>
+            <a:pPr marL="0" indent="0">
+              <a:buNone/>
+            </a:pPr>
             <a:endParaRPr lang="en-US" altLang="zh-CN" dirty="0"/>
           </a:p>
         </p:txBody>
@@ -8675,11 +8811,7 @@
             </a:r>
             <a:r>
               <a:rPr lang="zh-CN" altLang="en-US" dirty="0" smtClean="0"/>
-              <a:t>移</a:t>
-            </a:r>
-            <a:r>
-              <a:rPr lang="zh-CN" altLang="en-US" dirty="0" smtClean="0"/>
-              <a:t>除</a:t>
+              <a:t>移除</a:t>
             </a:r>
             <a:r>
               <a:rPr lang="en-US" altLang="zh-CN" dirty="0" err="1" smtClean="0"/>
@@ -8725,11 +8857,7 @@
             </a:pPr>
             <a:r>
               <a:rPr lang="en-US" altLang="zh-CN" dirty="0" smtClean="0"/>
-              <a:t>1</a:t>
-            </a:r>
-            <a:r>
-              <a:rPr lang="en-US" altLang="zh-CN" dirty="0" smtClean="0"/>
-              <a:t>.</a:t>
+              <a:t>1.</a:t>
             </a:r>
             <a:r>
               <a:rPr lang="zh-CN" altLang="en-US" dirty="0" smtClean="0"/>
@@ -8755,11 +8883,7 @@
             </a:r>
             <a:r>
               <a:rPr lang="en-US" altLang="zh-CN" dirty="0" smtClean="0"/>
-              <a:t>node4 </a:t>
-            </a:r>
-            <a:r>
-              <a:rPr lang="en-US" altLang="zh-CN" dirty="0" smtClean="0"/>
-              <a:t>x</a:t>
+              <a:t>node4 x</a:t>
             </a:r>
           </a:p>
           <a:p>
@@ -8926,11 +9050,7 @@
             </a:r>
             <a:r>
               <a:rPr lang="en-US" altLang="zh-CN" dirty="0" smtClean="0"/>
-              <a:t>./bin/yarn node </a:t>
-            </a:r>
-            <a:r>
-              <a:rPr lang="en-US" altLang="zh-CN" dirty="0" smtClean="0"/>
-              <a:t>-list  </a:t>
+              <a:t>./bin/yarn node -list  </a:t>
             </a:r>
             <a:r>
               <a:rPr lang="en-US" altLang="zh-CN" dirty="0" smtClean="0">
@@ -8942,13 +9062,7 @@
               <a:rPr lang="zh-CN" altLang="en-US" dirty="0" smtClean="0">
                 <a:sym typeface="Wingdings" panose="05000000000000000000" pitchFamily="2" charset="2"/>
               </a:rPr>
-              <a:t>没有了要移除的</a:t>
-            </a:r>
-            <a:r>
-              <a:rPr lang="zh-CN" altLang="en-US" dirty="0" smtClean="0">
-                <a:sym typeface="Wingdings" panose="05000000000000000000" pitchFamily="2" charset="2"/>
-              </a:rPr>
-              <a:t>节点</a:t>
+              <a:t>没有了要移除的节点</a:t>
             </a:r>
             <a:r>
               <a:rPr lang="en-US" altLang="zh-CN" dirty="0" err="1" smtClean="0">
@@ -9043,9 +9157,6 @@
               </a:rPr>
               <a:t>./sbin/start-dfs.sh</a:t>
             </a:r>
-            <a:endParaRPr lang="en-US" altLang="zh-CN" dirty="0" smtClean="0">
-              <a:sym typeface="Wingdings" panose="05000000000000000000" pitchFamily="2" charset="2"/>
-            </a:endParaRPr>
           </a:p>
           <a:p>
             <a:pPr marL="0" indent="0">
@@ -9092,7 +9203,7 @@
               <a:t>node4</a:t>
             </a:r>
             <a:r>
-              <a:rPr lang="zh-CN" altLang="en-US" smtClean="0">
+              <a:rPr lang="zh-CN" altLang="en-US" dirty="0" smtClean="0">
                 <a:sym typeface="Wingdings" panose="05000000000000000000" pitchFamily="2" charset="2"/>
               </a:rPr>
               <a:t>就不存在了</a:t>
@@ -9187,7 +9298,7 @@
         <p:spPr/>
         <p:txBody>
           <a:bodyPr>
-            <a:normAutofit fontScale="47500" lnSpcReduction="20000"/>
+            <a:normAutofit fontScale="32500" lnSpcReduction="20000"/>
           </a:bodyPr>
           <a:lstStyle/>
           <a:p>
@@ -9196,7 +9307,11 @@
             </a:pPr>
             <a:r>
               <a:rPr lang="en-US" altLang="zh-CN" dirty="0" smtClean="0"/>
-              <a:t>1.</a:t>
+              <a:t>1</a:t>
+            </a:r>
+            <a:r>
+              <a:rPr lang="en-US" altLang="zh-CN" dirty="0" smtClean="0"/>
+              <a:t>.</a:t>
             </a:r>
             <a:r>
               <a:rPr lang="zh-CN" altLang="en-US" dirty="0" smtClean="0"/>
@@ -9236,7 +9351,11 @@
             </a:r>
             <a:r>
               <a:rPr lang="zh-CN" altLang="en-US" dirty="0" smtClean="0"/>
-              <a:t>环境准备</a:t>
+              <a:t>环境</a:t>
+            </a:r>
+            <a:r>
+              <a:rPr lang="zh-CN" altLang="en-US" dirty="0" smtClean="0"/>
+              <a:t>准备</a:t>
             </a:r>
             <a:endParaRPr lang="en-US" altLang="zh-CN" dirty="0" smtClean="0"/>
           </a:p>
@@ -9249,6 +9368,48 @@
               <a:t>	</a:t>
             </a:r>
             <a:r>
+              <a:rPr lang="zh-CN" altLang="en-US" dirty="0" smtClean="0"/>
+              <a:t>使用之前</a:t>
+            </a:r>
+            <a:r>
+              <a:rPr lang="en-US" altLang="zh-CN" dirty="0" smtClean="0"/>
+              <a:t>node4</a:t>
+            </a:r>
+            <a:r>
+              <a:rPr lang="zh-CN" altLang="en-US" dirty="0" smtClean="0"/>
+              <a:t>做</a:t>
+            </a:r>
+            <a:r>
+              <a:rPr lang="en-US" altLang="zh-CN" dirty="0" smtClean="0"/>
+              <a:t>NFSGW,</a:t>
+            </a:r>
+            <a:r>
+              <a:rPr lang="zh-CN" altLang="en-US" dirty="0" smtClean="0"/>
+              <a:t>把主机名和</a:t>
+            </a:r>
+            <a:r>
+              <a:rPr lang="en-US" altLang="zh-CN" dirty="0" smtClean="0"/>
+              <a:t>hosts</a:t>
+            </a:r>
+            <a:r>
+              <a:rPr lang="zh-CN" altLang="en-US" dirty="0" smtClean="0"/>
+              <a:t>改成</a:t>
+            </a:r>
+            <a:r>
+              <a:rPr lang="en-US" altLang="zh-CN" dirty="0" err="1" smtClean="0"/>
+              <a:t>nfsgw</a:t>
+            </a:r>
+            <a:endParaRPr lang="en-US" altLang="zh-CN" dirty="0" smtClean="0"/>
+          </a:p>
+          <a:p>
+            <a:pPr marL="0" indent="0">
+              <a:buNone/>
+            </a:pPr>
+            <a:r>
+              <a:rPr lang="en-US" altLang="zh-CN" dirty="0"/>
+              <a:t>	</a:t>
+            </a:r>
+            <a:r>
               <a:rPr lang="en-US" altLang="zh-CN" dirty="0" smtClean="0"/>
               <a:t>1).</a:t>
             </a:r>
@@ -9318,6 +9479,41 @@
               <a:rPr lang="en-US" altLang="zh-CN" dirty="0" smtClean="0"/>
               <a:t>)</a:t>
             </a:r>
+            <a:endParaRPr lang="en-US" altLang="zh-CN" dirty="0"/>
+          </a:p>
+          <a:p>
+            <a:pPr marL="0" indent="0">
+              <a:buNone/>
+            </a:pPr>
+            <a:r>
+              <a:rPr lang="en-US" altLang="zh-CN" dirty="0" smtClean="0"/>
+              <a:t>		</a:t>
+            </a:r>
+            <a:r>
+              <a:rPr lang="zh-CN" altLang="en-US" dirty="0" smtClean="0"/>
+              <a:t>代理用户</a:t>
+            </a:r>
+            <a:r>
+              <a:rPr lang="en-US" altLang="zh-CN" dirty="0" smtClean="0"/>
+              <a:t>[NFSGW</a:t>
+            </a:r>
+            <a:r>
+              <a:rPr lang="zh-CN" altLang="en-US" dirty="0" smtClean="0"/>
+              <a:t>和</a:t>
+            </a:r>
+            <a:r>
+              <a:rPr lang="en-US" altLang="zh-CN" dirty="0" smtClean="0"/>
+              <a:t>nn01</a:t>
+            </a:r>
+            <a:r>
+              <a:rPr lang="zh-CN" altLang="en-US" dirty="0"/>
+              <a:t>一致</a:t>
+            </a:r>
+            <a:r>
+              <a:rPr lang="en-US" altLang="zh-CN" dirty="0" smtClean="0"/>
+              <a:t>]</a:t>
+            </a:r>
+            <a:endParaRPr lang="en-US" altLang="zh-CN" dirty="0" smtClean="0"/>
           </a:p>
           <a:p>
             <a:pPr marL="0" indent="0">
@@ -9436,8 +9632,13 @@
             </a:r>
             <a:r>
               <a:rPr lang="en-US" altLang="zh-CN" dirty="0" smtClean="0"/>
-              <a:t>	name:Hadoop.proxyuser.nsd1803.groups</a:t>
-            </a:r>
+              <a:t>	</a:t>
+            </a:r>
+            <a:r>
+              <a:rPr lang="en-US" altLang="zh-CN" dirty="0" smtClean="0"/>
+              <a:t>name:hadoop.proxyuser.nsd1803.groups</a:t>
+            </a:r>
+            <a:endParaRPr lang="en-US" altLang="zh-CN" dirty="0" smtClean="0"/>
           </a:p>
           <a:p>
             <a:pPr marL="0" indent="0">
@@ -9475,8 +9676,13 @@
             </a:r>
             <a:r>
               <a:rPr lang="en-US" altLang="zh-CN" dirty="0" smtClean="0"/>
-              <a:t>	name:Hadoop.proxyuser.nsd1803.hosts</a:t>
-            </a:r>
+              <a:t>	</a:t>
+            </a:r>
+            <a:r>
+              <a:rPr lang="en-US" altLang="zh-CN" dirty="0" smtClean="0"/>
+              <a:t>name:hadoop.proxyuser.nsd1803.hosts</a:t>
+            </a:r>
+            <a:endParaRPr lang="en-US" altLang="zh-CN" dirty="0" smtClean="0"/>
           </a:p>
           <a:p>
             <a:pPr marL="0" indent="0">
@@ -9494,6 +9700,30 @@
           </a:p>
         </p:txBody>
       </p:sp>
+      <p:pic>
+        <p:nvPicPr>
+          <p:cNvPr id="4" name="图片 3"/>
+          <p:cNvPicPr>
+            <a:picLocks noChangeAspect="1"/>
+          </p:cNvPicPr>
+          <p:nvPr/>
+        </p:nvPicPr>
+        <p:blipFill>
+          <a:blip r:embed="rId2"/>
+          <a:stretch>
+            <a:fillRect/>
+          </a:stretch>
+        </p:blipFill>
+        <p:spPr>
+          <a:xfrm>
+            <a:off x="5736566" y="1518032"/>
+            <a:ext cx="5394302" cy="2117094"/>
+          </a:xfrm>
+          <a:prstGeom prst="rect">
+            <a:avLst/>
+          </a:prstGeom>
+        </p:spPr>
+      </p:pic>
     </p:spTree>
     <p:extLst>
       <p:ext uri="{BB962C8B-B14F-4D97-AF65-F5344CB8AC3E}">
@@ -9572,7 +9802,7 @@
         <p:spPr/>
         <p:txBody>
           <a:bodyPr>
-            <a:normAutofit fontScale="77500" lnSpcReduction="20000"/>
+            <a:normAutofit fontScale="47500" lnSpcReduction="20000"/>
           </a:bodyPr>
           <a:lstStyle/>
           <a:p>
@@ -9667,8 +9897,63 @@
             </a:r>
             <a:r>
               <a:rPr lang="en-US" altLang="zh-CN" dirty="0" smtClean="0"/>
-              <a:t> –report</a:t>
-            </a:r>
+              <a:t> </a:t>
+            </a:r>
+            <a:r>
+              <a:rPr lang="en-US" altLang="zh-CN" dirty="0" smtClean="0"/>
+              <a:t>-report</a:t>
+            </a:r>
+          </a:p>
+          <a:p>
+            <a:pPr marL="0" indent="0">
+              <a:buNone/>
+            </a:pPr>
+            <a:r>
+              <a:rPr lang="en-US" altLang="zh-CN" dirty="0"/>
+              <a:t>	./bin/</a:t>
+            </a:r>
+            <a:r>
+              <a:rPr lang="en-US" altLang="zh-CN" dirty="0" err="1"/>
+              <a:t>hadoop</a:t>
+            </a:r>
+            <a:r>
+              <a:rPr lang="en-US" altLang="zh-CN" dirty="0"/>
+              <a:t> </a:t>
+            </a:r>
+            <a:r>
+              <a:rPr lang="en-US" altLang="zh-CN" dirty="0" err="1"/>
+              <a:t>fs</a:t>
+            </a:r>
+            <a:r>
+              <a:rPr lang="en-US" altLang="zh-CN" dirty="0"/>
+              <a:t> -</a:t>
+            </a:r>
+            <a:r>
+              <a:rPr lang="en-US" altLang="zh-CN" dirty="0" err="1"/>
+              <a:t>ls</a:t>
+            </a:r>
+            <a:r>
+              <a:rPr lang="en-US" altLang="zh-CN" dirty="0"/>
+              <a:t> </a:t>
+            </a:r>
+            <a:r>
+              <a:rPr lang="en-US" altLang="zh-CN" dirty="0" smtClean="0"/>
+              <a:t>/</a:t>
+            </a:r>
+          </a:p>
+          <a:p>
+            <a:pPr marL="0" indent="0">
+              <a:buNone/>
+            </a:pPr>
+            <a:r>
+              <a:rPr lang="en-US" altLang="zh-CN" dirty="0"/>
+              <a:t>	</a:t>
+            </a:r>
+            <a:r>
+              <a:rPr lang="zh-CN" altLang="en-US" dirty="0" smtClean="0"/>
+              <a:t>正常能够查看数据，则表示配置成功</a:t>
+            </a:r>
+            <a:endParaRPr lang="en-US" altLang="zh-CN" dirty="0" smtClean="0"/>
           </a:p>
           <a:p>
             <a:pPr marL="0" indent="0">
@@ -9700,9 +9985,67 @@
             </a:r>
             <a:r>
               <a:rPr lang="zh-CN" altLang="en-US" dirty="0" smtClean="0"/>
-              <a:t>的配置</a:t>
+              <a:t>的</a:t>
+            </a:r>
+            <a:r>
+              <a:rPr lang="zh-CN" altLang="en-US" dirty="0" smtClean="0"/>
+              <a:t>配置</a:t>
             </a:r>
             <a:endParaRPr lang="en-US" altLang="zh-CN" dirty="0" smtClean="0"/>
+          </a:p>
+          <a:p>
+            <a:pPr marL="0" indent="0">
+              <a:buNone/>
+            </a:pPr>
+            <a:r>
+              <a:rPr lang="en-US" altLang="zh-CN" dirty="0"/>
+              <a:t>	</a:t>
+            </a:r>
+            <a:r>
+              <a:rPr lang="en-US" altLang="zh-CN" dirty="0" smtClean="0"/>
+              <a:t>yum -y java-1.8.0-openjdk</a:t>
+            </a:r>
+          </a:p>
+          <a:p>
+            <a:pPr marL="0" indent="0">
+              <a:buNone/>
+            </a:pPr>
+            <a:r>
+              <a:rPr lang="en-US" altLang="zh-CN" dirty="0"/>
+              <a:t>	</a:t>
+            </a:r>
+            <a:r>
+              <a:rPr lang="en-US" altLang="zh-CN" dirty="0" err="1" smtClean="0"/>
+              <a:t>scp</a:t>
+            </a:r>
+            <a:r>
+              <a:rPr lang="en-US" altLang="zh-CN" dirty="0" smtClean="0"/>
+              <a:t> -r nn01:/</a:t>
+            </a:r>
+            <a:r>
+              <a:rPr lang="en-US" altLang="zh-CN" dirty="0" err="1" smtClean="0"/>
+              <a:t>usr</a:t>
+            </a:r>
+            <a:r>
+              <a:rPr lang="en-US" altLang="zh-CN" dirty="0" smtClean="0"/>
+              <a:t>/local/</a:t>
+            </a:r>
+            <a:r>
+              <a:rPr lang="en-US" altLang="zh-CN" dirty="0" err="1" smtClean="0"/>
+              <a:t>hadoop</a:t>
+            </a:r>
+            <a:r>
+              <a:rPr lang="en-US" altLang="zh-CN" dirty="0" smtClean="0"/>
+              <a:t> /</a:t>
+            </a:r>
+            <a:r>
+              <a:rPr lang="en-US" altLang="zh-CN" dirty="0" err="1" smtClean="0"/>
+              <a:t>usr</a:t>
+            </a:r>
+            <a:r>
+              <a:rPr lang="en-US" altLang="zh-CN" dirty="0" smtClean="0"/>
+              <a:t>/local/</a:t>
+            </a:r>
           </a:p>
           <a:p>
             <a:pPr marL="0" indent="0">
@@ -9725,16 +10068,36 @@
               <a:t>/</a:t>
             </a:r>
             <a:r>
-              <a:rPr lang="en-US" altLang="zh-CN" dirty="0" err="1"/>
+              <a:rPr lang="en-US" altLang="zh-CN" dirty="0" err="1" smtClean="0"/>
               <a:t>usr</a:t>
             </a:r>
             <a:r>
-              <a:rPr lang="en-US" altLang="zh-CN" dirty="0"/>
-              <a:t>/local/Hadoop/logs</a:t>
+              <a:rPr lang="en-US" altLang="zh-CN" dirty="0" smtClean="0"/>
+              <a:t>/local/</a:t>
+            </a:r>
+            <a:r>
+              <a:rPr lang="en-US" altLang="zh-CN" dirty="0" err="1" smtClean="0"/>
+              <a:t>hadoop</a:t>
+            </a:r>
+            <a:r>
+              <a:rPr lang="en-US" altLang="zh-CN" dirty="0" smtClean="0"/>
+              <a:t>/logs</a:t>
             </a:r>
             <a:r>
               <a:rPr lang="zh-CN" altLang="en-US" dirty="0"/>
-              <a:t>赋权</a:t>
+              <a:t>赋</a:t>
+            </a:r>
+            <a:r>
+              <a:rPr lang="zh-CN" altLang="en-US" dirty="0" smtClean="0"/>
+              <a:t>权</a:t>
+            </a:r>
+            <a:r>
+              <a:rPr lang="en-US" altLang="zh-CN" dirty="0" smtClean="0"/>
+              <a:t>,</a:t>
+            </a:r>
+            <a:r>
+              <a:rPr lang="zh-CN" altLang="en-US" dirty="0" smtClean="0"/>
+              <a:t>让代理用户可以往里面写数据</a:t>
             </a:r>
             <a:endParaRPr lang="en-US" altLang="zh-CN" dirty="0"/>
           </a:p>
@@ -9752,24 +10115,41 @@
             </a:r>
             <a:r>
               <a:rPr lang="en-US" altLang="zh-CN" dirty="0"/>
-              <a:t> –</a:t>
-            </a:r>
-            <a:r>
-              <a:rPr lang="en-US" altLang="zh-CN" dirty="0" err="1"/>
+              <a:t> </a:t>
+            </a:r>
+            <a:r>
+              <a:rPr lang="en-US" altLang="zh-CN" dirty="0" smtClean="0"/>
+              <a:t>-</a:t>
+            </a:r>
+            <a:r>
+              <a:rPr lang="en-US" altLang="zh-CN" dirty="0" err="1" smtClean="0"/>
               <a:t>rf</a:t>
             </a:r>
             <a:r>
-              <a:rPr lang="en-US" altLang="zh-CN" dirty="0"/>
-              <a:t> /</a:t>
-            </a:r>
-            <a:r>
-              <a:rPr lang="en-US" altLang="zh-CN" dirty="0" err="1"/>
+              <a:rPr lang="en-US" altLang="zh-CN" dirty="0" smtClean="0"/>
+              <a:t> </a:t>
+            </a:r>
+            <a:r>
+              <a:rPr lang="en-US" altLang="zh-CN" dirty="0"/>
+              <a:t>/</a:t>
+            </a:r>
+            <a:r>
+              <a:rPr lang="en-US" altLang="zh-CN" dirty="0" err="1" smtClean="0"/>
               <a:t>usr</a:t>
             </a:r>
             <a:r>
-              <a:rPr lang="en-US" altLang="zh-CN" dirty="0"/>
-              <a:t>/local/Hadoop/logs</a:t>
-            </a:r>
+              <a:rPr lang="en-US" altLang="zh-CN" dirty="0" smtClean="0"/>
+              <a:t>/local/</a:t>
+            </a:r>
+            <a:r>
+              <a:rPr lang="en-US" altLang="zh-CN" dirty="0" err="1" smtClean="0"/>
+              <a:t>hadoop</a:t>
+            </a:r>
+            <a:r>
+              <a:rPr lang="en-US" altLang="zh-CN" dirty="0" smtClean="0"/>
+              <a:t>/logs</a:t>
+            </a:r>
+            <a:endParaRPr lang="en-US" altLang="zh-CN" dirty="0"/>
           </a:p>
           <a:p>
             <a:pPr marL="0" indent="0">
@@ -9788,13 +10168,22 @@
               <a:t> /</a:t>
             </a:r>
             <a:r>
-              <a:rPr lang="en-US" altLang="zh-CN" dirty="0" err="1"/>
+              <a:rPr lang="en-US" altLang="zh-CN" dirty="0" err="1" smtClean="0"/>
               <a:t>usr</a:t>
             </a:r>
             <a:r>
-              <a:rPr lang="en-US" altLang="zh-CN" dirty="0"/>
-              <a:t>/local/Hadoop/logs</a:t>
-            </a:r>
+              <a:rPr lang="en-US" altLang="zh-CN" dirty="0" smtClean="0"/>
+              <a:t>/local/</a:t>
+            </a:r>
+            <a:r>
+              <a:rPr lang="en-US" altLang="zh-CN" dirty="0" err="1" smtClean="0"/>
+              <a:t>hadoop</a:t>
+            </a:r>
+            <a:r>
+              <a:rPr lang="en-US" altLang="zh-CN" dirty="0" smtClean="0"/>
+              <a:t>/logs</a:t>
+            </a:r>
+            <a:endParaRPr lang="en-US" altLang="zh-CN" dirty="0"/>
           </a:p>
           <a:p>
             <a:pPr marL="0" indent="0">
@@ -9810,16 +10199,33 @@
             </a:r>
             <a:r>
               <a:rPr lang="en-US" altLang="zh-CN" dirty="0"/>
-              <a:t> –m u:nsd1803:rwx /</a:t>
-            </a:r>
-            <a:r>
-              <a:rPr lang="en-US" altLang="zh-CN" dirty="0" err="1"/>
+              <a:t> </a:t>
+            </a:r>
+            <a:r>
+              <a:rPr lang="en-US" altLang="zh-CN" dirty="0" smtClean="0"/>
+              <a:t>-m </a:t>
+            </a:r>
+            <a:r>
+              <a:rPr lang="en-US" altLang="zh-CN" dirty="0"/>
+              <a:t>u:nsd1803:rwx /</a:t>
+            </a:r>
+            <a:r>
+              <a:rPr lang="en-US" altLang="zh-CN" dirty="0" err="1" smtClean="0"/>
               <a:t>usr</a:t>
             </a:r>
             <a:r>
-              <a:rPr lang="en-US" altLang="zh-CN" dirty="0"/>
-              <a:t>/local/Hadoop/logs</a:t>
-            </a:r>
+              <a:rPr lang="en-US" altLang="zh-CN" dirty="0" smtClean="0"/>
+              <a:t>/local/</a:t>
+            </a:r>
+            <a:r>
+              <a:rPr lang="en-US" altLang="zh-CN" dirty="0" err="1" smtClean="0"/>
+              <a:t>hadoop</a:t>
+            </a:r>
+            <a:r>
+              <a:rPr lang="en-US" altLang="zh-CN" dirty="0" smtClean="0"/>
+              <a:t>/logs</a:t>
+            </a:r>
+            <a:endParaRPr lang="en-US" altLang="zh-CN" dirty="0"/>
           </a:p>
           <a:p>
             <a:pPr marL="0" indent="0">
@@ -9852,13 +10258,18 @@
               <a:t> /</a:t>
             </a:r>
             <a:r>
-              <a:rPr lang="en-US" altLang="zh-CN" dirty="0" err="1"/>
+              <a:rPr lang="en-US" altLang="zh-CN" dirty="0" err="1" smtClean="0"/>
               <a:t>var</a:t>
             </a:r>
             <a:r>
-              <a:rPr lang="en-US" altLang="zh-CN" dirty="0"/>
-              <a:t>/Hadoop</a:t>
-            </a:r>
+              <a:rPr lang="en-US" altLang="zh-CN" dirty="0" smtClean="0"/>
+              <a:t>/</a:t>
+            </a:r>
+            <a:r>
+              <a:rPr lang="en-US" altLang="zh-CN" dirty="0" err="1" smtClean="0"/>
+              <a:t>hadoop</a:t>
+            </a:r>
+            <a:endParaRPr lang="en-US" altLang="zh-CN" dirty="0"/>
           </a:p>
           <a:p>
             <a:pPr marL="0" indent="0">
@@ -9946,7 +10357,7 @@
         <p:spPr/>
         <p:txBody>
           <a:bodyPr>
-            <a:normAutofit fontScale="92500" lnSpcReduction="20000"/>
+            <a:normAutofit fontScale="32500" lnSpcReduction="20000"/>
           </a:bodyPr>
           <a:lstStyle/>
           <a:p>
@@ -9954,8 +10365,275 @@
               <a:buNone/>
             </a:pPr>
             <a:r>
-              <a:rPr lang="en-US" altLang="zh-CN" dirty="0"/>
-              <a:t>12.Nfsgw:</a:t>
+              <a:rPr lang="en-US" altLang="zh-CN" dirty="0" smtClean="0"/>
+              <a:t>11.NFS</a:t>
+            </a:r>
+            <a:r>
+              <a:rPr lang="zh-CN" altLang="en-US" dirty="0" smtClean="0"/>
+              <a:t>网关配置步骤</a:t>
+            </a:r>
+            <a:endParaRPr lang="en-US" altLang="zh-CN" dirty="0" smtClean="0"/>
+          </a:p>
+          <a:p>
+            <a:pPr marL="0" indent="0">
+              <a:buNone/>
+            </a:pPr>
+            <a:r>
+              <a:rPr lang="en-US" altLang="zh-CN" dirty="0"/>
+              <a:t>	</a:t>
+            </a:r>
+            <a:r>
+              <a:rPr lang="en-US" altLang="zh-CN" dirty="0" smtClean="0"/>
+              <a:t>1.</a:t>
+            </a:r>
+            <a:r>
+              <a:rPr lang="zh-CN" altLang="en-US" dirty="0" smtClean="0"/>
+              <a:t>禁用</a:t>
+            </a:r>
+            <a:r>
+              <a:rPr lang="en-US" altLang="zh-CN" dirty="0" err="1" smtClean="0"/>
+              <a:t>selinux</a:t>
+            </a:r>
+            <a:r>
+              <a:rPr lang="zh-CN" altLang="en-US" dirty="0" smtClean="0"/>
+              <a:t>、禁用</a:t>
+            </a:r>
+            <a:r>
+              <a:rPr lang="en-US" altLang="zh-CN" dirty="0" err="1" smtClean="0"/>
+              <a:t>firewalld</a:t>
+            </a:r>
+            <a:endParaRPr lang="en-US" altLang="zh-CN" dirty="0" smtClean="0"/>
+          </a:p>
+          <a:p>
+            <a:pPr marL="0" indent="0">
+              <a:buNone/>
+            </a:pPr>
+            <a:r>
+              <a:rPr lang="en-US" altLang="zh-CN" dirty="0"/>
+              <a:t>	</a:t>
+            </a:r>
+            <a:r>
+              <a:rPr lang="en-US" altLang="zh-CN" dirty="0" smtClean="0"/>
+              <a:t>2.</a:t>
+            </a:r>
+            <a:r>
+              <a:rPr lang="zh-CN" altLang="en-US" dirty="0" smtClean="0"/>
+              <a:t>卸载</a:t>
+            </a:r>
+            <a:r>
+              <a:rPr lang="en-US" altLang="zh-CN" dirty="0" err="1" smtClean="0"/>
+              <a:t>rpcbind</a:t>
+            </a:r>
+            <a:r>
+              <a:rPr lang="en-US" altLang="zh-CN" dirty="0" smtClean="0"/>
+              <a:t> </a:t>
+            </a:r>
+            <a:r>
+              <a:rPr lang="zh-CN" altLang="en-US" dirty="0" smtClean="0"/>
+              <a:t>、 </a:t>
+            </a:r>
+            <a:r>
+              <a:rPr lang="en-US" altLang="zh-CN" dirty="0" err="1" smtClean="0"/>
+              <a:t>nfs-utils</a:t>
+            </a:r>
+            <a:endParaRPr lang="en-US" altLang="zh-CN" dirty="0" smtClean="0"/>
+          </a:p>
+          <a:p>
+            <a:pPr marL="0" indent="0">
+              <a:buNone/>
+            </a:pPr>
+            <a:r>
+              <a:rPr lang="en-US" altLang="zh-CN" dirty="0"/>
+              <a:t>	</a:t>
+            </a:r>
+            <a:r>
+              <a:rPr lang="en-US" altLang="zh-CN" dirty="0" smtClean="0"/>
+              <a:t>3.</a:t>
+            </a:r>
+            <a:r>
+              <a:rPr lang="zh-CN" altLang="en-US" dirty="0" smtClean="0"/>
+              <a:t>配置 </a:t>
+            </a:r>
+            <a:r>
+              <a:rPr lang="en-US" altLang="zh-CN" dirty="0" smtClean="0"/>
+              <a:t>/</a:t>
+            </a:r>
+            <a:r>
+              <a:rPr lang="en-US" altLang="zh-CN" dirty="0" err="1" smtClean="0"/>
+              <a:t>etc</a:t>
+            </a:r>
+            <a:r>
+              <a:rPr lang="en-US" altLang="zh-CN" dirty="0" smtClean="0"/>
+              <a:t>/hosts,</a:t>
+            </a:r>
+            <a:r>
+              <a:rPr lang="zh-CN" altLang="en-US" dirty="0" smtClean="0"/>
+              <a:t>添加所有</a:t>
+            </a:r>
+            <a:r>
+              <a:rPr lang="en-US" altLang="zh-CN" dirty="0" err="1" smtClean="0"/>
+              <a:t>namenode</a:t>
+            </a:r>
+            <a:r>
+              <a:rPr lang="en-US" altLang="zh-CN" dirty="0" smtClean="0"/>
+              <a:t> </a:t>
+            </a:r>
+            <a:r>
+              <a:rPr lang="zh-CN" altLang="en-US" dirty="0" smtClean="0"/>
+              <a:t>和 </a:t>
+            </a:r>
+            <a:r>
+              <a:rPr lang="en-US" altLang="zh-CN" dirty="0" err="1" smtClean="0"/>
+              <a:t>datanode</a:t>
+            </a:r>
+            <a:r>
+              <a:rPr lang="en-US" altLang="zh-CN" dirty="0" smtClean="0"/>
+              <a:t> </a:t>
+            </a:r>
+            <a:r>
+              <a:rPr lang="zh-CN" altLang="en-US" dirty="0" smtClean="0"/>
+              <a:t>的主机名与</a:t>
+            </a:r>
+            <a:r>
+              <a:rPr lang="en-US" altLang="zh-CN" dirty="0" err="1" smtClean="0"/>
+              <a:t>ip</a:t>
+            </a:r>
+            <a:r>
+              <a:rPr lang="zh-CN" altLang="en-US" dirty="0" smtClean="0"/>
+              <a:t>对应关系</a:t>
+            </a:r>
+            <a:endParaRPr lang="en-US" altLang="zh-CN" dirty="0" smtClean="0"/>
+          </a:p>
+          <a:p>
+            <a:pPr marL="0" indent="0">
+              <a:buNone/>
+            </a:pPr>
+            <a:r>
+              <a:rPr lang="en-US" altLang="zh-CN" dirty="0"/>
+              <a:t>	</a:t>
+            </a:r>
+            <a:r>
+              <a:rPr lang="en-US" altLang="zh-CN" dirty="0" smtClean="0"/>
+              <a:t>4.</a:t>
+            </a:r>
+            <a:r>
+              <a:rPr lang="zh-CN" altLang="en-US" dirty="0" smtClean="0"/>
+              <a:t>安装 </a:t>
+            </a:r>
+            <a:r>
+              <a:rPr lang="en-US" altLang="zh-CN" dirty="0" smtClean="0"/>
+              <a:t>java </a:t>
+            </a:r>
+            <a:r>
+              <a:rPr lang="en-US" altLang="zh-CN" dirty="0" err="1" smtClean="0"/>
+              <a:t>openjdk</a:t>
+            </a:r>
+            <a:r>
+              <a:rPr lang="en-US" altLang="zh-CN" dirty="0" smtClean="0"/>
+              <a:t> </a:t>
+            </a:r>
+            <a:r>
+              <a:rPr lang="zh-CN" altLang="en-US" dirty="0" smtClean="0"/>
+              <a:t>的运行环境</a:t>
+            </a:r>
+            <a:endParaRPr lang="en-US" altLang="zh-CN" dirty="0" smtClean="0"/>
+          </a:p>
+          <a:p>
+            <a:pPr marL="0" indent="0">
+              <a:buNone/>
+            </a:pPr>
+            <a:r>
+              <a:rPr lang="en-US" altLang="zh-CN" dirty="0"/>
+              <a:t>	</a:t>
+            </a:r>
+            <a:r>
+              <a:rPr lang="en-US" altLang="zh-CN" dirty="0" smtClean="0"/>
+              <a:t>5.</a:t>
+            </a:r>
+            <a:r>
+              <a:rPr lang="zh-CN" altLang="en-US" dirty="0" smtClean="0"/>
+              <a:t>同步</a:t>
+            </a:r>
+            <a:r>
+              <a:rPr lang="en-US" altLang="zh-CN" dirty="0" err="1" smtClean="0"/>
+              <a:t>namenode</a:t>
+            </a:r>
+            <a:r>
+              <a:rPr lang="zh-CN" altLang="en-US" dirty="0" smtClean="0"/>
+              <a:t>的</a:t>
+            </a:r>
+            <a:r>
+              <a:rPr lang="en-US" altLang="zh-CN" dirty="0" smtClean="0"/>
+              <a:t>/</a:t>
+            </a:r>
+            <a:r>
+              <a:rPr lang="en-US" altLang="zh-CN" dirty="0" err="1" smtClean="0"/>
+              <a:t>usr</a:t>
+            </a:r>
+            <a:r>
+              <a:rPr lang="en-US" altLang="zh-CN" dirty="0" smtClean="0"/>
+              <a:t>/local/</a:t>
+            </a:r>
+            <a:r>
+              <a:rPr lang="en-US" altLang="zh-CN" dirty="0" err="1" smtClean="0"/>
+              <a:t>hadoop</a:t>
+            </a:r>
+            <a:r>
+              <a:rPr lang="zh-CN" altLang="en-US" dirty="0" smtClean="0"/>
+              <a:t>到本机</a:t>
+            </a:r>
+            <a:endParaRPr lang="en-US" altLang="zh-CN" dirty="0" smtClean="0"/>
+          </a:p>
+          <a:p>
+            <a:pPr marL="0" indent="0">
+              <a:buNone/>
+            </a:pPr>
+            <a:r>
+              <a:rPr lang="en-US" altLang="zh-CN" dirty="0"/>
+              <a:t>	</a:t>
+            </a:r>
+            <a:r>
+              <a:rPr lang="en-US" altLang="zh-CN" dirty="0" smtClean="0"/>
+              <a:t>6.</a:t>
+            </a:r>
+            <a:r>
+              <a:rPr lang="zh-CN" altLang="en-US" dirty="0" smtClean="0"/>
+              <a:t>配置</a:t>
+            </a:r>
+            <a:r>
+              <a:rPr lang="en-US" altLang="zh-CN" dirty="0" smtClean="0"/>
+              <a:t>hdfs-site.xml</a:t>
+            </a:r>
+          </a:p>
+          <a:p>
+            <a:pPr marL="0" indent="0">
+              <a:buNone/>
+            </a:pPr>
+            <a:r>
+              <a:rPr lang="en-US" altLang="zh-CN" dirty="0"/>
+              <a:t>	</a:t>
+            </a:r>
+            <a:r>
+              <a:rPr lang="en-US" altLang="zh-CN" dirty="0" smtClean="0"/>
+              <a:t>7.</a:t>
+            </a:r>
+            <a:r>
+              <a:rPr lang="zh-CN" altLang="en-US" dirty="0" smtClean="0"/>
+              <a:t>启动服务</a:t>
+            </a:r>
+            <a:endParaRPr lang="en-US" altLang="zh-CN" dirty="0" smtClean="0"/>
+          </a:p>
+          <a:p>
+            <a:pPr marL="0" indent="0">
+              <a:buNone/>
+            </a:pPr>
+            <a:r>
+              <a:rPr lang="en-US" altLang="zh-CN" dirty="0" smtClean="0"/>
+              <a:t>12.Nfsgw</a:t>
+            </a:r>
+            <a:r>
+              <a:rPr lang="en-US" altLang="zh-CN" dirty="0"/>
+              <a:t>:</a:t>
             </a:r>
             <a:r>
               <a:rPr lang="zh-CN" altLang="en-US" dirty="0"/>
@@ -10004,13 +10682,19 @@
               <a:rPr lang="en-US" altLang="zh-CN" dirty="0" smtClean="0">
                 <a:sym typeface="Wingdings" panose="05000000000000000000" pitchFamily="2" charset="2"/>
               </a:rPr>
-              <a:t></a:t>
+              <a:t># </a:t>
             </a:r>
             <a:r>
               <a:rPr lang="zh-CN" altLang="en-US" dirty="0" smtClean="0">
                 <a:sym typeface="Wingdings" panose="05000000000000000000" pitchFamily="2" charset="2"/>
               </a:rPr>
-              <a:t>授权连接主机有什么权限</a:t>
+              <a:t>授权</a:t>
+            </a:r>
+            <a:r>
+              <a:rPr lang="zh-CN" altLang="en-US" dirty="0" smtClean="0">
+                <a:sym typeface="Wingdings" panose="05000000000000000000" pitchFamily="2" charset="2"/>
+              </a:rPr>
+              <a:t>连接主机有什么权限</a:t>
             </a:r>
             <a:endParaRPr lang="en-US" altLang="zh-CN" dirty="0"/>
           </a:p>
@@ -10055,6 +10739,18 @@
             <a:r>
               <a:rPr lang="en-US" altLang="zh-CN" dirty="0" err="1" smtClean="0"/>
               <a:t>nfstmp</a:t>
+            </a:r>
+            <a:r>
+              <a:rPr lang="en-US" altLang="zh-CN" dirty="0" smtClean="0"/>
+              <a:t> # </a:t>
+            </a:r>
+            <a:r>
+              <a:rPr lang="en-US" altLang="zh-CN" dirty="0" err="1" smtClean="0"/>
+              <a:t>nfs</a:t>
+            </a:r>
+            <a:r>
+              <a:rPr lang="zh-CN" altLang="en-US" dirty="0" smtClean="0"/>
+              <a:t>缓存目录</a:t>
             </a:r>
             <a:endParaRPr lang="en-US" altLang="zh-CN" dirty="0" smtClean="0"/>
           </a:p>
@@ -10231,7 +10927,7 @@
         <p:spPr/>
         <p:txBody>
           <a:bodyPr>
-            <a:normAutofit fontScale="40000" lnSpcReduction="20000"/>
+            <a:normAutofit fontScale="32500" lnSpcReduction="20000"/>
           </a:bodyPr>
           <a:lstStyle/>
           <a:p>
@@ -10360,20 +11056,49 @@
             </a:r>
             <a:r>
               <a:rPr lang="en-US" altLang="zh-CN" dirty="0" smtClean="0"/>
-              <a:t>(root)</a:t>
-            </a:r>
-          </a:p>
-          <a:p>
-            <a:pPr marL="0" indent="0">
-              <a:buNone/>
-            </a:pPr>
-            <a:r>
-              <a:rPr lang="en-US" altLang="zh-CN" dirty="0"/>
-              <a:t>	</a:t>
-            </a:r>
-            <a:r>
-              <a:rPr lang="en-US" altLang="zh-CN" dirty="0" smtClean="0"/>
-              <a:t>	./sbin/Hadoop-daemon.sh –script ./bin/</a:t>
+              <a:t>(root</a:t>
+            </a:r>
+            <a:r>
+              <a:rPr lang="en-US" altLang="zh-CN" dirty="0" smtClean="0"/>
+              <a:t>),</a:t>
+            </a:r>
+            <a:r>
+              <a:rPr lang="zh-CN" altLang="en-US" dirty="0" smtClean="0"/>
+              <a:t>必须</a:t>
+            </a:r>
+            <a:r>
+              <a:rPr lang="en-US" altLang="zh-CN" dirty="0" smtClean="0"/>
+              <a:t>root</a:t>
+            </a:r>
+            <a:r>
+              <a:rPr lang="zh-CN" altLang="en-US" dirty="0" smtClean="0"/>
+              <a:t>用户先启动</a:t>
+            </a:r>
+            <a:r>
+              <a:rPr lang="en-US" altLang="zh-CN" dirty="0" err="1" smtClean="0"/>
+              <a:t>portmap</a:t>
+            </a:r>
+            <a:endParaRPr lang="en-US" altLang="zh-CN" dirty="0" smtClean="0"/>
+          </a:p>
+          <a:p>
+            <a:pPr marL="0" indent="0">
+              <a:buNone/>
+            </a:pPr>
+            <a:r>
+              <a:rPr lang="en-US" altLang="zh-CN" dirty="0"/>
+              <a:t>	</a:t>
+            </a:r>
+            <a:r>
+              <a:rPr lang="en-US" altLang="zh-CN" dirty="0" smtClean="0"/>
+              <a:t>	./</a:t>
+            </a:r>
+            <a:r>
+              <a:rPr lang="en-US" altLang="zh-CN" dirty="0" smtClean="0"/>
+              <a:t>sbin/hadoop-daemon.sh --script </a:t>
+            </a:r>
+            <a:r>
+              <a:rPr lang="en-US" altLang="zh-CN" dirty="0" smtClean="0"/>
+              <a:t>./bin/</a:t>
             </a:r>
             <a:r>
               <a:rPr lang="en-US" altLang="zh-CN" dirty="0" err="1" smtClean="0"/>
@@ -10437,8 +11162,21 @@
             </a:r>
             <a:r>
               <a:rPr lang="en-US" altLang="zh-CN" dirty="0" smtClean="0"/>
-              <a:t>nfs3 (nsd1803)</a:t>
-            </a:r>
+              <a:t>nfs3 (nsd1803</a:t>
+            </a:r>
+            <a:r>
+              <a:rPr lang="en-US" altLang="zh-CN" dirty="0" smtClean="0"/>
+              <a:t>),</a:t>
+            </a:r>
+            <a:r>
+              <a:rPr lang="zh-CN" altLang="en-US" dirty="0" smtClean="0"/>
+              <a:t>然后使用代理用户启动</a:t>
+            </a:r>
+            <a:r>
+              <a:rPr lang="en-US" altLang="zh-CN" dirty="0" smtClean="0"/>
+              <a:t>nfs3</a:t>
+            </a:r>
+            <a:endParaRPr lang="en-US" altLang="zh-CN" dirty="0" smtClean="0"/>
           </a:p>
           <a:p>
             <a:pPr marL="0" indent="0">
@@ -10476,7 +11214,23 @@
             </a:r>
             <a:r>
               <a:rPr lang="en-US" altLang="zh-CN" dirty="0"/>
-              <a:t> ./sbin/Hadoop-daemon.sh –script ./bin/</a:t>
+              <a:t> ./</a:t>
+            </a:r>
+            <a:r>
+              <a:rPr lang="en-US" altLang="zh-CN" dirty="0" smtClean="0"/>
+              <a:t>sbin/hadoop-daemon.sh </a:t>
+            </a:r>
+            <a:r>
+              <a:rPr lang="en-US" altLang="zh-CN" dirty="0"/>
+              <a:t>-</a:t>
+            </a:r>
+            <a:r>
+              <a:rPr lang="en-US" altLang="zh-CN" dirty="0" smtClean="0"/>
+              <a:t>script </a:t>
+            </a:r>
+            <a:r>
+              <a:rPr lang="en-US" altLang="zh-CN" dirty="0"/>
+              <a:t>./bin/</a:t>
             </a:r>
             <a:r>
               <a:rPr lang="en-US" altLang="zh-CN" dirty="0" err="1"/>
@@ -10509,7 +11263,11 @@
             </a:r>
             <a:r>
               <a:rPr lang="en-US" altLang="zh-CN" dirty="0" smtClean="0"/>
-              <a:t> =&gt;Nfs3 </a:t>
+              <a:t> </a:t>
+            </a:r>
+            <a:r>
+              <a:rPr lang="en-US" altLang="zh-CN" dirty="0" smtClean="0"/>
+              <a:t>=&gt;Nfs3 </a:t>
             </a:r>
             <a:r>
               <a:rPr lang="zh-CN" altLang="en-US" dirty="0" smtClean="0"/>
@@ -10559,6 +11317,10 @@
               <a:rPr lang="en-US" altLang="zh-CN" dirty="0" err="1" smtClean="0"/>
               <a:t>jps</a:t>
             </a:r>
+            <a:r>
+              <a:rPr lang="en-US" altLang="zh-CN" dirty="0" smtClean="0"/>
+              <a:t>=&gt;portmap,Nfs3</a:t>
+            </a:r>
             <a:endParaRPr lang="en-US" altLang="zh-CN" dirty="0" smtClean="0"/>
           </a:p>
           <a:p>
@@ -10570,39 +11332,117 @@
               <a:t>	</a:t>
             </a:r>
             <a:r>
-              <a:rPr lang="zh-CN" altLang="en-US" dirty="0" smtClean="0"/>
+              <a:rPr lang="zh-CN" altLang="en-US" b="1" dirty="0" smtClean="0">
+                <a:solidFill>
+                  <a:srgbClr val="FF0000"/>
+                </a:solidFill>
+              </a:rPr>
               <a:t>注意：</a:t>
             </a:r>
             <a:r>
-              <a:rPr lang="en-US" altLang="zh-CN" dirty="0" err="1" smtClean="0"/>
+              <a:rPr lang="en-US" altLang="zh-CN" b="1" dirty="0" err="1" smtClean="0">
+                <a:solidFill>
+                  <a:srgbClr val="FF0000"/>
+                </a:solidFill>
+              </a:rPr>
               <a:t>portmap</a:t>
             </a:r>
             <a:r>
-              <a:rPr lang="zh-CN" altLang="en-US" dirty="0" smtClean="0"/>
+              <a:rPr lang="zh-CN" altLang="en-US" b="1" dirty="0" smtClean="0">
+                <a:solidFill>
+                  <a:srgbClr val="FF0000"/>
+                </a:solidFill>
+              </a:rPr>
               <a:t>与系统</a:t>
             </a:r>
             <a:r>
-              <a:rPr lang="en-US" altLang="zh-CN" dirty="0" err="1" smtClean="0"/>
+              <a:rPr lang="en-US" altLang="zh-CN" b="1" dirty="0" err="1" smtClean="0">
+                <a:solidFill>
+                  <a:srgbClr val="FF0000"/>
+                </a:solidFill>
+              </a:rPr>
               <a:t>rpcbind</a:t>
             </a:r>
             <a:r>
-              <a:rPr lang="zh-CN" altLang="en-US" dirty="0" smtClean="0"/>
+              <a:rPr lang="zh-CN" altLang="en-US" b="1" dirty="0" smtClean="0">
+                <a:solidFill>
+                  <a:srgbClr val="FF0000"/>
+                </a:solidFill>
+              </a:rPr>
               <a:t>冲突，</a:t>
             </a:r>
             <a:r>
-              <a:rPr lang="en-US" altLang="zh-CN" dirty="0" err="1" smtClean="0"/>
+              <a:rPr lang="en-US" altLang="zh-CN" b="1" dirty="0" err="1" smtClean="0">
+                <a:solidFill>
+                  <a:srgbClr val="FF0000"/>
+                </a:solidFill>
+              </a:rPr>
               <a:t>nfs</a:t>
             </a:r>
             <a:r>
-              <a:rPr lang="zh-CN" altLang="en-US" dirty="0" smtClean="0"/>
+              <a:rPr lang="zh-CN" altLang="en-US" b="1" dirty="0" smtClean="0">
+                <a:solidFill>
+                  <a:srgbClr val="FF0000"/>
+                </a:solidFill>
+              </a:rPr>
               <a:t>冲突，必须卸载这两个包，否则起不来</a:t>
             </a:r>
             <a:r>
-              <a:rPr lang="en-US" altLang="zh-CN" dirty="0" err="1" smtClean="0"/>
+              <a:rPr lang="en-US" altLang="zh-CN" b="1" dirty="0" err="1" smtClean="0">
+                <a:solidFill>
+                  <a:srgbClr val="FF0000"/>
+                </a:solidFill>
+              </a:rPr>
               <a:t>portmap</a:t>
             </a:r>
-            <a:r>
-              <a:rPr lang="en-US" altLang="zh-CN" dirty="0" smtClean="0"/>
+            <a:endParaRPr lang="en-US" altLang="zh-CN" b="1" dirty="0" smtClean="0">
+              <a:solidFill>
+                <a:srgbClr val="FF0000"/>
+              </a:solidFill>
+            </a:endParaRPr>
+          </a:p>
+          <a:p>
+            <a:pPr marL="0" indent="0">
+              <a:buNone/>
+            </a:pPr>
+            <a:r>
+              <a:rPr lang="en-US" altLang="zh-CN" b="1" dirty="0">
+                <a:solidFill>
+                  <a:srgbClr val="FF0000"/>
+                </a:solidFill>
+              </a:rPr>
+              <a:t>	</a:t>
+            </a:r>
+            <a:r>
+              <a:rPr lang="en-US" altLang="zh-CN" b="1" dirty="0" err="1" smtClean="0">
+                <a:solidFill>
+                  <a:srgbClr val="FF0000"/>
+                </a:solidFill>
+              </a:rPr>
+              <a:t>nfs</a:t>
+            </a:r>
+            <a:r>
+              <a:rPr lang="zh-CN" altLang="en-US" b="1" dirty="0" smtClean="0">
+                <a:solidFill>
+                  <a:srgbClr val="FF0000"/>
+                </a:solidFill>
+              </a:rPr>
+              <a:t>监听的端口</a:t>
+            </a:r>
+            <a:r>
+              <a:rPr lang="en-US" altLang="zh-CN" b="1" dirty="0" smtClean="0">
+                <a:solidFill>
+                  <a:srgbClr val="FF0000"/>
+                </a:solidFill>
+              </a:rPr>
+              <a:t>2049</a:t>
+            </a:r>
+            <a:r>
+              <a:rPr lang="en-US" altLang="zh-CN" b="1" dirty="0" smtClean="0">
+                <a:solidFill>
+                  <a:srgbClr val="FF0000"/>
+                </a:solidFill>
+              </a:rPr>
               <a:t> </a:t>
             </a:r>
           </a:p>
@@ -10633,12 +11473,122 @@
               <a:buNone/>
             </a:pPr>
             <a:r>
-              <a:rPr lang="en-US" altLang="zh-CN" dirty="0"/>
-              <a:t>	</a:t>
-            </a:r>
-            <a:r>
-              <a:rPr lang="en-US" altLang="zh-CN" dirty="0" smtClean="0"/>
-              <a:t>yum –y install </a:t>
+              <a:rPr lang="en-US" altLang="zh-CN" b="1" dirty="0">
+                <a:solidFill>
+                  <a:srgbClr val="FF0000"/>
+                </a:solidFill>
+              </a:rPr>
+              <a:t>	</a:t>
+            </a:r>
+            <a:r>
+              <a:rPr lang="en-US" altLang="zh-CN" b="1" dirty="0" err="1" smtClean="0">
+                <a:solidFill>
+                  <a:srgbClr val="FF0000"/>
+                </a:solidFill>
+              </a:rPr>
+              <a:t>rpcinfo</a:t>
+            </a:r>
+            <a:r>
+              <a:rPr lang="en-US" altLang="zh-CN" b="1" dirty="0" smtClean="0">
+                <a:solidFill>
+                  <a:srgbClr val="FF0000"/>
+                </a:solidFill>
+              </a:rPr>
+              <a:t> </a:t>
+            </a:r>
+            <a:r>
+              <a:rPr lang="en-US" altLang="zh-CN" b="1" dirty="0">
+                <a:solidFill>
+                  <a:srgbClr val="FF0000"/>
+                </a:solidFill>
+              </a:rPr>
+              <a:t>-p </a:t>
+            </a:r>
+            <a:r>
+              <a:rPr lang="en-US" altLang="zh-CN" b="1" dirty="0" smtClean="0">
+                <a:solidFill>
+                  <a:srgbClr val="FF0000"/>
+                </a:solidFill>
+              </a:rPr>
+              <a:t>192.168.1.5 </a:t>
+            </a:r>
+            <a:r>
+              <a:rPr lang="zh-CN" altLang="en-US" b="1" dirty="0" smtClean="0">
+                <a:solidFill>
+                  <a:srgbClr val="FF0000"/>
+                </a:solidFill>
+              </a:rPr>
+              <a:t>查看端口使用情况</a:t>
+            </a:r>
+            <a:r>
+              <a:rPr lang="en-US" altLang="zh-CN" b="1" dirty="0" smtClean="0">
+                <a:solidFill>
+                  <a:srgbClr val="FF0000"/>
+                </a:solidFill>
+              </a:rPr>
+              <a:t>  </a:t>
+            </a:r>
+            <a:r>
+              <a:rPr lang="en-US" altLang="zh-CN" b="1" dirty="0">
+                <a:solidFill>
+                  <a:srgbClr val="FF0000"/>
+                </a:solidFill>
+              </a:rPr>
+              <a:t>	</a:t>
+            </a:r>
+            <a:r>
+              <a:rPr lang="en-US" altLang="zh-CN" b="1" dirty="0" err="1">
+                <a:solidFill>
+                  <a:srgbClr val="FF0000"/>
+                </a:solidFill>
+              </a:rPr>
+              <a:t>showmount</a:t>
+            </a:r>
+            <a:r>
+              <a:rPr lang="en-US" altLang="zh-CN" b="1" dirty="0">
+                <a:solidFill>
+                  <a:srgbClr val="FF0000"/>
+                </a:solidFill>
+              </a:rPr>
+              <a:t> –e </a:t>
+            </a:r>
+            <a:r>
+              <a:rPr lang="en-US" altLang="zh-CN" b="1" dirty="0" smtClean="0">
+                <a:solidFill>
+                  <a:srgbClr val="FF0000"/>
+                </a:solidFill>
+              </a:rPr>
+              <a:t>192.168.1.5 </a:t>
+            </a:r>
+            <a:r>
+              <a:rPr lang="zh-CN" altLang="en-US" b="1" dirty="0" smtClean="0">
+                <a:solidFill>
+                  <a:srgbClr val="FF0000"/>
+                </a:solidFill>
+              </a:rPr>
+              <a:t>查看远程挂载情况</a:t>
+            </a:r>
+            <a:endParaRPr lang="en-US" altLang="zh-CN" dirty="0" smtClean="0"/>
+          </a:p>
+          <a:p>
+            <a:pPr marL="0" indent="0">
+              <a:buNone/>
+            </a:pPr>
+            <a:r>
+              <a:rPr lang="en-US" altLang="zh-CN" dirty="0"/>
+              <a:t>	</a:t>
+            </a:r>
+            <a:r>
+              <a:rPr lang="en-US" altLang="zh-CN" dirty="0" smtClean="0"/>
+              <a:t>yum </a:t>
+            </a:r>
+            <a:r>
+              <a:rPr lang="en-US" altLang="zh-CN" dirty="0" smtClean="0"/>
+              <a:t>-y </a:t>
+            </a:r>
+            <a:r>
+              <a:rPr lang="en-US" altLang="zh-CN" dirty="0" smtClean="0"/>
+              <a:t>install </a:t>
             </a:r>
             <a:r>
               <a:rPr lang="en-US" altLang="zh-CN" dirty="0" err="1" smtClean="0"/>
@@ -10672,7 +11622,11 @@
             </a:r>
             <a:r>
               <a:rPr lang="en-US" altLang="zh-CN" dirty="0" smtClean="0"/>
-              <a:t> –o </a:t>
+              <a:t> </a:t>
+            </a:r>
+            <a:r>
+              <a:rPr lang="en-US" altLang="zh-CN" dirty="0" smtClean="0"/>
+              <a:t>-o </a:t>
             </a:r>
             <a:r>
               <a:rPr lang="en-US" altLang="zh-CN" dirty="0" err="1" smtClean="0"/>
@@ -10907,6 +11861,2741 @@
     <p:extLst>
       <p:ext uri="{BB962C8B-B14F-4D97-AF65-F5344CB8AC3E}">
         <p14:creationId xmlns:p14="http://schemas.microsoft.com/office/powerpoint/2010/main" val="1312685795"/>
+      </p:ext>
+    </p:extLst>
+  </p:cSld>
+  <p:clrMapOvr>
+    <a:masterClrMapping/>
+  </p:clrMapOvr>
+</p:sld>
+</file>
+
+<file path=ppt/slides/slide30.xml><?xml version="1.0" encoding="utf-8"?>
+<p:sld xmlns:a="http://schemas.openxmlformats.org/drawingml/2006/main" xmlns:r="http://schemas.openxmlformats.org/officeDocument/2006/relationships" xmlns:p="http://schemas.openxmlformats.org/presentationml/2006/main">
+  <p:cSld>
+    <p:spTree>
+      <p:nvGrpSpPr>
+        <p:cNvPr id="1" name=""/>
+        <p:cNvGrpSpPr/>
+        <p:nvPr/>
+      </p:nvGrpSpPr>
+      <p:grpSpPr>
+        <a:xfrm>
+          <a:off x="0" y="0"/>
+          <a:ext cx="0" cy="0"/>
+          <a:chOff x="0" y="0"/>
+          <a:chExt cx="0" cy="0"/>
+        </a:xfrm>
+      </p:grpSpPr>
+      <p:sp>
+        <p:nvSpPr>
+          <p:cNvPr id="2" name="标题 1"/>
+          <p:cNvSpPr>
+            <a:spLocks noGrp="1"/>
+          </p:cNvSpPr>
+          <p:nvPr>
+            <p:ph type="title"/>
+          </p:nvPr>
+        </p:nvSpPr>
+        <p:spPr/>
+        <p:txBody>
+          <a:bodyPr/>
+          <a:lstStyle/>
+          <a:p>
+            <a:r>
+              <a:rPr lang="en-US" altLang="zh-CN" dirty="0" err="1"/>
+              <a:t>h</a:t>
+            </a:r>
+            <a:r>
+              <a:rPr lang="en-US" altLang="zh-CN" dirty="0" err="1" smtClean="0"/>
+              <a:t>adoop</a:t>
+            </a:r>
+            <a:r>
+              <a:rPr lang="zh-CN" altLang="en-US" dirty="0" smtClean="0"/>
+              <a:t>搭建</a:t>
+            </a:r>
+            <a:endParaRPr lang="zh-CN" altLang="en-US" dirty="0"/>
+          </a:p>
+        </p:txBody>
+      </p:sp>
+      <p:sp>
+        <p:nvSpPr>
+          <p:cNvPr id="3" name="内容占位符 2"/>
+          <p:cNvSpPr>
+            <a:spLocks noGrp="1"/>
+          </p:cNvSpPr>
+          <p:nvPr>
+            <p:ph idx="1"/>
+          </p:nvPr>
+        </p:nvSpPr>
+        <p:spPr/>
+        <p:txBody>
+          <a:bodyPr/>
+          <a:lstStyle/>
+          <a:p>
+            <a:pPr marL="0" indent="0">
+              <a:buNone/>
+            </a:pPr>
+            <a:r>
+              <a:rPr lang="en-US" altLang="zh-CN" dirty="0" smtClean="0"/>
+              <a:t>1.</a:t>
+            </a:r>
+            <a:r>
+              <a:rPr lang="zh-CN" altLang="en-US" dirty="0" smtClean="0"/>
+              <a:t>常用组件</a:t>
+            </a:r>
+            <a:endParaRPr lang="en-US" altLang="zh-CN" dirty="0" smtClean="0"/>
+          </a:p>
+          <a:p>
+            <a:pPr marL="0" indent="0">
+              <a:buNone/>
+            </a:pPr>
+            <a:r>
+              <a:rPr lang="en-US" altLang="zh-CN" dirty="0" smtClean="0"/>
+              <a:t>2.hadoop</a:t>
+            </a:r>
+            <a:r>
+              <a:rPr lang="zh-CN" altLang="en-US" dirty="0" smtClean="0"/>
+              <a:t>高可用</a:t>
+            </a:r>
+            <a:endParaRPr lang="zh-CN" altLang="en-US" dirty="0"/>
+          </a:p>
+        </p:txBody>
+      </p:sp>
+    </p:spTree>
+    <p:extLst>
+      <p:ext uri="{BB962C8B-B14F-4D97-AF65-F5344CB8AC3E}">
+        <p14:creationId xmlns:p14="http://schemas.microsoft.com/office/powerpoint/2010/main" val="3728152480"/>
+      </p:ext>
+    </p:extLst>
+  </p:cSld>
+  <p:clrMapOvr>
+    <a:masterClrMapping/>
+  </p:clrMapOvr>
+</p:sld>
+</file>
+
+<file path=ppt/slides/slide31.xml><?xml version="1.0" encoding="utf-8"?>
+<p:sld xmlns:a="http://schemas.openxmlformats.org/drawingml/2006/main" xmlns:r="http://schemas.openxmlformats.org/officeDocument/2006/relationships" xmlns:p="http://schemas.openxmlformats.org/presentationml/2006/main">
+  <p:cSld>
+    <p:spTree>
+      <p:nvGrpSpPr>
+        <p:cNvPr id="1" name=""/>
+        <p:cNvGrpSpPr/>
+        <p:nvPr/>
+      </p:nvGrpSpPr>
+      <p:grpSpPr>
+        <a:xfrm>
+          <a:off x="0" y="0"/>
+          <a:ext cx="0" cy="0"/>
+          <a:chOff x="0" y="0"/>
+          <a:chExt cx="0" cy="0"/>
+        </a:xfrm>
+      </p:grpSpPr>
+      <p:sp>
+        <p:nvSpPr>
+          <p:cNvPr id="2" name="标题 1"/>
+          <p:cNvSpPr>
+            <a:spLocks noGrp="1"/>
+          </p:cNvSpPr>
+          <p:nvPr>
+            <p:ph type="title"/>
+          </p:nvPr>
+        </p:nvSpPr>
+        <p:spPr/>
+        <p:txBody>
+          <a:bodyPr/>
+          <a:lstStyle/>
+          <a:p>
+            <a:r>
+              <a:rPr lang="en-US" altLang="zh-CN" dirty="0" err="1"/>
+              <a:t>h</a:t>
+            </a:r>
+            <a:r>
+              <a:rPr lang="en-US" altLang="zh-CN" dirty="0" err="1" smtClean="0"/>
+              <a:t>adoop</a:t>
+            </a:r>
+            <a:r>
+              <a:rPr lang="zh-CN" altLang="en-US" dirty="0" smtClean="0"/>
+              <a:t>搭建高可用</a:t>
+            </a:r>
+            <a:r>
+              <a:rPr lang="en-US" altLang="zh-CN" dirty="0" smtClean="0"/>
+              <a:t>——zookeeper</a:t>
+            </a:r>
+            <a:endParaRPr lang="zh-CN" altLang="en-US" dirty="0"/>
+          </a:p>
+        </p:txBody>
+      </p:sp>
+      <p:sp>
+        <p:nvSpPr>
+          <p:cNvPr id="3" name="内容占位符 2"/>
+          <p:cNvSpPr>
+            <a:spLocks noGrp="1"/>
+          </p:cNvSpPr>
+          <p:nvPr>
+            <p:ph idx="1"/>
+          </p:nvPr>
+        </p:nvSpPr>
+        <p:spPr/>
+        <p:txBody>
+          <a:bodyPr>
+            <a:normAutofit fontScale="70000" lnSpcReduction="20000"/>
+          </a:bodyPr>
+          <a:lstStyle/>
+          <a:p>
+            <a:pPr marL="0" indent="0">
+              <a:buNone/>
+            </a:pPr>
+            <a:r>
+              <a:rPr lang="en-US" altLang="zh-CN" dirty="0" smtClean="0"/>
+              <a:t>Zookeeper</a:t>
+            </a:r>
+            <a:r>
+              <a:rPr lang="zh-CN" altLang="en-US" dirty="0" smtClean="0"/>
+              <a:t>安装配置和搭建</a:t>
+            </a:r>
+            <a:endParaRPr lang="en-US" altLang="zh-CN" dirty="0" smtClean="0"/>
+          </a:p>
+          <a:p>
+            <a:pPr marL="0" indent="0">
+              <a:buNone/>
+            </a:pPr>
+            <a:r>
+              <a:rPr lang="zh-CN" altLang="en-US" dirty="0" smtClean="0"/>
+              <a:t>概念：是一个分布式的，开放源码的分布式应用程序协调服务</a:t>
+            </a:r>
+            <a:endParaRPr lang="en-US" altLang="zh-CN" dirty="0" smtClean="0"/>
+          </a:p>
+          <a:p>
+            <a:pPr marL="0" indent="0">
+              <a:buNone/>
+            </a:pPr>
+            <a:r>
+              <a:rPr lang="zh-CN" altLang="en-US" dirty="0" smtClean="0"/>
+              <a:t>功能：用来保证数据在集群间的事务性一致</a:t>
+            </a:r>
+            <a:endParaRPr lang="en-US" altLang="zh-CN" dirty="0" smtClean="0"/>
+          </a:p>
+          <a:p>
+            <a:pPr marL="0" indent="0">
+              <a:buNone/>
+            </a:pPr>
+            <a:r>
+              <a:rPr lang="zh-CN" altLang="en-US" dirty="0" smtClean="0"/>
+              <a:t>场景：分布式锁、统一命名服务、协调服务</a:t>
+            </a:r>
+            <a:endParaRPr lang="en-US" altLang="zh-CN" dirty="0" smtClean="0"/>
+          </a:p>
+          <a:p>
+            <a:pPr marL="0" indent="0">
+              <a:buNone/>
+            </a:pPr>
+            <a:r>
+              <a:rPr lang="en-US" altLang="zh-CN" dirty="0"/>
+              <a:t>	</a:t>
+            </a:r>
+            <a:r>
+              <a:rPr lang="zh-CN" altLang="en-US" dirty="0" smtClean="0"/>
+              <a:t>锁：互斥锁、共享锁</a:t>
+            </a:r>
+            <a:endParaRPr lang="en-US" altLang="zh-CN" dirty="0" smtClean="0"/>
+          </a:p>
+          <a:p>
+            <a:pPr marL="0" indent="0">
+              <a:buNone/>
+            </a:pPr>
+            <a:r>
+              <a:rPr lang="zh-CN" altLang="en-US" dirty="0" smtClean="0"/>
+              <a:t>角色：</a:t>
+            </a:r>
+            <a:endParaRPr lang="en-US" altLang="zh-CN" dirty="0" smtClean="0"/>
+          </a:p>
+          <a:p>
+            <a:pPr marL="0" indent="0">
+              <a:buNone/>
+            </a:pPr>
+            <a:r>
+              <a:rPr lang="en-US" altLang="zh-CN" dirty="0"/>
+              <a:t>	</a:t>
+            </a:r>
+            <a:r>
+              <a:rPr lang="en-US" altLang="zh-CN" dirty="0" smtClean="0"/>
+              <a:t>leader</a:t>
+            </a:r>
+          </a:p>
+          <a:p>
+            <a:pPr marL="0" indent="0">
+              <a:buNone/>
+            </a:pPr>
+            <a:r>
+              <a:rPr lang="en-US" altLang="zh-CN" dirty="0"/>
+              <a:t>	 </a:t>
+            </a:r>
+            <a:r>
+              <a:rPr lang="en-US" altLang="zh-CN" dirty="0" smtClean="0"/>
+              <a:t> </a:t>
+            </a:r>
+            <a:r>
+              <a:rPr lang="zh-CN" altLang="en-US" sz="2300" dirty="0" smtClean="0"/>
+              <a:t>接受所有</a:t>
+            </a:r>
+            <a:r>
+              <a:rPr lang="en-US" altLang="zh-CN" sz="2300" dirty="0" smtClean="0"/>
+              <a:t>follower</a:t>
+            </a:r>
+            <a:r>
+              <a:rPr lang="zh-CN" altLang="en-US" sz="2300" dirty="0" smtClean="0"/>
+              <a:t>的提案请求并统一协调发起提案的投票，负责与所有的</a:t>
+            </a:r>
+            <a:r>
+              <a:rPr lang="en-US" altLang="zh-CN" sz="2300" dirty="0" smtClean="0"/>
+              <a:t>follower</a:t>
+            </a:r>
+            <a:r>
+              <a:rPr lang="zh-CN" altLang="en-US" sz="2300" dirty="0" smtClean="0"/>
+              <a:t>进行内部的数据交换</a:t>
+            </a:r>
+            <a:endParaRPr lang="en-US" altLang="zh-CN" sz="2300" dirty="0" smtClean="0"/>
+          </a:p>
+          <a:p>
+            <a:pPr marL="0" indent="0">
+              <a:buNone/>
+            </a:pPr>
+            <a:r>
+              <a:rPr lang="en-US" altLang="zh-CN" dirty="0"/>
+              <a:t>	</a:t>
+            </a:r>
+            <a:r>
+              <a:rPr lang="en-US" altLang="zh-CN" dirty="0" smtClean="0"/>
+              <a:t>follower</a:t>
+            </a:r>
+          </a:p>
+          <a:p>
+            <a:pPr marL="0" indent="0">
+              <a:buNone/>
+            </a:pPr>
+            <a:r>
+              <a:rPr lang="en-US" altLang="zh-CN" dirty="0"/>
+              <a:t>	</a:t>
+            </a:r>
+            <a:r>
+              <a:rPr lang="en-US" altLang="zh-CN" dirty="0" smtClean="0"/>
+              <a:t>  </a:t>
+            </a:r>
+            <a:r>
+              <a:rPr lang="zh-CN" altLang="en-US" sz="2300" dirty="0" smtClean="0"/>
+              <a:t>直接为客户端服务并参与提案的投票，同时与</a:t>
+            </a:r>
+            <a:r>
+              <a:rPr lang="en-US" altLang="zh-CN" sz="2300" dirty="0" smtClean="0"/>
+              <a:t>leader</a:t>
+            </a:r>
+            <a:r>
+              <a:rPr lang="zh-CN" altLang="en-US" sz="2300" dirty="0" smtClean="0"/>
+              <a:t>进行数据交互</a:t>
+            </a:r>
+            <a:endParaRPr lang="en-US" altLang="zh-CN" sz="2300" dirty="0" smtClean="0"/>
+          </a:p>
+          <a:p>
+            <a:pPr marL="0" indent="0">
+              <a:buNone/>
+            </a:pPr>
+            <a:r>
+              <a:rPr lang="en-US" altLang="zh-CN" dirty="0"/>
+              <a:t>	</a:t>
+            </a:r>
+            <a:r>
+              <a:rPr lang="en-US" altLang="zh-CN" dirty="0" smtClean="0"/>
+              <a:t>observer</a:t>
+            </a:r>
+          </a:p>
+          <a:p>
+            <a:pPr marL="0" indent="0">
+              <a:buNone/>
+            </a:pPr>
+            <a:r>
+              <a:rPr lang="en-US" altLang="zh-CN" dirty="0"/>
+              <a:t>	</a:t>
+            </a:r>
+            <a:r>
+              <a:rPr lang="en-US" altLang="zh-CN" dirty="0" smtClean="0"/>
+              <a:t>  </a:t>
+            </a:r>
+            <a:r>
+              <a:rPr lang="zh-CN" altLang="en-US" sz="2300" dirty="0" smtClean="0"/>
+              <a:t>直接</a:t>
+            </a:r>
+            <a:r>
+              <a:rPr lang="zh-CN" altLang="en-US" sz="2300" dirty="0"/>
+              <a:t>为客户端服务但并不参与提案的投票，同时也与</a:t>
+            </a:r>
+            <a:r>
+              <a:rPr lang="en-US" altLang="zh-CN" sz="2300" dirty="0"/>
+              <a:t>leader</a:t>
+            </a:r>
+            <a:r>
+              <a:rPr lang="zh-CN" altLang="en-US" sz="2300" dirty="0"/>
+              <a:t>进行数据交换</a:t>
+            </a:r>
+            <a:endParaRPr lang="en-US" altLang="zh-CN" sz="2300" dirty="0"/>
+          </a:p>
+          <a:p>
+            <a:pPr marL="0" indent="0">
+              <a:buNone/>
+            </a:pPr>
+            <a:endParaRPr lang="zh-CN" altLang="en-US" dirty="0"/>
+          </a:p>
+        </p:txBody>
+      </p:sp>
+    </p:spTree>
+    <p:extLst>
+      <p:ext uri="{BB962C8B-B14F-4D97-AF65-F5344CB8AC3E}">
+        <p14:creationId xmlns:p14="http://schemas.microsoft.com/office/powerpoint/2010/main" val="2107861131"/>
+      </p:ext>
+    </p:extLst>
+  </p:cSld>
+  <p:clrMapOvr>
+    <a:masterClrMapping/>
+  </p:clrMapOvr>
+</p:sld>
+</file>
+
+<file path=ppt/slides/slide32.xml><?xml version="1.0" encoding="utf-8"?>
+<p:sld xmlns:a="http://schemas.openxmlformats.org/drawingml/2006/main" xmlns:r="http://schemas.openxmlformats.org/officeDocument/2006/relationships" xmlns:p="http://schemas.openxmlformats.org/presentationml/2006/main">
+  <p:cSld>
+    <p:spTree>
+      <p:nvGrpSpPr>
+        <p:cNvPr id="1" name=""/>
+        <p:cNvGrpSpPr/>
+        <p:nvPr/>
+      </p:nvGrpSpPr>
+      <p:grpSpPr>
+        <a:xfrm>
+          <a:off x="0" y="0"/>
+          <a:ext cx="0" cy="0"/>
+          <a:chOff x="0" y="0"/>
+          <a:chExt cx="0" cy="0"/>
+        </a:xfrm>
+      </p:grpSpPr>
+      <p:sp>
+        <p:nvSpPr>
+          <p:cNvPr id="2" name="标题 1"/>
+          <p:cNvSpPr>
+            <a:spLocks noGrp="1"/>
+          </p:cNvSpPr>
+          <p:nvPr>
+            <p:ph type="title"/>
+          </p:nvPr>
+        </p:nvSpPr>
+        <p:spPr/>
+        <p:txBody>
+          <a:bodyPr/>
+          <a:lstStyle/>
+          <a:p>
+            <a:r>
+              <a:rPr lang="en-US" altLang="zh-CN" dirty="0" err="1"/>
+              <a:t>hadoop</a:t>
+            </a:r>
+            <a:r>
+              <a:rPr lang="zh-CN" altLang="en-US" dirty="0"/>
+              <a:t>搭建高可用</a:t>
+            </a:r>
+            <a:r>
+              <a:rPr lang="en-US" altLang="zh-CN" dirty="0"/>
+              <a:t>——zookeeper</a:t>
+            </a:r>
+            <a:endParaRPr lang="zh-CN" altLang="en-US" dirty="0"/>
+          </a:p>
+        </p:txBody>
+      </p:sp>
+      <p:sp>
+        <p:nvSpPr>
+          <p:cNvPr id="3" name="内容占位符 2"/>
+          <p:cNvSpPr>
+            <a:spLocks noGrp="1"/>
+          </p:cNvSpPr>
+          <p:nvPr>
+            <p:ph idx="1"/>
+          </p:nvPr>
+        </p:nvSpPr>
+        <p:spPr/>
+        <p:txBody>
+          <a:bodyPr>
+            <a:normAutofit fontScale="62500" lnSpcReduction="20000"/>
+          </a:bodyPr>
+          <a:lstStyle/>
+          <a:p>
+            <a:pPr marL="0" indent="0">
+              <a:buNone/>
+            </a:pPr>
+            <a:r>
+              <a:rPr lang="en-US" altLang="zh-CN" dirty="0" smtClean="0"/>
+              <a:t>Zookeeper</a:t>
+            </a:r>
+            <a:r>
+              <a:rPr lang="zh-CN" altLang="en-US" dirty="0" smtClean="0"/>
+              <a:t>角色与选举</a:t>
+            </a:r>
+            <a:endParaRPr lang="en-US" altLang="zh-CN" dirty="0" smtClean="0"/>
+          </a:p>
+          <a:p>
+            <a:pPr marL="0" indent="0">
+              <a:buNone/>
+            </a:pPr>
+            <a:r>
+              <a:rPr lang="en-US" altLang="zh-CN" dirty="0" smtClean="0"/>
+              <a:t>  </a:t>
+            </a:r>
+            <a:r>
+              <a:rPr lang="zh-CN" altLang="en-US" dirty="0" smtClean="0"/>
+              <a:t>服务在启动的时候没有角色</a:t>
+            </a:r>
+            <a:endParaRPr lang="en-US" altLang="zh-CN" dirty="0" smtClean="0"/>
+          </a:p>
+          <a:p>
+            <a:pPr marL="0" indent="0">
+              <a:buNone/>
+            </a:pPr>
+            <a:r>
+              <a:rPr lang="en-US" altLang="zh-CN" dirty="0" smtClean="0"/>
+              <a:t>  </a:t>
+            </a:r>
+            <a:r>
+              <a:rPr lang="zh-CN" altLang="en-US" dirty="0" smtClean="0"/>
+              <a:t>角色是通过选举产生的</a:t>
+            </a:r>
+            <a:endParaRPr lang="en-US" altLang="zh-CN" dirty="0" smtClean="0"/>
+          </a:p>
+          <a:p>
+            <a:pPr marL="0" indent="0">
+              <a:buNone/>
+            </a:pPr>
+            <a:r>
+              <a:rPr lang="en-US" altLang="zh-CN" dirty="0" smtClean="0"/>
+              <a:t>  </a:t>
+            </a:r>
+            <a:r>
+              <a:rPr lang="zh-CN" altLang="en-US" dirty="0" smtClean="0"/>
+              <a:t>选举产生一个</a:t>
+            </a:r>
+            <a:r>
+              <a:rPr lang="en-US" altLang="zh-CN" dirty="0" smtClean="0"/>
+              <a:t>leader</a:t>
+            </a:r>
+            <a:r>
+              <a:rPr lang="zh-CN" altLang="en-US" dirty="0" smtClean="0"/>
+              <a:t>，剩下的都是</a:t>
+            </a:r>
+            <a:r>
+              <a:rPr lang="en-US" altLang="zh-CN" dirty="0" smtClean="0"/>
+              <a:t>follower</a:t>
+            </a:r>
+          </a:p>
+          <a:p>
+            <a:pPr marL="0" indent="0">
+              <a:buNone/>
+            </a:pPr>
+            <a:r>
+              <a:rPr lang="en-US" altLang="zh-CN" dirty="0"/>
+              <a:t> </a:t>
+            </a:r>
+            <a:r>
+              <a:rPr lang="en-US" altLang="zh-CN" dirty="0" smtClean="0"/>
+              <a:t> </a:t>
+            </a:r>
+            <a:r>
+              <a:rPr lang="zh-CN" altLang="en-US" dirty="0" smtClean="0"/>
+              <a:t>选举</a:t>
+            </a:r>
+            <a:r>
+              <a:rPr lang="en-US" altLang="zh-CN" dirty="0" smtClean="0"/>
+              <a:t>leader</a:t>
+            </a:r>
+            <a:r>
+              <a:rPr lang="zh-CN" altLang="en-US" dirty="0" smtClean="0"/>
+              <a:t>原则：</a:t>
+            </a:r>
+            <a:endParaRPr lang="en-US" altLang="zh-CN" dirty="0" smtClean="0"/>
+          </a:p>
+          <a:p>
+            <a:pPr marL="0" indent="0">
+              <a:buNone/>
+            </a:pPr>
+            <a:r>
+              <a:rPr lang="en-US" altLang="zh-CN" dirty="0"/>
+              <a:t>	</a:t>
+            </a:r>
+            <a:r>
+              <a:rPr lang="zh-CN" altLang="en-US" dirty="0" smtClean="0"/>
+              <a:t>集群中超过半数机器投票选择</a:t>
+            </a:r>
+            <a:r>
+              <a:rPr lang="en-US" altLang="zh-CN" dirty="0" smtClean="0"/>
+              <a:t>leader</a:t>
+            </a:r>
+          </a:p>
+          <a:p>
+            <a:pPr marL="0" indent="0">
+              <a:buNone/>
+            </a:pPr>
+            <a:r>
+              <a:rPr lang="en-US" altLang="zh-CN" dirty="0"/>
+              <a:t>	</a:t>
+            </a:r>
+            <a:r>
+              <a:rPr lang="zh-CN" altLang="en-US" dirty="0" smtClean="0"/>
+              <a:t>假如集群中拥有</a:t>
+            </a:r>
+            <a:r>
+              <a:rPr lang="en-US" altLang="zh-CN" dirty="0" smtClean="0"/>
+              <a:t>n</a:t>
+            </a:r>
+            <a:r>
+              <a:rPr lang="zh-CN" altLang="en-US" dirty="0" smtClean="0"/>
+              <a:t>台服务器，那么</a:t>
+            </a:r>
+            <a:r>
+              <a:rPr lang="en-US" altLang="zh-CN" dirty="0" smtClean="0"/>
+              <a:t>leader</a:t>
+            </a:r>
+            <a:r>
+              <a:rPr lang="zh-CN" altLang="en-US" dirty="0" smtClean="0"/>
+              <a:t>必须得到</a:t>
+            </a:r>
+            <a:r>
+              <a:rPr lang="en-US" altLang="zh-CN" dirty="0" smtClean="0"/>
+              <a:t>n/2+1</a:t>
+            </a:r>
+            <a:r>
+              <a:rPr lang="zh-CN" altLang="en-US" dirty="0" smtClean="0"/>
+              <a:t>台服务器投票</a:t>
+            </a:r>
+            <a:endParaRPr lang="en-US" altLang="zh-CN" dirty="0" smtClean="0"/>
+          </a:p>
+          <a:p>
+            <a:pPr marL="0" indent="0">
+              <a:buNone/>
+            </a:pPr>
+            <a:r>
+              <a:rPr lang="en-US" altLang="zh-CN" dirty="0"/>
+              <a:t> </a:t>
+            </a:r>
+            <a:r>
+              <a:rPr lang="en-US" altLang="zh-CN" dirty="0" smtClean="0"/>
+              <a:t> </a:t>
+            </a:r>
+            <a:r>
+              <a:rPr lang="zh-CN" altLang="en-US" dirty="0" smtClean="0"/>
+              <a:t>如果</a:t>
+            </a:r>
+            <a:r>
+              <a:rPr lang="en-US" altLang="zh-CN" dirty="0" smtClean="0"/>
+              <a:t>leader</a:t>
+            </a:r>
+            <a:r>
+              <a:rPr lang="zh-CN" altLang="en-US" dirty="0" smtClean="0"/>
+              <a:t>死了，从新选举</a:t>
+            </a:r>
+            <a:r>
+              <a:rPr lang="en-US" altLang="zh-CN" dirty="0" smtClean="0"/>
+              <a:t>leader</a:t>
+            </a:r>
+          </a:p>
+          <a:p>
+            <a:pPr marL="0" indent="0">
+              <a:buNone/>
+            </a:pPr>
+            <a:r>
+              <a:rPr lang="en-US" altLang="zh-CN" dirty="0"/>
+              <a:t> </a:t>
+            </a:r>
+            <a:r>
+              <a:rPr lang="en-US" altLang="zh-CN" dirty="0" smtClean="0"/>
+              <a:t> </a:t>
+            </a:r>
+            <a:r>
+              <a:rPr lang="zh-CN" altLang="en-US" dirty="0" smtClean="0"/>
+              <a:t>如果死亡的机器数量达到一半，集群挂起</a:t>
+            </a:r>
+            <a:endParaRPr lang="en-US" altLang="zh-CN" dirty="0" smtClean="0"/>
+          </a:p>
+          <a:p>
+            <a:pPr marL="0" indent="0">
+              <a:buNone/>
+            </a:pPr>
+            <a:r>
+              <a:rPr lang="en-US" altLang="zh-CN" dirty="0"/>
+              <a:t> </a:t>
+            </a:r>
+            <a:r>
+              <a:rPr lang="en-US" altLang="zh-CN" dirty="0" smtClean="0"/>
+              <a:t> </a:t>
+            </a:r>
+            <a:r>
+              <a:rPr lang="zh-CN" altLang="en-US" dirty="0" smtClean="0"/>
+              <a:t>如果无法得到足够的投票数量，就重新发起投票，如果参与投票的机器不足</a:t>
+            </a:r>
+            <a:r>
+              <a:rPr lang="en-US" altLang="zh-CN" dirty="0" smtClean="0"/>
+              <a:t>n/2+1</a:t>
+            </a:r>
+            <a:r>
+              <a:rPr lang="zh-CN" altLang="en-US" dirty="0" smtClean="0"/>
+              <a:t>，集群停止工作</a:t>
+            </a:r>
+            <a:endParaRPr lang="en-US" altLang="zh-CN" dirty="0" smtClean="0"/>
+          </a:p>
+          <a:p>
+            <a:pPr marL="0" indent="0">
+              <a:buNone/>
+            </a:pPr>
+            <a:r>
+              <a:rPr lang="en-US" altLang="zh-CN" dirty="0"/>
+              <a:t> </a:t>
+            </a:r>
+            <a:r>
+              <a:rPr lang="en-US" altLang="zh-CN" dirty="0" smtClean="0"/>
+              <a:t> </a:t>
+            </a:r>
+            <a:r>
+              <a:rPr lang="zh-CN" altLang="en-US" dirty="0" smtClean="0"/>
+              <a:t>如果</a:t>
+            </a:r>
+            <a:r>
+              <a:rPr lang="en-US" altLang="zh-CN" dirty="0" smtClean="0"/>
+              <a:t>follower</a:t>
+            </a:r>
+            <a:r>
+              <a:rPr lang="zh-CN" altLang="en-US" dirty="0" smtClean="0"/>
+              <a:t>死亡过多，剩余机器不足</a:t>
+            </a:r>
+            <a:r>
+              <a:rPr lang="en-US" altLang="zh-CN" dirty="0" smtClean="0"/>
+              <a:t>n/2+1</a:t>
+            </a:r>
+            <a:r>
+              <a:rPr lang="zh-CN" altLang="en-US" dirty="0" smtClean="0"/>
+              <a:t>，集群也会停止工作</a:t>
+            </a:r>
+            <a:endParaRPr lang="en-US" altLang="zh-CN" dirty="0" smtClean="0"/>
+          </a:p>
+          <a:p>
+            <a:pPr marL="0" indent="0">
+              <a:buNone/>
+            </a:pPr>
+            <a:r>
+              <a:rPr lang="en-US" altLang="zh-CN" dirty="0"/>
+              <a:t> </a:t>
+            </a:r>
+            <a:r>
+              <a:rPr lang="en-US" altLang="zh-CN" dirty="0" smtClean="0"/>
+              <a:t> observer</a:t>
+            </a:r>
+            <a:r>
+              <a:rPr lang="zh-CN" altLang="en-US" dirty="0" smtClean="0"/>
+              <a:t>不计算在投票总设备数量里面</a:t>
+            </a:r>
+            <a:endParaRPr lang="en-US" altLang="zh-CN" dirty="0" smtClean="0"/>
+          </a:p>
+          <a:p>
+            <a:pPr marL="0" indent="0">
+              <a:buNone/>
+            </a:pPr>
+            <a:r>
+              <a:rPr lang="en-US" altLang="zh-CN" dirty="0"/>
+              <a:t> </a:t>
+            </a:r>
+            <a:r>
+              <a:rPr lang="en-US" altLang="zh-CN" dirty="0" smtClean="0"/>
+              <a:t> </a:t>
+            </a:r>
+            <a:r>
+              <a:rPr lang="zh-CN" altLang="en-US" dirty="0" smtClean="0"/>
+              <a:t>客户端提交一个请求，如果是读请求，自己处理，如果是写请求，投票超过一半，则可以写入</a:t>
+            </a:r>
+            <a:r>
+              <a:rPr lang="en-US" altLang="zh-CN" dirty="0"/>
+              <a:t>	</a:t>
+            </a:r>
+            <a:endParaRPr lang="zh-CN" altLang="en-US" dirty="0"/>
+          </a:p>
+        </p:txBody>
+      </p:sp>
+      <p:pic>
+        <p:nvPicPr>
+          <p:cNvPr id="4" name="图片 3"/>
+          <p:cNvPicPr>
+            <a:picLocks noChangeAspect="1"/>
+          </p:cNvPicPr>
+          <p:nvPr/>
+        </p:nvPicPr>
+        <p:blipFill>
+          <a:blip r:embed="rId2"/>
+          <a:stretch>
+            <a:fillRect/>
+          </a:stretch>
+        </p:blipFill>
+        <p:spPr>
+          <a:xfrm>
+            <a:off x="8805351" y="72029"/>
+            <a:ext cx="3324616" cy="4448213"/>
+          </a:xfrm>
+          <a:prstGeom prst="rect">
+            <a:avLst/>
+          </a:prstGeom>
+        </p:spPr>
+      </p:pic>
+    </p:spTree>
+    <p:extLst>
+      <p:ext uri="{BB962C8B-B14F-4D97-AF65-F5344CB8AC3E}">
+        <p14:creationId xmlns:p14="http://schemas.microsoft.com/office/powerpoint/2010/main" val="615902853"/>
+      </p:ext>
+    </p:extLst>
+  </p:cSld>
+  <p:clrMapOvr>
+    <a:masterClrMapping/>
+  </p:clrMapOvr>
+</p:sld>
+</file>
+
+<file path=ppt/slides/slide33.xml><?xml version="1.0" encoding="utf-8"?>
+<p:sld xmlns:a="http://schemas.openxmlformats.org/drawingml/2006/main" xmlns:r="http://schemas.openxmlformats.org/officeDocument/2006/relationships" xmlns:p="http://schemas.openxmlformats.org/presentationml/2006/main">
+  <p:cSld>
+    <p:spTree>
+      <p:nvGrpSpPr>
+        <p:cNvPr id="1" name=""/>
+        <p:cNvGrpSpPr/>
+        <p:nvPr/>
+      </p:nvGrpSpPr>
+      <p:grpSpPr>
+        <a:xfrm>
+          <a:off x="0" y="0"/>
+          <a:ext cx="0" cy="0"/>
+          <a:chOff x="0" y="0"/>
+          <a:chExt cx="0" cy="0"/>
+        </a:xfrm>
+      </p:grpSpPr>
+      <p:sp>
+        <p:nvSpPr>
+          <p:cNvPr id="2" name="标题 1"/>
+          <p:cNvSpPr>
+            <a:spLocks noGrp="1"/>
+          </p:cNvSpPr>
+          <p:nvPr>
+            <p:ph type="title"/>
+          </p:nvPr>
+        </p:nvSpPr>
+        <p:spPr/>
+        <p:txBody>
+          <a:bodyPr/>
+          <a:lstStyle/>
+          <a:p>
+            <a:r>
+              <a:rPr lang="en-US" altLang="zh-CN" dirty="0" err="1"/>
+              <a:t>hadoop</a:t>
+            </a:r>
+            <a:r>
+              <a:rPr lang="zh-CN" altLang="en-US" dirty="0"/>
+              <a:t>搭建高可用</a:t>
+            </a:r>
+            <a:r>
+              <a:rPr lang="en-US" altLang="zh-CN" dirty="0"/>
+              <a:t>——zookeeper</a:t>
+            </a:r>
+            <a:endParaRPr lang="zh-CN" altLang="en-US" dirty="0"/>
+          </a:p>
+        </p:txBody>
+      </p:sp>
+      <p:sp>
+        <p:nvSpPr>
+          <p:cNvPr id="3" name="内容占位符 2"/>
+          <p:cNvSpPr>
+            <a:spLocks noGrp="1"/>
+          </p:cNvSpPr>
+          <p:nvPr>
+            <p:ph idx="1"/>
+          </p:nvPr>
+        </p:nvSpPr>
+        <p:spPr/>
+        <p:txBody>
+          <a:bodyPr>
+            <a:normAutofit fontScale="55000" lnSpcReduction="20000"/>
+          </a:bodyPr>
+          <a:lstStyle/>
+          <a:p>
+            <a:pPr marL="0" indent="0">
+              <a:buNone/>
+            </a:pPr>
+            <a:r>
+              <a:rPr lang="zh-CN" altLang="en-US" dirty="0" smtClean="0"/>
+              <a:t>集群越大，写操作越耗费时间</a:t>
+            </a:r>
+            <a:endParaRPr lang="en-US" altLang="zh-CN" dirty="0" smtClean="0"/>
+          </a:p>
+          <a:p>
+            <a:pPr marL="0" indent="0">
+              <a:buNone/>
+            </a:pPr>
+            <a:r>
+              <a:rPr lang="en-US" altLang="zh-CN" dirty="0" smtClean="0"/>
+              <a:t>Observer</a:t>
+            </a:r>
+            <a:r>
+              <a:rPr lang="zh-CN" altLang="en-US" dirty="0" smtClean="0"/>
+              <a:t>参与干活，但是不参与投票</a:t>
+            </a:r>
+            <a:r>
+              <a:rPr lang="en-US" altLang="zh-CN" dirty="0" smtClean="0"/>
+              <a:t>,</a:t>
+            </a:r>
+            <a:r>
+              <a:rPr lang="zh-CN" altLang="en-US" dirty="0" smtClean="0"/>
+              <a:t>只获得投票结果，只需要几台</a:t>
+            </a:r>
+            <a:r>
+              <a:rPr lang="en-US" altLang="zh-CN" dirty="0" smtClean="0"/>
+              <a:t>slaves</a:t>
+            </a:r>
+            <a:r>
+              <a:rPr lang="zh-CN" altLang="en-US" dirty="0" smtClean="0"/>
+              <a:t>参与投票就行，这样效率就更快了</a:t>
+            </a:r>
+            <a:endParaRPr lang="en-US" altLang="zh-CN" dirty="0" smtClean="0"/>
+          </a:p>
+          <a:p>
+            <a:pPr marL="0" indent="0">
+              <a:buNone/>
+            </a:pPr>
+            <a:r>
+              <a:rPr lang="en-US" altLang="zh-CN" dirty="0" smtClean="0"/>
+              <a:t>Observer</a:t>
+            </a:r>
+            <a:r>
+              <a:rPr lang="zh-CN" altLang="en-US" dirty="0" smtClean="0"/>
+              <a:t>提升读性能的可伸缩性</a:t>
+            </a:r>
+            <a:endParaRPr lang="en-US" altLang="zh-CN" dirty="0" smtClean="0"/>
+          </a:p>
+          <a:p>
+            <a:pPr marL="0" indent="0">
+              <a:buNone/>
+            </a:pPr>
+            <a:r>
+              <a:rPr lang="en-US" altLang="zh-CN" dirty="0" smtClean="0"/>
+              <a:t>Observer</a:t>
+            </a:r>
+            <a:r>
+              <a:rPr lang="zh-CN" altLang="en-US" dirty="0" smtClean="0"/>
+              <a:t>提供了广域网能力</a:t>
+            </a:r>
+            <a:endParaRPr lang="en-US" altLang="zh-CN" dirty="0" smtClean="0"/>
+          </a:p>
+          <a:p>
+            <a:pPr marL="0" indent="0">
+              <a:buNone/>
+            </a:pPr>
+            <a:r>
+              <a:rPr lang="zh-CN" altLang="en-US" dirty="0" smtClean="0"/>
+              <a:t>一、</a:t>
+            </a:r>
+            <a:r>
+              <a:rPr lang="en-US" altLang="zh-CN" dirty="0" smtClean="0"/>
+              <a:t>Zookeeper</a:t>
+            </a:r>
+            <a:r>
+              <a:rPr lang="zh-CN" altLang="en-US" dirty="0" smtClean="0"/>
+              <a:t>安装配置</a:t>
+            </a:r>
+            <a:endParaRPr lang="en-US" altLang="zh-CN" dirty="0" smtClean="0"/>
+          </a:p>
+          <a:p>
+            <a:pPr marL="0" indent="0">
+              <a:buNone/>
+            </a:pPr>
+            <a:r>
+              <a:rPr lang="en-US" altLang="zh-CN" dirty="0" smtClean="0"/>
+              <a:t>1.nn01 </a:t>
+            </a:r>
+            <a:r>
+              <a:rPr lang="zh-CN" altLang="en-US" dirty="0" smtClean="0"/>
+              <a:t>安装 安装</a:t>
+            </a:r>
+            <a:r>
+              <a:rPr lang="en-US" altLang="zh-CN" dirty="0" smtClean="0"/>
+              <a:t>zookeeper(observer)</a:t>
+            </a:r>
+          </a:p>
+          <a:p>
+            <a:pPr marL="0" indent="0">
+              <a:buNone/>
+            </a:pPr>
+            <a:r>
+              <a:rPr lang="en-US" altLang="zh-CN" dirty="0" smtClean="0"/>
+              <a:t>	</a:t>
+            </a:r>
+            <a:r>
+              <a:rPr lang="en-US" altLang="zh-CN" dirty="0" err="1" smtClean="0"/>
+              <a:t>lftp</a:t>
+            </a:r>
+            <a:r>
+              <a:rPr lang="en-US" altLang="zh-CN" dirty="0" smtClean="0"/>
+              <a:t> 192.168.1.254</a:t>
+            </a:r>
+          </a:p>
+          <a:p>
+            <a:pPr marL="0" indent="0">
+              <a:buNone/>
+            </a:pPr>
+            <a:r>
+              <a:rPr lang="en-US" altLang="zh-CN" dirty="0"/>
+              <a:t>	get </a:t>
+            </a:r>
+            <a:r>
+              <a:rPr lang="en-US" altLang="zh-CN" dirty="0" smtClean="0"/>
+              <a:t>zookeeper-3.4.10.tar.gz</a:t>
+            </a:r>
+          </a:p>
+          <a:p>
+            <a:pPr marL="0" indent="0">
+              <a:buNone/>
+            </a:pPr>
+            <a:r>
+              <a:rPr lang="en-US" altLang="zh-CN" dirty="0"/>
+              <a:t>	tar -</a:t>
+            </a:r>
+            <a:r>
+              <a:rPr lang="en-US" altLang="zh-CN" dirty="0" err="1"/>
+              <a:t>xf</a:t>
+            </a:r>
+            <a:r>
+              <a:rPr lang="en-US" altLang="zh-CN" dirty="0"/>
+              <a:t> </a:t>
+            </a:r>
+            <a:r>
+              <a:rPr lang="en-US" altLang="zh-CN" dirty="0" smtClean="0"/>
+              <a:t>zookeeper-3.4.10.tar.gz</a:t>
+            </a:r>
+          </a:p>
+          <a:p>
+            <a:pPr marL="0" indent="0">
+              <a:buNone/>
+            </a:pPr>
+            <a:r>
+              <a:rPr lang="en-US" altLang="zh-CN" dirty="0"/>
+              <a:t>	mv zookeeper-3.4.10 /</a:t>
+            </a:r>
+            <a:r>
+              <a:rPr lang="en-US" altLang="zh-CN" dirty="0" err="1" smtClean="0"/>
+              <a:t>usr</a:t>
+            </a:r>
+            <a:r>
+              <a:rPr lang="en-US" altLang="zh-CN" dirty="0" smtClean="0"/>
+              <a:t>/local/zookeeper</a:t>
+            </a:r>
+          </a:p>
+          <a:p>
+            <a:pPr marL="0" indent="0">
+              <a:buNone/>
+            </a:pPr>
+            <a:r>
+              <a:rPr lang="en-US" altLang="zh-CN" dirty="0" smtClean="0"/>
+              <a:t>2.node{1..3} </a:t>
+            </a:r>
+            <a:r>
+              <a:rPr lang="zh-CN" altLang="en-US" dirty="0" smtClean="0"/>
+              <a:t>安装有投票权</a:t>
+            </a:r>
+            <a:r>
+              <a:rPr lang="en-US" altLang="zh-CN" dirty="0" smtClean="0"/>
+              <a:t>zookeeper(follower , leader)</a:t>
+            </a:r>
+          </a:p>
+          <a:p>
+            <a:pPr marL="0" indent="0">
+              <a:buNone/>
+            </a:pPr>
+            <a:r>
+              <a:rPr lang="en-US" altLang="zh-CN" dirty="0"/>
+              <a:t>	</a:t>
+            </a:r>
+            <a:r>
+              <a:rPr lang="en-US" altLang="zh-CN" dirty="0" smtClean="0"/>
+              <a:t>for I in node{1..3}</a:t>
+            </a:r>
+          </a:p>
+          <a:p>
+            <a:pPr marL="0" indent="0">
+              <a:buNone/>
+            </a:pPr>
+            <a:r>
+              <a:rPr lang="en-US" altLang="zh-CN" dirty="0"/>
+              <a:t>	</a:t>
+            </a:r>
+            <a:r>
+              <a:rPr lang="en-US" altLang="zh-CN" dirty="0" smtClean="0"/>
+              <a:t>do</a:t>
+            </a:r>
+          </a:p>
+          <a:p>
+            <a:pPr marL="0" indent="0">
+              <a:buNone/>
+            </a:pPr>
+            <a:r>
+              <a:rPr lang="en-US" altLang="zh-CN" dirty="0"/>
+              <a:t>	</a:t>
+            </a:r>
+            <a:r>
+              <a:rPr lang="en-US" altLang="zh-CN" dirty="0" smtClean="0"/>
+              <a:t>	</a:t>
+            </a:r>
+            <a:r>
+              <a:rPr lang="en-US" altLang="zh-CN" dirty="0" err="1" smtClean="0"/>
+              <a:t>scp</a:t>
+            </a:r>
+            <a:r>
+              <a:rPr lang="en-US" altLang="zh-CN" dirty="0" smtClean="0"/>
+              <a:t> -r /</a:t>
+            </a:r>
+            <a:r>
+              <a:rPr lang="en-US" altLang="zh-CN" dirty="0" err="1" smtClean="0"/>
+              <a:t>usr</a:t>
+            </a:r>
+            <a:r>
+              <a:rPr lang="en-US" altLang="zh-CN" dirty="0" smtClean="0"/>
+              <a:t>/local/zookeeper $</a:t>
+            </a:r>
+            <a:r>
+              <a:rPr lang="en-US" altLang="zh-CN" dirty="0" err="1" smtClean="0"/>
+              <a:t>i</a:t>
+            </a:r>
+            <a:r>
+              <a:rPr lang="en-US" altLang="zh-CN" dirty="0" smtClean="0"/>
+              <a:t>:/</a:t>
+            </a:r>
+            <a:r>
+              <a:rPr lang="en-US" altLang="zh-CN" dirty="0" err="1" smtClean="0"/>
+              <a:t>usr</a:t>
+            </a:r>
+            <a:r>
+              <a:rPr lang="en-US" altLang="zh-CN" dirty="0" smtClean="0"/>
+              <a:t>/local</a:t>
+            </a:r>
+          </a:p>
+          <a:p>
+            <a:pPr marL="0" indent="0">
+              <a:buNone/>
+            </a:pPr>
+            <a:r>
+              <a:rPr lang="en-US" altLang="zh-CN" dirty="0"/>
+              <a:t>	</a:t>
+            </a:r>
+            <a:r>
+              <a:rPr lang="en-US" altLang="zh-CN" dirty="0" smtClean="0"/>
+              <a:t>done</a:t>
+            </a:r>
+            <a:endParaRPr lang="zh-CN" altLang="en-US" dirty="0"/>
+          </a:p>
+        </p:txBody>
+      </p:sp>
+    </p:spTree>
+    <p:extLst>
+      <p:ext uri="{BB962C8B-B14F-4D97-AF65-F5344CB8AC3E}">
+        <p14:creationId xmlns:p14="http://schemas.microsoft.com/office/powerpoint/2010/main" val="4207879403"/>
+      </p:ext>
+    </p:extLst>
+  </p:cSld>
+  <p:clrMapOvr>
+    <a:masterClrMapping/>
+  </p:clrMapOvr>
+</p:sld>
+</file>
+
+<file path=ppt/slides/slide34.xml><?xml version="1.0" encoding="utf-8"?>
+<p:sld xmlns:a="http://schemas.openxmlformats.org/drawingml/2006/main" xmlns:r="http://schemas.openxmlformats.org/officeDocument/2006/relationships" xmlns:p="http://schemas.openxmlformats.org/presentationml/2006/main">
+  <p:cSld>
+    <p:spTree>
+      <p:nvGrpSpPr>
+        <p:cNvPr id="1" name=""/>
+        <p:cNvGrpSpPr/>
+        <p:nvPr/>
+      </p:nvGrpSpPr>
+      <p:grpSpPr>
+        <a:xfrm>
+          <a:off x="0" y="0"/>
+          <a:ext cx="0" cy="0"/>
+          <a:chOff x="0" y="0"/>
+          <a:chExt cx="0" cy="0"/>
+        </a:xfrm>
+      </p:grpSpPr>
+      <p:sp>
+        <p:nvSpPr>
+          <p:cNvPr id="2" name="标题 1"/>
+          <p:cNvSpPr>
+            <a:spLocks noGrp="1"/>
+          </p:cNvSpPr>
+          <p:nvPr>
+            <p:ph type="title"/>
+          </p:nvPr>
+        </p:nvSpPr>
+        <p:spPr/>
+        <p:txBody>
+          <a:bodyPr/>
+          <a:lstStyle/>
+          <a:p>
+            <a:r>
+              <a:rPr lang="en-US" altLang="zh-CN" dirty="0" err="1"/>
+              <a:t>hadoop</a:t>
+            </a:r>
+            <a:r>
+              <a:rPr lang="zh-CN" altLang="en-US" dirty="0"/>
+              <a:t>搭建高可用</a:t>
+            </a:r>
+            <a:r>
+              <a:rPr lang="en-US" altLang="zh-CN" dirty="0"/>
+              <a:t>——zookeeper</a:t>
+            </a:r>
+            <a:endParaRPr lang="zh-CN" altLang="en-US" dirty="0"/>
+          </a:p>
+        </p:txBody>
+      </p:sp>
+      <p:sp>
+        <p:nvSpPr>
+          <p:cNvPr id="3" name="内容占位符 2"/>
+          <p:cNvSpPr>
+            <a:spLocks noGrp="1"/>
+          </p:cNvSpPr>
+          <p:nvPr>
+            <p:ph idx="1"/>
+          </p:nvPr>
+        </p:nvSpPr>
+        <p:spPr/>
+        <p:txBody>
+          <a:bodyPr>
+            <a:normAutofit/>
+          </a:bodyPr>
+          <a:lstStyle/>
+          <a:p>
+            <a:pPr marL="0" indent="0">
+              <a:buNone/>
+            </a:pPr>
+            <a:r>
+              <a:rPr lang="en-US" altLang="zh-CN" dirty="0" smtClean="0"/>
+              <a:t>3.nn01: </a:t>
+            </a:r>
+          </a:p>
+          <a:p>
+            <a:pPr marL="0" indent="0">
+              <a:buNone/>
+            </a:pPr>
+            <a:r>
+              <a:rPr lang="en-US" altLang="zh-CN" dirty="0"/>
+              <a:t>	</a:t>
+            </a:r>
+            <a:r>
+              <a:rPr lang="en-US" altLang="zh-CN" dirty="0" smtClean="0"/>
+              <a:t>cd /</a:t>
+            </a:r>
+            <a:r>
+              <a:rPr lang="en-US" altLang="zh-CN" dirty="0" err="1" smtClean="0"/>
+              <a:t>usr</a:t>
+            </a:r>
+            <a:r>
+              <a:rPr lang="en-US" altLang="zh-CN" dirty="0" smtClean="0"/>
+              <a:t>/local/zookeeper/</a:t>
+            </a:r>
+            <a:r>
+              <a:rPr lang="en-US" altLang="zh-CN" dirty="0" err="1" smtClean="0"/>
+              <a:t>conf</a:t>
+            </a:r>
+            <a:endParaRPr lang="en-US" altLang="zh-CN" dirty="0" smtClean="0"/>
+          </a:p>
+          <a:p>
+            <a:pPr marL="0" indent="0">
+              <a:buNone/>
+            </a:pPr>
+            <a:r>
+              <a:rPr lang="en-US" altLang="zh-CN" dirty="0"/>
+              <a:t>	</a:t>
+            </a:r>
+            <a:r>
+              <a:rPr lang="en-US" altLang="zh-CN" dirty="0" smtClean="0"/>
+              <a:t>mv </a:t>
+            </a:r>
+            <a:r>
+              <a:rPr lang="en-US" altLang="zh-CN" dirty="0" err="1" smtClean="0"/>
+              <a:t>zoo_sample.cfg</a:t>
+            </a:r>
+            <a:r>
+              <a:rPr lang="en-US" altLang="zh-CN" dirty="0" smtClean="0"/>
+              <a:t> </a:t>
+            </a:r>
+            <a:r>
+              <a:rPr lang="en-US" altLang="zh-CN" dirty="0" err="1" smtClean="0"/>
+              <a:t>zoo.cfg</a:t>
+            </a:r>
+            <a:endParaRPr lang="en-US" altLang="zh-CN" dirty="0" smtClean="0"/>
+          </a:p>
+          <a:p>
+            <a:pPr marL="0" indent="0">
+              <a:buNone/>
+            </a:pPr>
+            <a:r>
+              <a:rPr lang="en-US" altLang="zh-CN" dirty="0"/>
+              <a:t>	</a:t>
+            </a:r>
+            <a:r>
+              <a:rPr lang="en-US" altLang="zh-CN" dirty="0" smtClean="0"/>
+              <a:t>vim </a:t>
+            </a:r>
+            <a:r>
+              <a:rPr lang="en-US" altLang="zh-CN" dirty="0" err="1" smtClean="0"/>
+              <a:t>zoo.cfg</a:t>
+            </a:r>
+            <a:r>
+              <a:rPr lang="en-US" altLang="zh-CN" dirty="0" smtClean="0"/>
+              <a:t>[</a:t>
+            </a:r>
+            <a:r>
+              <a:rPr lang="zh-CN" altLang="en-US" dirty="0" smtClean="0"/>
+              <a:t>追加写入</a:t>
+            </a:r>
+            <a:r>
+              <a:rPr lang="en-US" altLang="zh-CN" dirty="0" smtClean="0"/>
+              <a:t>]</a:t>
+            </a:r>
+          </a:p>
+          <a:p>
+            <a:pPr marL="0" indent="0">
+              <a:buNone/>
+            </a:pPr>
+            <a:r>
+              <a:rPr lang="en-US" altLang="zh-CN" dirty="0"/>
+              <a:t>	</a:t>
+            </a:r>
+            <a:r>
+              <a:rPr lang="en-US" altLang="zh-CN" dirty="0" smtClean="0"/>
+              <a:t>	</a:t>
+            </a:r>
+            <a:r>
+              <a:rPr lang="en-US" altLang="zh-CN" sz="1800" dirty="0"/>
+              <a:t> # server</a:t>
+            </a:r>
+            <a:r>
+              <a:rPr lang="zh-CN" altLang="en-US" sz="1800" dirty="0"/>
+              <a:t>是关键字，</a:t>
+            </a:r>
+            <a:r>
+              <a:rPr lang="en-US" altLang="zh-CN" sz="1800" dirty="0"/>
+              <a:t>1/2/3/4</a:t>
+            </a:r>
+            <a:r>
+              <a:rPr lang="zh-CN" altLang="en-US" sz="1800" dirty="0"/>
+              <a:t>运行的</a:t>
+            </a:r>
+            <a:r>
+              <a:rPr lang="en-US" altLang="zh-CN" sz="1800" dirty="0"/>
+              <a:t>id</a:t>
+            </a:r>
+            <a:r>
+              <a:rPr lang="zh-CN" altLang="en-US" sz="1800" dirty="0"/>
+              <a:t>，不能重复</a:t>
+            </a:r>
+            <a:r>
+              <a:rPr lang="en-US" altLang="zh-CN" sz="1800" dirty="0"/>
+              <a:t>,node1</a:t>
+            </a:r>
+            <a:r>
+              <a:rPr lang="zh-CN" altLang="en-US" sz="1800" dirty="0"/>
+              <a:t>主机名</a:t>
+            </a:r>
+            <a:r>
+              <a:rPr lang="en-US" altLang="zh-CN" sz="1800" dirty="0"/>
+              <a:t>,</a:t>
+            </a:r>
+            <a:r>
+              <a:rPr lang="zh-CN" altLang="en-US" sz="1800" dirty="0"/>
+              <a:t>后面端口</a:t>
+            </a:r>
+            <a:r>
+              <a:rPr lang="zh-CN" altLang="en-US" sz="1800" dirty="0" smtClean="0"/>
+              <a:t>范围</a:t>
+            </a:r>
+            <a:endParaRPr lang="en-US" altLang="zh-CN" dirty="0" smtClean="0"/>
+          </a:p>
+          <a:p>
+            <a:pPr marL="0" indent="0">
+              <a:buNone/>
+            </a:pPr>
+            <a:r>
+              <a:rPr lang="en-US" altLang="zh-CN" dirty="0"/>
+              <a:t>		</a:t>
+            </a:r>
+            <a:r>
+              <a:rPr lang="en-US" altLang="zh-CN" sz="1800" dirty="0" smtClean="0"/>
+              <a:t>server.1=node1:2888:3888</a:t>
+            </a:r>
+          </a:p>
+          <a:p>
+            <a:pPr marL="0" indent="0">
+              <a:buNone/>
+            </a:pPr>
+            <a:r>
+              <a:rPr lang="en-US" altLang="zh-CN" sz="1800" dirty="0"/>
+              <a:t>	</a:t>
+            </a:r>
+            <a:r>
+              <a:rPr lang="en-US" altLang="zh-CN" sz="1800" dirty="0" smtClean="0"/>
+              <a:t>	</a:t>
+            </a:r>
+            <a:r>
+              <a:rPr lang="en-US" altLang="zh-CN" sz="1800" dirty="0"/>
+              <a:t>server.2=node2:2888:3888</a:t>
+            </a:r>
+            <a:endParaRPr lang="en-US" altLang="zh-CN" sz="1800" dirty="0"/>
+          </a:p>
+          <a:p>
+            <a:pPr marL="1828800" lvl="4" indent="0">
+              <a:buNone/>
+            </a:pPr>
+            <a:r>
+              <a:rPr lang="en-US" altLang="zh-CN" dirty="0"/>
+              <a:t>server.3=node3:2888:3888</a:t>
+            </a:r>
+          </a:p>
+          <a:p>
+            <a:pPr marL="1828800" lvl="4" indent="0">
+              <a:buNone/>
+            </a:pPr>
+            <a:r>
+              <a:rPr lang="en-US" altLang="zh-CN" dirty="0" smtClean="0"/>
+              <a:t>server.4=nn01:2888:3888:observer</a:t>
+            </a:r>
+          </a:p>
+        </p:txBody>
+      </p:sp>
+    </p:spTree>
+    <p:extLst>
+      <p:ext uri="{BB962C8B-B14F-4D97-AF65-F5344CB8AC3E}">
+        <p14:creationId xmlns:p14="http://schemas.microsoft.com/office/powerpoint/2010/main" val="3885728320"/>
+      </p:ext>
+    </p:extLst>
+  </p:cSld>
+  <p:clrMapOvr>
+    <a:masterClrMapping/>
+  </p:clrMapOvr>
+</p:sld>
+</file>
+
+<file path=ppt/slides/slide35.xml><?xml version="1.0" encoding="utf-8"?>
+<p:sld xmlns:a="http://schemas.openxmlformats.org/drawingml/2006/main" xmlns:r="http://schemas.openxmlformats.org/officeDocument/2006/relationships" xmlns:p="http://schemas.openxmlformats.org/presentationml/2006/main">
+  <p:cSld>
+    <p:spTree>
+      <p:nvGrpSpPr>
+        <p:cNvPr id="1" name=""/>
+        <p:cNvGrpSpPr/>
+        <p:nvPr/>
+      </p:nvGrpSpPr>
+      <p:grpSpPr>
+        <a:xfrm>
+          <a:off x="0" y="0"/>
+          <a:ext cx="0" cy="0"/>
+          <a:chOff x="0" y="0"/>
+          <a:chExt cx="0" cy="0"/>
+        </a:xfrm>
+      </p:grpSpPr>
+      <p:sp>
+        <p:nvSpPr>
+          <p:cNvPr id="2" name="标题 1"/>
+          <p:cNvSpPr>
+            <a:spLocks noGrp="1"/>
+          </p:cNvSpPr>
+          <p:nvPr>
+            <p:ph type="title"/>
+          </p:nvPr>
+        </p:nvSpPr>
+        <p:spPr/>
+        <p:txBody>
+          <a:bodyPr/>
+          <a:lstStyle/>
+          <a:p>
+            <a:r>
+              <a:rPr lang="en-US" altLang="zh-CN" dirty="0" err="1"/>
+              <a:t>hadoop</a:t>
+            </a:r>
+            <a:r>
+              <a:rPr lang="zh-CN" altLang="en-US" dirty="0"/>
+              <a:t>搭建高可用</a:t>
+            </a:r>
+            <a:r>
+              <a:rPr lang="en-US" altLang="zh-CN" dirty="0"/>
+              <a:t>——zookeeper</a:t>
+            </a:r>
+            <a:endParaRPr lang="zh-CN" altLang="en-US" dirty="0"/>
+          </a:p>
+        </p:txBody>
+      </p:sp>
+      <p:sp>
+        <p:nvSpPr>
+          <p:cNvPr id="3" name="内容占位符 2"/>
+          <p:cNvSpPr>
+            <a:spLocks noGrp="1"/>
+          </p:cNvSpPr>
+          <p:nvPr>
+            <p:ph idx="1"/>
+          </p:nvPr>
+        </p:nvSpPr>
+        <p:spPr/>
+        <p:txBody>
+          <a:bodyPr>
+            <a:normAutofit fontScale="85000" lnSpcReduction="20000"/>
+          </a:bodyPr>
+          <a:lstStyle/>
+          <a:p>
+            <a:pPr marL="0" indent="0">
+              <a:buNone/>
+            </a:pPr>
+            <a:r>
+              <a:rPr lang="en-US" altLang="zh-CN" dirty="0" err="1" smtClean="0"/>
+              <a:t>rsync</a:t>
+            </a:r>
+            <a:r>
+              <a:rPr lang="en-US" altLang="zh-CN" dirty="0" smtClean="0"/>
+              <a:t> -</a:t>
+            </a:r>
+            <a:r>
+              <a:rPr lang="en-US" altLang="zh-CN" dirty="0" err="1" smtClean="0"/>
+              <a:t>aSH</a:t>
+            </a:r>
+            <a:r>
+              <a:rPr lang="en-US" altLang="zh-CN" dirty="0" smtClean="0"/>
+              <a:t> --delete /</a:t>
+            </a:r>
+            <a:r>
+              <a:rPr lang="en-US" altLang="zh-CN" dirty="0" err="1" smtClean="0"/>
+              <a:t>usr</a:t>
+            </a:r>
+            <a:r>
+              <a:rPr lang="en-US" altLang="zh-CN" dirty="0" smtClean="0"/>
+              <a:t>/local/zookeeper node1:/</a:t>
+            </a:r>
+            <a:r>
+              <a:rPr lang="en-US" altLang="zh-CN" dirty="0" err="1" smtClean="0"/>
+              <a:t>usr</a:t>
+            </a:r>
+            <a:r>
+              <a:rPr lang="en-US" altLang="zh-CN" dirty="0" smtClean="0"/>
+              <a:t>/local/</a:t>
+            </a:r>
+          </a:p>
+          <a:p>
+            <a:pPr marL="0" indent="0">
+              <a:buNone/>
+            </a:pPr>
+            <a:r>
+              <a:rPr lang="en-US" altLang="zh-CN" dirty="0" err="1"/>
+              <a:t>rsync</a:t>
+            </a:r>
+            <a:r>
+              <a:rPr lang="en-US" altLang="zh-CN" dirty="0"/>
+              <a:t> -</a:t>
+            </a:r>
+            <a:r>
+              <a:rPr lang="en-US" altLang="zh-CN" dirty="0" err="1"/>
+              <a:t>aSH</a:t>
+            </a:r>
+            <a:r>
+              <a:rPr lang="en-US" altLang="zh-CN" dirty="0"/>
+              <a:t> --delete /</a:t>
+            </a:r>
+            <a:r>
+              <a:rPr lang="en-US" altLang="zh-CN" dirty="0" err="1"/>
+              <a:t>usr</a:t>
+            </a:r>
+            <a:r>
+              <a:rPr lang="en-US" altLang="zh-CN" dirty="0"/>
+              <a:t>/local/zookeeper </a:t>
+            </a:r>
+            <a:r>
+              <a:rPr lang="en-US" altLang="zh-CN" dirty="0" smtClean="0"/>
+              <a:t>node2:/</a:t>
+            </a:r>
+            <a:r>
+              <a:rPr lang="en-US" altLang="zh-CN" dirty="0" err="1"/>
+              <a:t>usr</a:t>
+            </a:r>
+            <a:r>
+              <a:rPr lang="en-US" altLang="zh-CN" dirty="0"/>
+              <a:t>/local</a:t>
+            </a:r>
+            <a:r>
+              <a:rPr lang="en-US" altLang="zh-CN" dirty="0" smtClean="0"/>
+              <a:t>/</a:t>
+            </a:r>
+          </a:p>
+          <a:p>
+            <a:pPr marL="0" indent="0">
+              <a:buNone/>
+            </a:pPr>
+            <a:r>
+              <a:rPr lang="en-US" altLang="zh-CN" dirty="0" err="1"/>
+              <a:t>rsync</a:t>
+            </a:r>
+            <a:r>
+              <a:rPr lang="en-US" altLang="zh-CN" dirty="0"/>
+              <a:t> -</a:t>
+            </a:r>
+            <a:r>
+              <a:rPr lang="en-US" altLang="zh-CN" dirty="0" err="1"/>
+              <a:t>aSH</a:t>
+            </a:r>
+            <a:r>
+              <a:rPr lang="en-US" altLang="zh-CN" dirty="0"/>
+              <a:t> --delete /</a:t>
+            </a:r>
+            <a:r>
+              <a:rPr lang="en-US" altLang="zh-CN" dirty="0" err="1"/>
+              <a:t>usr</a:t>
+            </a:r>
+            <a:r>
+              <a:rPr lang="en-US" altLang="zh-CN" dirty="0"/>
+              <a:t>/local/zookeeper </a:t>
+            </a:r>
+            <a:r>
+              <a:rPr lang="en-US" altLang="zh-CN" dirty="0" smtClean="0"/>
+              <a:t>node3:/</a:t>
+            </a:r>
+            <a:r>
+              <a:rPr lang="en-US" altLang="zh-CN" dirty="0" err="1"/>
+              <a:t>usr</a:t>
+            </a:r>
+            <a:r>
+              <a:rPr lang="en-US" altLang="zh-CN" dirty="0"/>
+              <a:t>/local</a:t>
+            </a:r>
+            <a:r>
+              <a:rPr lang="en-US" altLang="zh-CN" dirty="0" smtClean="0"/>
+              <a:t>/</a:t>
+            </a:r>
+          </a:p>
+          <a:p>
+            <a:pPr marL="0" indent="0">
+              <a:buNone/>
+            </a:pPr>
+            <a:r>
+              <a:rPr lang="en-US" altLang="zh-CN" dirty="0"/>
+              <a:t>for </a:t>
+            </a:r>
+            <a:r>
+              <a:rPr lang="en-US" altLang="zh-CN" dirty="0" err="1"/>
+              <a:t>i</a:t>
+            </a:r>
+            <a:r>
+              <a:rPr lang="en-US" altLang="zh-CN" dirty="0"/>
+              <a:t> in nn01 node{1..3}</a:t>
+            </a:r>
+          </a:p>
+          <a:p>
+            <a:pPr marL="0" indent="0">
+              <a:buNone/>
+            </a:pPr>
+            <a:r>
+              <a:rPr lang="en-US" altLang="zh-CN" dirty="0"/>
+              <a:t>&gt; do</a:t>
+            </a:r>
+          </a:p>
+          <a:p>
+            <a:pPr marL="0" indent="0">
+              <a:buNone/>
+            </a:pPr>
+            <a:r>
+              <a:rPr lang="en-US" altLang="zh-CN" dirty="0"/>
+              <a:t>&gt; </a:t>
+            </a:r>
+            <a:r>
+              <a:rPr lang="en-US" altLang="zh-CN" dirty="0" err="1"/>
+              <a:t>ssh</a:t>
+            </a:r>
+            <a:r>
+              <a:rPr lang="en-US" altLang="zh-CN" dirty="0"/>
+              <a:t> $</a:t>
+            </a:r>
+            <a:r>
+              <a:rPr lang="en-US" altLang="zh-CN" dirty="0" err="1"/>
+              <a:t>i</a:t>
+            </a:r>
+            <a:r>
+              <a:rPr lang="en-US" altLang="zh-CN" dirty="0"/>
+              <a:t> </a:t>
+            </a:r>
+            <a:r>
+              <a:rPr lang="en-US" altLang="zh-CN" dirty="0" err="1"/>
+              <a:t>mkdir</a:t>
+            </a:r>
+            <a:r>
+              <a:rPr lang="en-US" altLang="zh-CN" dirty="0"/>
+              <a:t> /</a:t>
+            </a:r>
+            <a:r>
+              <a:rPr lang="en-US" altLang="zh-CN" dirty="0" err="1"/>
+              <a:t>tmp</a:t>
+            </a:r>
+            <a:r>
+              <a:rPr lang="en-US" altLang="zh-CN" dirty="0"/>
+              <a:t>/zookeeper</a:t>
+            </a:r>
+          </a:p>
+          <a:p>
+            <a:pPr marL="0" indent="0">
+              <a:buNone/>
+            </a:pPr>
+            <a:r>
+              <a:rPr lang="en-US" altLang="zh-CN" dirty="0"/>
+              <a:t>&gt; done</a:t>
+            </a:r>
+          </a:p>
+          <a:p>
+            <a:pPr marL="0" indent="0">
+              <a:buNone/>
+            </a:pPr>
+            <a:r>
+              <a:rPr lang="en-US" altLang="zh-CN" dirty="0"/>
+              <a:t>[root@nn01 </a:t>
+            </a:r>
+            <a:r>
+              <a:rPr lang="en-US" altLang="zh-CN" dirty="0" err="1"/>
+              <a:t>conf</a:t>
+            </a:r>
+            <a:r>
+              <a:rPr lang="en-US" altLang="zh-CN" dirty="0"/>
+              <a:t>]# </a:t>
+            </a:r>
+            <a:r>
+              <a:rPr lang="en-US" altLang="zh-CN" dirty="0" smtClean="0"/>
+              <a:t>echo 4 &gt; </a:t>
+            </a:r>
+            <a:r>
+              <a:rPr lang="en-US" altLang="zh-CN" dirty="0"/>
+              <a:t>/</a:t>
+            </a:r>
+            <a:r>
+              <a:rPr lang="en-US" altLang="zh-CN" dirty="0" err="1" smtClean="0"/>
+              <a:t>tmp</a:t>
+            </a:r>
+            <a:r>
+              <a:rPr lang="en-US" altLang="zh-CN" dirty="0" smtClean="0"/>
+              <a:t>/zookeeper/</a:t>
+            </a:r>
+            <a:r>
+              <a:rPr lang="en-US" altLang="zh-CN" dirty="0" err="1" smtClean="0"/>
+              <a:t>myid</a:t>
+            </a:r>
+            <a:endParaRPr lang="en-US" altLang="zh-CN" dirty="0"/>
+          </a:p>
+          <a:p>
+            <a:pPr marL="0" indent="0">
+              <a:buNone/>
+            </a:pPr>
+            <a:r>
+              <a:rPr lang="en-US" altLang="zh-CN" dirty="0"/>
+              <a:t>[root@nn01 </a:t>
+            </a:r>
+            <a:r>
+              <a:rPr lang="en-US" altLang="zh-CN" dirty="0" err="1"/>
+              <a:t>conf</a:t>
+            </a:r>
+            <a:r>
+              <a:rPr lang="en-US" altLang="zh-CN" dirty="0"/>
+              <a:t>]# </a:t>
+            </a:r>
+            <a:r>
+              <a:rPr lang="en-US" altLang="zh-CN" dirty="0" err="1"/>
+              <a:t>ssh</a:t>
+            </a:r>
+            <a:r>
+              <a:rPr lang="en-US" altLang="zh-CN" dirty="0"/>
+              <a:t> node1 "echo 1 &gt;/</a:t>
+            </a:r>
+            <a:r>
+              <a:rPr lang="en-US" altLang="zh-CN" dirty="0" err="1"/>
+              <a:t>tmp</a:t>
+            </a:r>
+            <a:r>
+              <a:rPr lang="en-US" altLang="zh-CN" dirty="0"/>
+              <a:t>/zookeeper/</a:t>
+            </a:r>
+            <a:r>
+              <a:rPr lang="en-US" altLang="zh-CN" dirty="0" err="1"/>
+              <a:t>myid</a:t>
+            </a:r>
+            <a:r>
+              <a:rPr lang="en-US" altLang="zh-CN" dirty="0"/>
+              <a:t>"</a:t>
+            </a:r>
+          </a:p>
+          <a:p>
+            <a:pPr marL="0" indent="0">
+              <a:buNone/>
+            </a:pPr>
+            <a:r>
+              <a:rPr lang="en-US" altLang="zh-CN" dirty="0"/>
+              <a:t>[root@nn01 </a:t>
+            </a:r>
+            <a:r>
+              <a:rPr lang="en-US" altLang="zh-CN" dirty="0" err="1"/>
+              <a:t>conf</a:t>
+            </a:r>
+            <a:r>
+              <a:rPr lang="en-US" altLang="zh-CN" dirty="0"/>
+              <a:t>]# </a:t>
+            </a:r>
+            <a:r>
+              <a:rPr lang="en-US" altLang="zh-CN" dirty="0" err="1"/>
+              <a:t>ssh</a:t>
+            </a:r>
+            <a:r>
+              <a:rPr lang="en-US" altLang="zh-CN" dirty="0"/>
+              <a:t> node2 "echo 2 &gt;/</a:t>
+            </a:r>
+            <a:r>
+              <a:rPr lang="en-US" altLang="zh-CN" dirty="0" err="1"/>
+              <a:t>tmp</a:t>
+            </a:r>
+            <a:r>
+              <a:rPr lang="en-US" altLang="zh-CN" dirty="0"/>
+              <a:t>/zookeeper/</a:t>
+            </a:r>
+            <a:r>
+              <a:rPr lang="en-US" altLang="zh-CN" dirty="0" err="1"/>
+              <a:t>myid</a:t>
+            </a:r>
+            <a:r>
+              <a:rPr lang="en-US" altLang="zh-CN" dirty="0"/>
+              <a:t>"</a:t>
+            </a:r>
+          </a:p>
+          <a:p>
+            <a:pPr marL="0" indent="0">
+              <a:buNone/>
+            </a:pPr>
+            <a:r>
+              <a:rPr lang="en-US" altLang="zh-CN" dirty="0"/>
+              <a:t>[root@nn01 </a:t>
+            </a:r>
+            <a:r>
+              <a:rPr lang="en-US" altLang="zh-CN" dirty="0" err="1"/>
+              <a:t>conf</a:t>
+            </a:r>
+            <a:r>
+              <a:rPr lang="en-US" altLang="zh-CN" dirty="0"/>
+              <a:t>]# </a:t>
+            </a:r>
+            <a:r>
+              <a:rPr lang="en-US" altLang="zh-CN" dirty="0" err="1"/>
+              <a:t>ssh</a:t>
+            </a:r>
+            <a:r>
+              <a:rPr lang="en-US" altLang="zh-CN" dirty="0"/>
+              <a:t> node3 "echo 3 &gt;/</a:t>
+            </a:r>
+            <a:r>
+              <a:rPr lang="en-US" altLang="zh-CN" dirty="0" err="1"/>
+              <a:t>tmp</a:t>
+            </a:r>
+            <a:r>
+              <a:rPr lang="en-US" altLang="zh-CN" dirty="0"/>
+              <a:t>/zookeeper/</a:t>
+            </a:r>
+            <a:r>
+              <a:rPr lang="en-US" altLang="zh-CN" dirty="0" err="1"/>
+              <a:t>myid</a:t>
+            </a:r>
+            <a:r>
+              <a:rPr lang="en-US" altLang="zh-CN" dirty="0"/>
+              <a:t>"</a:t>
+            </a:r>
+            <a:endParaRPr lang="zh-CN" altLang="en-US" dirty="0"/>
+          </a:p>
+          <a:p>
+            <a:pPr marL="0" indent="0">
+              <a:buNone/>
+            </a:pPr>
+            <a:endParaRPr lang="zh-CN" altLang="en-US" dirty="0"/>
+          </a:p>
+        </p:txBody>
+      </p:sp>
+    </p:spTree>
+    <p:extLst>
+      <p:ext uri="{BB962C8B-B14F-4D97-AF65-F5344CB8AC3E}">
+        <p14:creationId xmlns:p14="http://schemas.microsoft.com/office/powerpoint/2010/main" val="1255955979"/>
+      </p:ext>
+    </p:extLst>
+  </p:cSld>
+  <p:clrMapOvr>
+    <a:masterClrMapping/>
+  </p:clrMapOvr>
+</p:sld>
+</file>
+
+<file path=ppt/slides/slide36.xml><?xml version="1.0" encoding="utf-8"?>
+<p:sld xmlns:a="http://schemas.openxmlformats.org/drawingml/2006/main" xmlns:r="http://schemas.openxmlformats.org/officeDocument/2006/relationships" xmlns:p="http://schemas.openxmlformats.org/presentationml/2006/main">
+  <p:cSld>
+    <p:spTree>
+      <p:nvGrpSpPr>
+        <p:cNvPr id="1" name=""/>
+        <p:cNvGrpSpPr/>
+        <p:nvPr/>
+      </p:nvGrpSpPr>
+      <p:grpSpPr>
+        <a:xfrm>
+          <a:off x="0" y="0"/>
+          <a:ext cx="0" cy="0"/>
+          <a:chOff x="0" y="0"/>
+          <a:chExt cx="0" cy="0"/>
+        </a:xfrm>
+      </p:grpSpPr>
+      <p:sp>
+        <p:nvSpPr>
+          <p:cNvPr id="2" name="标题 1"/>
+          <p:cNvSpPr>
+            <a:spLocks noGrp="1"/>
+          </p:cNvSpPr>
+          <p:nvPr>
+            <p:ph type="title"/>
+          </p:nvPr>
+        </p:nvSpPr>
+        <p:spPr/>
+        <p:txBody>
+          <a:bodyPr/>
+          <a:lstStyle/>
+          <a:p>
+            <a:r>
+              <a:rPr lang="en-US" altLang="zh-CN" dirty="0" err="1"/>
+              <a:t>hadoop</a:t>
+            </a:r>
+            <a:r>
+              <a:rPr lang="zh-CN" altLang="en-US" dirty="0"/>
+              <a:t>搭建高可用</a:t>
+            </a:r>
+            <a:r>
+              <a:rPr lang="en-US" altLang="zh-CN" dirty="0"/>
+              <a:t>——zookeeper</a:t>
+            </a:r>
+            <a:endParaRPr lang="zh-CN" altLang="en-US" dirty="0"/>
+          </a:p>
+        </p:txBody>
+      </p:sp>
+      <p:sp>
+        <p:nvSpPr>
+          <p:cNvPr id="3" name="内容占位符 2"/>
+          <p:cNvSpPr>
+            <a:spLocks noGrp="1"/>
+          </p:cNvSpPr>
+          <p:nvPr>
+            <p:ph idx="1"/>
+          </p:nvPr>
+        </p:nvSpPr>
+        <p:spPr/>
+        <p:txBody>
+          <a:bodyPr>
+            <a:normAutofit fontScale="55000" lnSpcReduction="20000"/>
+          </a:bodyPr>
+          <a:lstStyle/>
+          <a:p>
+            <a:pPr marL="0" indent="0">
+              <a:buNone/>
+            </a:pPr>
+            <a:r>
+              <a:rPr lang="en-US" altLang="zh-CN" dirty="0" smtClean="0"/>
+              <a:t>4.</a:t>
+            </a:r>
+            <a:r>
+              <a:rPr lang="zh-CN" altLang="en-US" dirty="0" smtClean="0"/>
+              <a:t>停掉其它服务，启动</a:t>
+            </a:r>
+            <a:r>
+              <a:rPr lang="en-US" altLang="zh-CN" dirty="0" smtClean="0"/>
+              <a:t>zookeeper</a:t>
+            </a:r>
+          </a:p>
+          <a:p>
+            <a:pPr marL="0" indent="0">
+              <a:buNone/>
+            </a:pPr>
+            <a:r>
+              <a:rPr lang="en-US" altLang="zh-CN" dirty="0"/>
+              <a:t>	[root@nn01 </a:t>
+            </a:r>
+            <a:r>
+              <a:rPr lang="en-US" altLang="zh-CN" dirty="0" err="1"/>
+              <a:t>hadoop</a:t>
+            </a:r>
+            <a:r>
+              <a:rPr lang="en-US" altLang="zh-CN" dirty="0"/>
+              <a:t>]# ./</a:t>
+            </a:r>
+            <a:r>
+              <a:rPr lang="en-US" altLang="zh-CN" dirty="0" smtClean="0"/>
+              <a:t>sbin/stop-all.sh</a:t>
+            </a:r>
+          </a:p>
+          <a:p>
+            <a:pPr marL="0" indent="0">
+              <a:buNone/>
+            </a:pPr>
+            <a:r>
+              <a:rPr lang="en-US" altLang="zh-CN" dirty="0"/>
+              <a:t>	[root@nn01 </a:t>
+            </a:r>
+            <a:r>
+              <a:rPr lang="en-US" altLang="zh-CN" dirty="0" err="1"/>
+              <a:t>hadoop</a:t>
+            </a:r>
+            <a:r>
+              <a:rPr lang="en-US" altLang="zh-CN" dirty="0"/>
+              <a:t>]# /usr/local/zookeeper/bin/zkServer.sh </a:t>
+            </a:r>
+            <a:r>
+              <a:rPr lang="en-US" altLang="zh-CN" dirty="0" smtClean="0"/>
+              <a:t>start</a:t>
+            </a:r>
+          </a:p>
+          <a:p>
+            <a:pPr marL="0" indent="0">
+              <a:buNone/>
+            </a:pPr>
+            <a:r>
+              <a:rPr lang="en-US" altLang="zh-CN" dirty="0"/>
+              <a:t>	[root@nn01 </a:t>
+            </a:r>
+            <a:r>
+              <a:rPr lang="en-US" altLang="zh-CN" dirty="0" err="1"/>
+              <a:t>hadoop</a:t>
+            </a:r>
+            <a:r>
+              <a:rPr lang="en-US" altLang="zh-CN" dirty="0"/>
+              <a:t>]# </a:t>
+            </a:r>
+            <a:r>
+              <a:rPr lang="en-US" altLang="zh-CN" dirty="0" err="1"/>
+              <a:t>jps</a:t>
+            </a:r>
+            <a:endParaRPr lang="en-US" altLang="zh-CN" dirty="0"/>
+          </a:p>
+          <a:p>
+            <a:pPr marL="1371600" lvl="3" indent="0">
+              <a:buNone/>
+            </a:pPr>
+            <a:r>
+              <a:rPr lang="en-US" altLang="zh-CN" dirty="0"/>
+              <a:t>31273 </a:t>
+            </a:r>
+            <a:r>
+              <a:rPr lang="en-US" altLang="zh-CN" dirty="0" err="1"/>
+              <a:t>Jps</a:t>
+            </a:r>
+            <a:endParaRPr lang="en-US" altLang="zh-CN" dirty="0"/>
+          </a:p>
+          <a:p>
+            <a:pPr marL="1371600" lvl="3" indent="0">
+              <a:buNone/>
+            </a:pPr>
+            <a:r>
+              <a:rPr lang="en-US" altLang="zh-CN" dirty="0"/>
+              <a:t>31243 </a:t>
+            </a:r>
+            <a:r>
+              <a:rPr lang="en-US" altLang="zh-CN" dirty="0" err="1" smtClean="0"/>
+              <a:t>QuorumPeerMain</a:t>
+            </a:r>
+            <a:endParaRPr lang="en-US" altLang="zh-CN" dirty="0" smtClean="0"/>
+          </a:p>
+          <a:p>
+            <a:pPr marL="0" indent="0">
+              <a:buNone/>
+            </a:pPr>
+            <a:r>
+              <a:rPr lang="en-US" altLang="zh-CN" dirty="0"/>
+              <a:t>	[root@nn01 </a:t>
+            </a:r>
+            <a:r>
+              <a:rPr lang="en-US" altLang="zh-CN" dirty="0" err="1"/>
+              <a:t>hadoop</a:t>
+            </a:r>
+            <a:r>
+              <a:rPr lang="en-US" altLang="zh-CN" dirty="0"/>
+              <a:t>]# /usr/local/zookeeper/bin/zkServer.sh status</a:t>
+            </a:r>
+          </a:p>
+          <a:p>
+            <a:pPr marL="1371600" lvl="3" indent="0">
+              <a:buNone/>
+            </a:pPr>
+            <a:r>
+              <a:rPr lang="en-US" altLang="zh-CN" dirty="0" err="1"/>
+              <a:t>ZooKeeper</a:t>
+            </a:r>
+            <a:r>
+              <a:rPr lang="en-US" altLang="zh-CN" dirty="0"/>
+              <a:t> JMX enabled by default</a:t>
+            </a:r>
+          </a:p>
+          <a:p>
+            <a:pPr marL="1371600" lvl="3" indent="0">
+              <a:buNone/>
+            </a:pPr>
+            <a:r>
+              <a:rPr lang="en-US" altLang="zh-CN" dirty="0"/>
+              <a:t>Using </a:t>
+            </a:r>
+            <a:r>
+              <a:rPr lang="en-US" altLang="zh-CN" dirty="0" err="1"/>
+              <a:t>config</a:t>
+            </a:r>
+            <a:r>
+              <a:rPr lang="en-US" altLang="zh-CN" dirty="0"/>
+              <a:t>: /</a:t>
+            </a:r>
+            <a:r>
+              <a:rPr lang="en-US" altLang="zh-CN" dirty="0" err="1"/>
+              <a:t>usr</a:t>
+            </a:r>
+            <a:r>
+              <a:rPr lang="en-US" altLang="zh-CN" dirty="0"/>
+              <a:t>/local/zookeeper/bin/../</a:t>
+            </a:r>
+            <a:r>
+              <a:rPr lang="en-US" altLang="zh-CN" dirty="0" err="1"/>
+              <a:t>conf</a:t>
+            </a:r>
+            <a:r>
+              <a:rPr lang="en-US" altLang="zh-CN" dirty="0"/>
+              <a:t>/</a:t>
+            </a:r>
+            <a:r>
+              <a:rPr lang="en-US" altLang="zh-CN" dirty="0" err="1"/>
+              <a:t>zoo.cfg</a:t>
+            </a:r>
+            <a:endParaRPr lang="en-US" altLang="zh-CN" dirty="0"/>
+          </a:p>
+          <a:p>
+            <a:pPr marL="1371600" lvl="3" indent="0">
+              <a:buNone/>
+            </a:pPr>
+            <a:r>
+              <a:rPr lang="en-US" altLang="zh-CN" dirty="0"/>
+              <a:t>Error contacting service. It is probably not running</a:t>
+            </a:r>
+            <a:r>
+              <a:rPr lang="en-US" altLang="zh-CN" dirty="0" smtClean="0"/>
+              <a:t>.</a:t>
+            </a:r>
+          </a:p>
+          <a:p>
+            <a:pPr marL="1371600" lvl="3" indent="0">
+              <a:buNone/>
+            </a:pPr>
+            <a:r>
+              <a:rPr lang="zh-CN" altLang="en-US" dirty="0" smtClean="0"/>
+              <a:t>只要存在</a:t>
+            </a:r>
+            <a:r>
+              <a:rPr lang="en-US" altLang="zh-CN" dirty="0" err="1" smtClean="0"/>
+              <a:t>jps</a:t>
+            </a:r>
+            <a:r>
+              <a:rPr lang="zh-CN" altLang="en-US" dirty="0" smtClean="0"/>
+              <a:t>里的角色即可</a:t>
+            </a:r>
+            <a:endParaRPr lang="en-US" altLang="zh-CN" dirty="0" smtClean="0"/>
+          </a:p>
+          <a:p>
+            <a:pPr marL="0" indent="0">
+              <a:buNone/>
+            </a:pPr>
+            <a:r>
+              <a:rPr lang="en-US" altLang="zh-CN" dirty="0"/>
+              <a:t>	[root@nn01 </a:t>
+            </a:r>
+            <a:r>
+              <a:rPr lang="en-US" altLang="zh-CN" dirty="0" err="1"/>
+              <a:t>hadoop</a:t>
+            </a:r>
+            <a:r>
+              <a:rPr lang="en-US" altLang="zh-CN" dirty="0"/>
+              <a:t>]# </a:t>
+            </a:r>
+            <a:r>
+              <a:rPr lang="en-US" altLang="zh-CN" dirty="0" err="1"/>
+              <a:t>ssh</a:t>
+            </a:r>
+            <a:r>
+              <a:rPr lang="en-US" altLang="zh-CN" dirty="0"/>
+              <a:t> </a:t>
+            </a:r>
+            <a:r>
+              <a:rPr lang="en-US" altLang="zh-CN" dirty="0" smtClean="0"/>
+              <a:t>node1 </a:t>
+            </a:r>
+            <a:r>
+              <a:rPr lang="en-US" altLang="zh-CN" dirty="0"/>
+              <a:t>/usr/local/zookeeper/bin/zkServer.sh </a:t>
+            </a:r>
+            <a:r>
+              <a:rPr lang="en-US" altLang="zh-CN" dirty="0" smtClean="0"/>
+              <a:t>start</a:t>
+            </a:r>
+          </a:p>
+          <a:p>
+            <a:pPr marL="0" indent="0">
+              <a:buNone/>
+            </a:pPr>
+            <a:r>
+              <a:rPr lang="en-US" altLang="zh-CN" dirty="0" smtClean="0"/>
+              <a:t>	[</a:t>
+            </a:r>
+            <a:r>
+              <a:rPr lang="en-US" altLang="zh-CN" dirty="0"/>
+              <a:t>root@nn01 </a:t>
+            </a:r>
+            <a:r>
+              <a:rPr lang="en-US" altLang="zh-CN" dirty="0" err="1"/>
+              <a:t>hadoop</a:t>
+            </a:r>
+            <a:r>
+              <a:rPr lang="en-US" altLang="zh-CN" dirty="0"/>
+              <a:t>]# </a:t>
+            </a:r>
+            <a:r>
+              <a:rPr lang="en-US" altLang="zh-CN" dirty="0" err="1"/>
+              <a:t>ssh</a:t>
+            </a:r>
+            <a:r>
+              <a:rPr lang="en-US" altLang="zh-CN" dirty="0"/>
+              <a:t> </a:t>
+            </a:r>
+            <a:r>
+              <a:rPr lang="en-US" altLang="zh-CN" dirty="0" smtClean="0"/>
+              <a:t>node2 </a:t>
+            </a:r>
+            <a:r>
+              <a:rPr lang="en-US" altLang="zh-CN" dirty="0"/>
+              <a:t>/usr/local/zookeeper/bin/zkServer.sh start</a:t>
+            </a:r>
+            <a:endParaRPr lang="zh-CN" altLang="en-US" dirty="0"/>
+          </a:p>
+          <a:p>
+            <a:pPr marL="0" indent="0">
+              <a:buNone/>
+            </a:pPr>
+            <a:r>
+              <a:rPr lang="en-US" altLang="zh-CN" dirty="0" smtClean="0"/>
+              <a:t>	</a:t>
+            </a:r>
+            <a:r>
+              <a:rPr lang="en-US" altLang="zh-CN" dirty="0"/>
+              <a:t>[root@nn01 </a:t>
+            </a:r>
+            <a:r>
+              <a:rPr lang="en-US" altLang="zh-CN" dirty="0" err="1"/>
+              <a:t>hadoop</a:t>
+            </a:r>
+            <a:r>
+              <a:rPr lang="en-US" altLang="zh-CN" dirty="0"/>
+              <a:t>]# </a:t>
+            </a:r>
+            <a:r>
+              <a:rPr lang="en-US" altLang="zh-CN" dirty="0" err="1"/>
+              <a:t>ssh</a:t>
+            </a:r>
+            <a:r>
+              <a:rPr lang="en-US" altLang="zh-CN" dirty="0"/>
+              <a:t> </a:t>
+            </a:r>
+            <a:r>
+              <a:rPr lang="en-US" altLang="zh-CN" dirty="0" smtClean="0"/>
+              <a:t>node3 </a:t>
+            </a:r>
+            <a:r>
+              <a:rPr lang="en-US" altLang="zh-CN" dirty="0"/>
+              <a:t>/usr/local/zookeeper/bin/zkServer.sh start</a:t>
+            </a:r>
+            <a:endParaRPr lang="zh-CN" altLang="en-US" dirty="0"/>
+          </a:p>
+          <a:p>
+            <a:pPr marL="0" indent="0">
+              <a:buNone/>
+            </a:pPr>
+            <a:r>
+              <a:rPr lang="en-US" altLang="zh-CN" dirty="0" smtClean="0"/>
+              <a:t>	</a:t>
+            </a:r>
+            <a:r>
+              <a:rPr lang="zh-CN" altLang="en-US" dirty="0" smtClean="0"/>
+              <a:t>经过一会儿，</a:t>
+            </a:r>
+            <a:r>
+              <a:rPr lang="en-US" altLang="zh-CN" dirty="0" smtClean="0"/>
+              <a:t>nn01</a:t>
+            </a:r>
+            <a:r>
+              <a:rPr lang="zh-CN" altLang="en-US" dirty="0" smtClean="0"/>
+              <a:t>，</a:t>
+            </a:r>
+            <a:r>
+              <a:rPr lang="en-US" altLang="zh-CN" dirty="0" smtClean="0"/>
+              <a:t>node1</a:t>
+            </a:r>
+            <a:r>
+              <a:rPr lang="zh-CN" altLang="en-US" dirty="0" smtClean="0"/>
+              <a:t>，</a:t>
+            </a:r>
+            <a:r>
+              <a:rPr lang="en-US" altLang="zh-CN" dirty="0" smtClean="0"/>
+              <a:t>node2</a:t>
+            </a:r>
+            <a:r>
+              <a:rPr lang="zh-CN" altLang="en-US" dirty="0" smtClean="0"/>
+              <a:t>，</a:t>
+            </a:r>
+            <a:r>
+              <a:rPr lang="en-US" altLang="zh-CN" dirty="0" smtClean="0"/>
+              <a:t>node3</a:t>
+            </a:r>
+            <a:r>
+              <a:rPr lang="zh-CN" altLang="en-US" dirty="0" smtClean="0"/>
+              <a:t>就有相应的角色了</a:t>
+            </a:r>
+            <a:endParaRPr lang="en-US" altLang="zh-CN" dirty="0" smtClean="0"/>
+          </a:p>
+          <a:p>
+            <a:pPr marL="0" indent="0">
+              <a:buNone/>
+            </a:pPr>
+            <a:r>
+              <a:rPr lang="en-US" altLang="zh-CN" dirty="0"/>
+              <a:t>	</a:t>
+            </a:r>
+            <a:r>
+              <a:rPr lang="zh-CN" altLang="en-US" dirty="0" smtClean="0"/>
+              <a:t>此时：</a:t>
+            </a:r>
+            <a:endParaRPr lang="en-US" altLang="zh-CN" dirty="0" smtClean="0"/>
+          </a:p>
+          <a:p>
+            <a:pPr marL="0" indent="0">
+              <a:buNone/>
+            </a:pPr>
+            <a:r>
+              <a:rPr lang="en-US" altLang="zh-CN" dirty="0"/>
+              <a:t>	</a:t>
+            </a:r>
+            <a:r>
+              <a:rPr lang="en-US" altLang="zh-CN" dirty="0" smtClean="0"/>
+              <a:t>	nn01:observer	node1:follower	node2:leader	node3:follower</a:t>
+            </a:r>
+            <a:endParaRPr lang="zh-CN" altLang="en-US" dirty="0"/>
+          </a:p>
+        </p:txBody>
+      </p:sp>
+    </p:spTree>
+    <p:extLst>
+      <p:ext uri="{BB962C8B-B14F-4D97-AF65-F5344CB8AC3E}">
+        <p14:creationId xmlns:p14="http://schemas.microsoft.com/office/powerpoint/2010/main" val="4146707182"/>
+      </p:ext>
+    </p:extLst>
+  </p:cSld>
+  <p:clrMapOvr>
+    <a:masterClrMapping/>
+  </p:clrMapOvr>
+</p:sld>
+</file>
+
+<file path=ppt/slides/slide37.xml><?xml version="1.0" encoding="utf-8"?>
+<p:sld xmlns:a="http://schemas.openxmlformats.org/drawingml/2006/main" xmlns:r="http://schemas.openxmlformats.org/officeDocument/2006/relationships" xmlns:p="http://schemas.openxmlformats.org/presentationml/2006/main">
+  <p:cSld>
+    <p:spTree>
+      <p:nvGrpSpPr>
+        <p:cNvPr id="1" name=""/>
+        <p:cNvGrpSpPr/>
+        <p:nvPr/>
+      </p:nvGrpSpPr>
+      <p:grpSpPr>
+        <a:xfrm>
+          <a:off x="0" y="0"/>
+          <a:ext cx="0" cy="0"/>
+          <a:chOff x="0" y="0"/>
+          <a:chExt cx="0" cy="0"/>
+        </a:xfrm>
+      </p:grpSpPr>
+      <p:sp>
+        <p:nvSpPr>
+          <p:cNvPr id="2" name="标题 1"/>
+          <p:cNvSpPr>
+            <a:spLocks noGrp="1"/>
+          </p:cNvSpPr>
+          <p:nvPr>
+            <p:ph type="title"/>
+          </p:nvPr>
+        </p:nvSpPr>
+        <p:spPr/>
+        <p:txBody>
+          <a:bodyPr/>
+          <a:lstStyle/>
+          <a:p>
+            <a:r>
+              <a:rPr lang="en-US" altLang="zh-CN" dirty="0" err="1"/>
+              <a:t>hadoop</a:t>
+            </a:r>
+            <a:r>
+              <a:rPr lang="zh-CN" altLang="en-US" dirty="0"/>
+              <a:t>搭建高可用</a:t>
+            </a:r>
+            <a:r>
+              <a:rPr lang="en-US" altLang="zh-CN" dirty="0"/>
+              <a:t>——zookeeper</a:t>
+            </a:r>
+            <a:endParaRPr lang="zh-CN" altLang="en-US" dirty="0"/>
+          </a:p>
+        </p:txBody>
+      </p:sp>
+      <p:sp>
+        <p:nvSpPr>
+          <p:cNvPr id="3" name="内容占位符 2"/>
+          <p:cNvSpPr>
+            <a:spLocks noGrp="1"/>
+          </p:cNvSpPr>
+          <p:nvPr>
+            <p:ph idx="1"/>
+          </p:nvPr>
+        </p:nvSpPr>
+        <p:spPr/>
+        <p:txBody>
+          <a:bodyPr>
+            <a:normAutofit fontScale="92500" lnSpcReduction="10000"/>
+          </a:bodyPr>
+          <a:lstStyle/>
+          <a:p>
+            <a:pPr marL="0" indent="0">
+              <a:buNone/>
+            </a:pPr>
+            <a:r>
+              <a:rPr lang="zh-CN" altLang="en-US" dirty="0" smtClean="0"/>
+              <a:t>利用</a:t>
+            </a:r>
+            <a:r>
+              <a:rPr lang="en-US" altLang="zh-CN" dirty="0" err="1" smtClean="0"/>
+              <a:t>api</a:t>
+            </a:r>
+            <a:r>
+              <a:rPr lang="zh-CN" altLang="en-US" dirty="0" smtClean="0"/>
+              <a:t>查看状态的脚本 </a:t>
+            </a:r>
+            <a:r>
+              <a:rPr lang="en-US" altLang="zh-CN" dirty="0" smtClean="0"/>
+              <a:t>vim zookeeper.sh</a:t>
+            </a:r>
+          </a:p>
+          <a:p>
+            <a:pPr marL="914400" lvl="2" indent="0">
+              <a:buNone/>
+            </a:pPr>
+            <a:r>
+              <a:rPr lang="en-US" altLang="zh-CN" dirty="0"/>
+              <a:t>#!/bin/bash</a:t>
+            </a:r>
+          </a:p>
+          <a:p>
+            <a:pPr marL="914400" lvl="2" indent="0">
+              <a:buNone/>
+            </a:pPr>
+            <a:r>
+              <a:rPr lang="en-US" altLang="zh-CN" dirty="0"/>
+              <a:t>function </a:t>
+            </a:r>
+            <a:r>
+              <a:rPr lang="en-US" altLang="zh-CN" dirty="0" err="1"/>
+              <a:t>getstatus</a:t>
+            </a:r>
+            <a:r>
+              <a:rPr lang="en-US" altLang="zh-CN" dirty="0"/>
+              <a:t>(){</a:t>
+            </a:r>
+          </a:p>
+          <a:p>
+            <a:pPr marL="914400" lvl="2" indent="0">
+              <a:buNone/>
+            </a:pPr>
+            <a:r>
+              <a:rPr lang="en-US" altLang="zh-CN" dirty="0"/>
+              <a:t>        exec 9&lt;&gt;/</a:t>
+            </a:r>
+            <a:r>
+              <a:rPr lang="en-US" altLang="zh-CN" dirty="0" err="1"/>
+              <a:t>dev</a:t>
+            </a:r>
+            <a:r>
+              <a:rPr lang="en-US" altLang="zh-CN" dirty="0"/>
+              <a:t>/</a:t>
+            </a:r>
+            <a:r>
+              <a:rPr lang="en-US" altLang="zh-CN" dirty="0" err="1"/>
+              <a:t>tcp</a:t>
+            </a:r>
+            <a:r>
+              <a:rPr lang="en-US" altLang="zh-CN" dirty="0"/>
+              <a:t>/$1/2181 2&gt;/</a:t>
+            </a:r>
+            <a:r>
+              <a:rPr lang="en-US" altLang="zh-CN" dirty="0" err="1"/>
+              <a:t>dev</a:t>
+            </a:r>
+            <a:r>
+              <a:rPr lang="en-US" altLang="zh-CN" dirty="0"/>
+              <a:t>/null</a:t>
+            </a:r>
+          </a:p>
+          <a:p>
+            <a:pPr marL="914400" lvl="2" indent="0">
+              <a:buNone/>
+            </a:pPr>
+            <a:r>
+              <a:rPr lang="en-US" altLang="zh-CN" dirty="0"/>
+              <a:t>        echo stat &gt;&amp;9</a:t>
+            </a:r>
+          </a:p>
+          <a:p>
+            <a:pPr marL="914400" lvl="2" indent="0">
+              <a:buNone/>
+            </a:pPr>
+            <a:r>
+              <a:rPr lang="en-US" altLang="zh-CN" dirty="0"/>
+              <a:t>        MODE=$(cat &lt;&amp;9|grep -P "^Mode")</a:t>
+            </a:r>
+          </a:p>
+          <a:p>
+            <a:pPr marL="914400" lvl="2" indent="0">
+              <a:buNone/>
+            </a:pPr>
+            <a:r>
+              <a:rPr lang="en-US" altLang="zh-CN" dirty="0"/>
+              <a:t>        exec 9&lt;&amp;-</a:t>
+            </a:r>
+          </a:p>
+          <a:p>
+            <a:pPr marL="914400" lvl="2" indent="0">
+              <a:buNone/>
+            </a:pPr>
+            <a:r>
+              <a:rPr lang="en-US" altLang="zh-CN" dirty="0"/>
+              <a:t>        echo ${MODE:-NULL}</a:t>
+            </a:r>
+          </a:p>
+          <a:p>
+            <a:pPr marL="914400" lvl="2" indent="0">
+              <a:buNone/>
+            </a:pPr>
+            <a:r>
+              <a:rPr lang="en-US" altLang="zh-CN" dirty="0"/>
+              <a:t>}</a:t>
+            </a:r>
+          </a:p>
+          <a:p>
+            <a:pPr marL="914400" lvl="2" indent="0">
+              <a:buNone/>
+            </a:pPr>
+            <a:r>
+              <a:rPr lang="en-US" altLang="zh-CN" dirty="0"/>
+              <a:t>for </a:t>
+            </a:r>
+            <a:r>
+              <a:rPr lang="en-US" altLang="zh-CN" dirty="0" err="1"/>
+              <a:t>i</a:t>
+            </a:r>
+            <a:r>
+              <a:rPr lang="en-US" altLang="zh-CN" dirty="0"/>
+              <a:t> in node{1..3} nn01</a:t>
+            </a:r>
+          </a:p>
+          <a:p>
+            <a:pPr marL="914400" lvl="2" indent="0">
+              <a:buNone/>
+            </a:pPr>
+            <a:r>
+              <a:rPr lang="en-US" altLang="zh-CN" dirty="0"/>
+              <a:t>do</a:t>
+            </a:r>
+          </a:p>
+          <a:p>
+            <a:pPr marL="914400" lvl="2" indent="0">
+              <a:buNone/>
+            </a:pPr>
+            <a:r>
+              <a:rPr lang="en-US" altLang="zh-CN" dirty="0"/>
+              <a:t>        echo -ne "${</a:t>
+            </a:r>
+            <a:r>
+              <a:rPr lang="en-US" altLang="zh-CN" dirty="0" err="1"/>
+              <a:t>i</a:t>
+            </a:r>
+            <a:r>
+              <a:rPr lang="en-US" altLang="zh-CN" dirty="0"/>
+              <a:t>}\t"</a:t>
+            </a:r>
+          </a:p>
+          <a:p>
+            <a:pPr marL="914400" lvl="2" indent="0">
+              <a:buNone/>
+            </a:pPr>
+            <a:r>
+              <a:rPr lang="en-US" altLang="zh-CN" dirty="0"/>
+              <a:t>        </a:t>
+            </a:r>
+            <a:r>
+              <a:rPr lang="en-US" altLang="zh-CN" dirty="0" err="1"/>
+              <a:t>getstatus</a:t>
+            </a:r>
+            <a:r>
+              <a:rPr lang="en-US" altLang="zh-CN" dirty="0"/>
+              <a:t> ${</a:t>
+            </a:r>
+            <a:r>
+              <a:rPr lang="en-US" altLang="zh-CN" dirty="0" err="1"/>
+              <a:t>i</a:t>
+            </a:r>
+            <a:r>
+              <a:rPr lang="en-US" altLang="zh-CN" dirty="0"/>
+              <a:t>}</a:t>
+            </a:r>
+          </a:p>
+          <a:p>
+            <a:pPr marL="914400" lvl="2" indent="0">
+              <a:buNone/>
+            </a:pPr>
+            <a:r>
+              <a:rPr lang="en-US" altLang="zh-CN" dirty="0"/>
+              <a:t>done</a:t>
+            </a:r>
+          </a:p>
+          <a:p>
+            <a:pPr marL="0" indent="0">
+              <a:buNone/>
+            </a:pPr>
+            <a:endParaRPr lang="zh-CN" altLang="en-US" dirty="0"/>
+          </a:p>
+        </p:txBody>
+      </p:sp>
+      <p:pic>
+        <p:nvPicPr>
+          <p:cNvPr id="4" name="图片 3"/>
+          <p:cNvPicPr>
+            <a:picLocks noChangeAspect="1"/>
+          </p:cNvPicPr>
+          <p:nvPr/>
+        </p:nvPicPr>
+        <p:blipFill>
+          <a:blip r:embed="rId2"/>
+          <a:stretch>
+            <a:fillRect/>
+          </a:stretch>
+        </p:blipFill>
+        <p:spPr>
+          <a:xfrm>
+            <a:off x="5039247" y="4707200"/>
+            <a:ext cx="4028571" cy="1133333"/>
+          </a:xfrm>
+          <a:prstGeom prst="rect">
+            <a:avLst/>
+          </a:prstGeom>
+        </p:spPr>
+      </p:pic>
+    </p:spTree>
+    <p:extLst>
+      <p:ext uri="{BB962C8B-B14F-4D97-AF65-F5344CB8AC3E}">
+        <p14:creationId xmlns:p14="http://schemas.microsoft.com/office/powerpoint/2010/main" val="1729399052"/>
+      </p:ext>
+    </p:extLst>
+  </p:cSld>
+  <p:clrMapOvr>
+    <a:masterClrMapping/>
+  </p:clrMapOvr>
+</p:sld>
+</file>
+
+<file path=ppt/slides/slide38.xml><?xml version="1.0" encoding="utf-8"?>
+<p:sld xmlns:a="http://schemas.openxmlformats.org/drawingml/2006/main" xmlns:r="http://schemas.openxmlformats.org/officeDocument/2006/relationships" xmlns:p="http://schemas.openxmlformats.org/presentationml/2006/main">
+  <p:cSld>
+    <p:spTree>
+      <p:nvGrpSpPr>
+        <p:cNvPr id="1" name=""/>
+        <p:cNvGrpSpPr/>
+        <p:nvPr/>
+      </p:nvGrpSpPr>
+      <p:grpSpPr>
+        <a:xfrm>
+          <a:off x="0" y="0"/>
+          <a:ext cx="0" cy="0"/>
+          <a:chOff x="0" y="0"/>
+          <a:chExt cx="0" cy="0"/>
+        </a:xfrm>
+      </p:grpSpPr>
+      <p:sp>
+        <p:nvSpPr>
+          <p:cNvPr id="2" name="标题 1"/>
+          <p:cNvSpPr>
+            <a:spLocks noGrp="1"/>
+          </p:cNvSpPr>
+          <p:nvPr>
+            <p:ph type="title"/>
+          </p:nvPr>
+        </p:nvSpPr>
+        <p:spPr/>
+        <p:txBody>
+          <a:bodyPr/>
+          <a:lstStyle/>
+          <a:p>
+            <a:r>
+              <a:rPr lang="en-US" altLang="zh-CN" dirty="0" err="1"/>
+              <a:t>hadoop</a:t>
+            </a:r>
+            <a:r>
+              <a:rPr lang="zh-CN" altLang="en-US" dirty="0"/>
+              <a:t>搭建高可用</a:t>
+            </a:r>
+            <a:r>
+              <a:rPr lang="en-US" altLang="zh-CN" dirty="0"/>
+              <a:t>——zookeeper</a:t>
+            </a:r>
+            <a:endParaRPr lang="zh-CN" altLang="en-US" dirty="0"/>
+          </a:p>
+        </p:txBody>
+      </p:sp>
+      <p:sp>
+        <p:nvSpPr>
+          <p:cNvPr id="3" name="内容占位符 2"/>
+          <p:cNvSpPr>
+            <a:spLocks noGrp="1"/>
+          </p:cNvSpPr>
+          <p:nvPr>
+            <p:ph idx="1"/>
+          </p:nvPr>
+        </p:nvSpPr>
+        <p:spPr/>
+        <p:txBody>
+          <a:bodyPr/>
+          <a:lstStyle/>
+          <a:p>
+            <a:pPr marL="0" indent="0">
+              <a:buNone/>
+            </a:pPr>
+            <a:endParaRPr lang="zh-CN" altLang="en-US" dirty="0"/>
+          </a:p>
+        </p:txBody>
+      </p:sp>
+    </p:spTree>
+    <p:extLst>
+      <p:ext uri="{BB962C8B-B14F-4D97-AF65-F5344CB8AC3E}">
+        <p14:creationId xmlns:p14="http://schemas.microsoft.com/office/powerpoint/2010/main" val="3461259503"/>
       </p:ext>
     </p:extLst>
   </p:cSld>
@@ -12442,15 +16131,7 @@
                   <a:srgbClr val="FF0000"/>
                 </a:solidFill>
               </a:rPr>
-              <a:t>记录数据位置关系，不做实际</a:t>
-            </a:r>
-            <a:r>
-              <a:rPr lang="zh-CN" altLang="en-US" sz="1400" dirty="0" smtClean="0">
-                <a:solidFill>
-                  <a:srgbClr val="FF0000"/>
-                </a:solidFill>
-              </a:rPr>
-              <a:t>存储</a:t>
+              <a:t>记录数据位置关系，不做实际存储</a:t>
             </a:r>
             <a:endParaRPr lang="en-US" altLang="zh-CN" sz="1400" dirty="0" smtClean="0">
               <a:solidFill>
@@ -15063,13 +18744,7 @@
               <a:rPr lang="en-US" altLang="zh-CN" dirty="0" smtClean="0">
                 <a:hlinkClick r:id="rId2"/>
               </a:rPr>
-              <a:t>http</a:t>
-            </a:r>
-            <a:r>
-              <a:rPr lang="en-US" altLang="zh-CN" dirty="0" smtClean="0">
-                <a:hlinkClick r:id="rId2"/>
-              </a:rPr>
-              <a:t>://hadoop.apache.org</a:t>
+              <a:t>http://hadoop.apache.org</a:t>
             </a:r>
             <a:r>
               <a:rPr lang="en-US" altLang="zh-CN" dirty="0" smtClean="0"/>
@@ -15185,13 +18860,7 @@
               <a:rPr lang="en-US" altLang="zh-CN" dirty="0" smtClean="0">
                 <a:sym typeface="Wingdings" panose="05000000000000000000" pitchFamily="2" charset="2"/>
               </a:rPr>
-              <a:t> </a:t>
-            </a:r>
-            <a:r>
-              <a:rPr lang="en-US" altLang="zh-CN" dirty="0" smtClean="0">
-                <a:sym typeface="Wingdings" panose="05000000000000000000" pitchFamily="2" charset="2"/>
-              </a:rPr>
-              <a:t>java-1.8.0-openjdk</a:t>
+              <a:t> java-1.8.0-openjdk</a:t>
             </a:r>
             <a:r>
               <a:rPr lang="zh-CN" altLang="en-US" dirty="0" smtClean="0">
@@ -15211,11 +18880,19 @@
             </a:r>
             <a:r>
               <a:rPr lang="en-US" altLang="zh-CN" dirty="0" smtClean="0"/>
-              <a:t>	HADOOP_CONF_DIR</a:t>
-            </a:r>
-            <a:r>
-              <a:rPr lang="en-US" altLang="zh-CN" dirty="0" smtClean="0"/>
-              <a:t>=“</a:t>
+              <a:t>	HADOOP_CONF_DIR=“/</a:t>
+            </a:r>
+            <a:r>
+              <a:rPr lang="en-US" altLang="zh-CN" dirty="0" err="1" smtClean="0"/>
+              <a:t>usr</a:t>
+            </a:r>
+            <a:r>
+              <a:rPr lang="en-US" altLang="zh-CN" dirty="0" smtClean="0"/>
+              <a:t>/local/</a:t>
+            </a:r>
+            <a:r>
+              <a:rPr lang="en-US" altLang="zh-CN" dirty="0" err="1" smtClean="0"/>
+              <a:t>hadoop</a:t>
             </a:r>
             <a:r>
               <a:rPr lang="en-US" altLang="zh-CN" dirty="0" smtClean="0"/>
@@ -15223,31 +18900,11 @@
             </a:r>
             <a:r>
               <a:rPr lang="en-US" altLang="zh-CN" dirty="0" err="1" smtClean="0"/>
-              <a:t>usr</a:t>
-            </a:r>
-            <a:r>
-              <a:rPr lang="en-US" altLang="zh-CN" dirty="0" smtClean="0"/>
-              <a:t>/local/</a:t>
-            </a:r>
-            <a:r>
-              <a:rPr lang="en-US" altLang="zh-CN" dirty="0" err="1" smtClean="0"/>
-              <a:t>hadoop</a:t>
-            </a:r>
-            <a:r>
-              <a:rPr lang="en-US" altLang="zh-CN" dirty="0" smtClean="0"/>
-              <a:t>/</a:t>
-            </a:r>
-            <a:r>
-              <a:rPr lang="en-US" altLang="zh-CN" dirty="0" err="1" smtClean="0"/>
               <a:t>etc</a:t>
             </a:r>
             <a:r>
               <a:rPr lang="en-US" altLang="zh-CN" dirty="0" smtClean="0"/>
-              <a:t>/</a:t>
-            </a:r>
-            <a:r>
-              <a:rPr lang="en-US" altLang="zh-CN" dirty="0" smtClean="0"/>
-              <a:t>”</a:t>
+              <a:t>/”</a:t>
             </a:r>
           </a:p>
           <a:p>
@@ -15578,23 +19235,18 @@
               <a:rPr lang="en-US" altLang="zh-CN" dirty="0" smtClean="0"/>
               <a:t>/</a:t>
             </a:r>
-            <a:endParaRPr lang="en-US" altLang="zh-CN" dirty="0" smtClean="0"/>
-          </a:p>
-          <a:p>
-            <a:pPr marL="0" indent="0">
-              <a:buNone/>
-            </a:pPr>
-            <a:r>
-              <a:rPr lang="en-US" altLang="zh-CN" dirty="0"/>
-              <a:t>	</a:t>
-            </a:r>
-            <a:r>
-              <a:rPr lang="en-US" altLang="zh-CN" dirty="0" smtClean="0"/>
-              <a:t>./</a:t>
-            </a:r>
-            <a:r>
-              <a:rPr lang="en-US" altLang="zh-CN" dirty="0" smtClean="0"/>
-              <a:t>bin/</a:t>
+          </a:p>
+          <a:p>
+            <a:pPr marL="0" indent="0">
+              <a:buNone/>
+            </a:pPr>
+            <a:r>
+              <a:rPr lang="en-US" altLang="zh-CN" dirty="0"/>
+              <a:t>	</a:t>
+            </a:r>
+            <a:r>
+              <a:rPr lang="en-US" altLang="zh-CN" dirty="0" smtClean="0"/>
+              <a:t>./bin/</a:t>
             </a:r>
             <a:r>
               <a:rPr lang="en-US" altLang="zh-CN" dirty="0" err="1" smtClean="0"/>
@@ -15602,11 +19254,7 @@
             </a:r>
             <a:r>
               <a:rPr lang="en-US" altLang="zh-CN" dirty="0" smtClean="0"/>
-              <a:t> </a:t>
-            </a:r>
-            <a:r>
-              <a:rPr lang="en-US" altLang="zh-CN" dirty="0" smtClean="0"/>
-              <a:t>jar </a:t>
+              <a:t> jar </a:t>
             </a:r>
             <a:r>
               <a:rPr lang="en-US" altLang="zh-CN" dirty="0"/>
@@ -15642,11 +19290,7 @@
             </a:r>
             <a:r>
               <a:rPr lang="en-US" altLang="zh-CN" dirty="0" smtClean="0"/>
-              <a:t> </a:t>
-            </a:r>
-            <a:r>
-              <a:rPr lang="en-US" altLang="zh-CN" dirty="0" smtClean="0"/>
-              <a:t>xx</a:t>
+              <a:t> xx</a:t>
             </a:r>
           </a:p>
           <a:p>
